--- a/Project Presentation.pptx
+++ b/Project Presentation.pptx
@@ -2,10 +2,11 @@
 <file path=ppt/presentation.xml><?xml version="1.0" encoding="utf-8"?>
 <p:presentation xmlns:a="http://schemas.openxmlformats.org/drawingml/2006/main" xmlns:r="http://schemas.openxmlformats.org/officeDocument/2006/relationships" xmlns:p="http://schemas.openxmlformats.org/presentationml/2006/main" saveSubsetFonts="1">
   <p:sldMasterIdLst>
-    <p:sldMasterId id="2147483648" r:id="rId1"/>
+    <p:sldMasterId id="2147483660" r:id="rId1"/>
   </p:sldMasterIdLst>
   <p:sldIdLst>
     <p:sldId id="256" r:id="rId2"/>
+    <p:sldId id="257" r:id="rId3"/>
   </p:sldIdLst>
   <p:sldSz cx="12192000" cy="6858000"/>
   <p:notesSz cx="6858000" cy="9144000"/>
@@ -104,11 +105,16 @@
       </a:defRPr>
     </a:lvl9pPr>
   </p:defaultTextStyle>
+  <p:extLst>
+    <p:ext uri="{EFAFB233-063F-42B5-8137-9DF3F51BA10A}">
+      <p15:sldGuideLst xmlns:p15="http://schemas.microsoft.com/office/powerpoint/2012/main"/>
+    </p:ext>
+  </p:extLst>
 </p:presentation>
 </file>
 
 <file path=ppt/slideLayouts/slideLayout1.xml><?xml version="1.0" encoding="utf-8"?>
-<p:sldLayout xmlns:a="http://schemas.openxmlformats.org/drawingml/2006/main" xmlns:r="http://schemas.openxmlformats.org/officeDocument/2006/relationships" xmlns:p="http://schemas.openxmlformats.org/presentationml/2006/main" type="title" preserve="1">
+<p:sldLayout xmlns:a="http://schemas.openxmlformats.org/drawingml/2006/main" xmlns:r="http://schemas.openxmlformats.org/officeDocument/2006/relationships" xmlns:p="http://schemas.openxmlformats.org/presentationml/2006/main" showMasterSp="0" type="title" preserve="1">
   <p:cSld name="Title Slide">
     <p:spTree>
       <p:nvGrpSpPr>
@@ -126,50 +132,351 @@
       </p:grpSpPr>
       <p:sp>
         <p:nvSpPr>
-          <p:cNvPr id="2" name="Title 1">
+          <p:cNvPr id="5" name="Rectangle 4">
             <a:extLst>
               <a:ext uri="{FF2B5EF4-FFF2-40B4-BE49-F238E27FC236}">
-                <a16:creationId xmlns:a16="http://schemas.microsoft.com/office/drawing/2014/main" id="{8B4AC045-84FA-DC2C-31B2-D5CC02390CC6}"/>
+                <a16:creationId xmlns:a16="http://schemas.microsoft.com/office/drawing/2014/main" id="{904DB13E-F722-4ED6-BB00-556651E95281}"/>
               </a:ext>
             </a:extLst>
           </p:cNvPr>
-          <p:cNvSpPr>
-            <a:spLocks noGrp="1"/>
-          </p:cNvSpPr>
-          <p:nvPr>
-            <p:ph type="ctrTitle"/>
-          </p:nvPr>
-        </p:nvSpPr>
-        <p:spPr>
-          <a:xfrm>
-            <a:off x="1524000" y="1122363"/>
-            <a:ext cx="9144000" cy="2387600"/>
-          </a:xfrm>
-        </p:spPr>
-        <p:txBody>
-          <a:bodyPr anchor="b"/>
-          <a:lstStyle>
-            <a:lvl1pPr algn="ctr">
-              <a:defRPr sz="6000"/>
-            </a:lvl1pPr>
-          </a:lstStyle>
-          <a:p>
-            <a:r>
-              <a:rPr lang="en-US"/>
-              <a:t>Click to edit Master title style</a:t>
-            </a:r>
-          </a:p>
-        </p:txBody>
-      </p:sp>
-      <p:sp>
-        <p:nvSpPr>
-          <p:cNvPr id="3" name="Subtitle 2">
+          <p:cNvSpPr/>
+          <p:nvPr/>
+        </p:nvSpPr>
+        <p:spPr>
+          <a:xfrm>
+            <a:off x="0" y="0"/>
+            <a:ext cx="12192000" cy="6858000"/>
+          </a:xfrm>
+          <a:prstGeom prst="rect">
+            <a:avLst/>
+          </a:prstGeom>
+          <a:solidFill>
+            <a:schemeClr val="tx1">
+              <a:lumMod val="65000"/>
+              <a:lumOff val="35000"/>
+            </a:schemeClr>
+          </a:solidFill>
+          <a:ln>
+            <a:noFill/>
+          </a:ln>
+        </p:spPr>
+        <p:style>
+          <a:lnRef idx="2">
+            <a:schemeClr val="accent1">
+              <a:shade val="50000"/>
+            </a:schemeClr>
+          </a:lnRef>
+          <a:fillRef idx="1">
+            <a:schemeClr val="accent1"/>
+          </a:fillRef>
+          <a:effectRef idx="0">
+            <a:schemeClr val="accent1"/>
+          </a:effectRef>
+          <a:fontRef idx="minor">
+            <a:schemeClr val="lt1"/>
+          </a:fontRef>
+        </p:style>
+        <p:txBody>
+          <a:bodyPr rtlCol="0" anchor="ctr"/>
+          <a:lstStyle/>
+          <a:p>
+            <a:pPr algn="ctr"/>
+            <a:endParaRPr lang="en-US"/>
+          </a:p>
+        </p:txBody>
+      </p:sp>
+      <p:sp useBgFill="1">
+        <p:nvSpPr>
+          <p:cNvPr id="10" name="Rectangle 9"/>
+          <p:cNvSpPr/>
+          <p:nvPr/>
+        </p:nvSpPr>
+        <p:spPr>
+          <a:xfrm>
+            <a:off x="1307870" y="1267730"/>
+            <a:ext cx="9576262" cy="4307950"/>
+          </a:xfrm>
+          <a:prstGeom prst="rect">
+            <a:avLst/>
+          </a:prstGeom>
+          <a:ln w="6350" cap="flat" cmpd="sng" algn="ctr">
+            <a:noFill/>
+            <a:prstDash val="solid"/>
+          </a:ln>
+          <a:effectLst>
+            <a:outerShdw blurRad="50800" algn="ctr" rotWithShape="0">
+              <a:prstClr val="black">
+                <a:alpha val="66000"/>
+              </a:prstClr>
+            </a:outerShdw>
+            <a:softEdge rad="0"/>
+          </a:effectLst>
+        </p:spPr>
+      </p:sp>
+      <p:sp>
+        <p:nvSpPr>
+          <p:cNvPr id="11" name="Rectangle 10"/>
+          <p:cNvSpPr/>
+          <p:nvPr/>
+        </p:nvSpPr>
+        <p:spPr>
+          <a:xfrm>
+            <a:off x="1447801" y="1411615"/>
+            <a:ext cx="9296400" cy="4034770"/>
+          </a:xfrm>
+          <a:prstGeom prst="rect">
+            <a:avLst/>
+          </a:prstGeom>
+          <a:noFill/>
+          <a:ln w="6350" cap="sq" cmpd="sng" algn="ctr">
+            <a:solidFill>
+              <a:schemeClr val="tx1">
+                <a:lumMod val="75000"/>
+                <a:lumOff val="25000"/>
+              </a:schemeClr>
+            </a:solidFill>
+            <a:prstDash val="solid"/>
+            <a:miter lim="800000"/>
+          </a:ln>
+          <a:effectLst/>
+        </p:spPr>
+      </p:sp>
+      <p:sp>
+        <p:nvSpPr>
+          <p:cNvPr id="15" name="Rectangle 14"/>
+          <p:cNvSpPr/>
+          <p:nvPr/>
+        </p:nvSpPr>
+        <p:spPr>
+          <a:xfrm>
+            <a:off x="5135880" y="1267730"/>
+            <a:ext cx="1920240" cy="731520"/>
+          </a:xfrm>
+          <a:prstGeom prst="rect">
+            <a:avLst/>
+          </a:prstGeom>
+          <a:solidFill>
+            <a:schemeClr val="accent1"/>
+          </a:solidFill>
+          <a:ln>
+            <a:noFill/>
+          </a:ln>
+        </p:spPr>
+        <p:style>
+          <a:lnRef idx="2">
+            <a:schemeClr val="accent1">
+              <a:shade val="50000"/>
+            </a:schemeClr>
+          </a:lnRef>
+          <a:fillRef idx="1">
+            <a:schemeClr val="accent1"/>
+          </a:fillRef>
+          <a:effectRef idx="0">
+            <a:schemeClr val="accent1"/>
+          </a:effectRef>
+          <a:fontRef idx="minor">
+            <a:schemeClr val="lt1"/>
+          </a:fontRef>
+        </p:style>
+      </p:sp>
+      <p:grpSp>
+        <p:nvGrpSpPr>
+          <p:cNvPr id="7" name="Group 6">
             <a:extLst>
               <a:ext uri="{FF2B5EF4-FFF2-40B4-BE49-F238E27FC236}">
-                <a16:creationId xmlns:a16="http://schemas.microsoft.com/office/drawing/2014/main" id="{72748AA6-8F2B-BA0F-6BDA-AF9FEDADC23A}"/>
+                <a16:creationId xmlns:a16="http://schemas.microsoft.com/office/drawing/2014/main" id="{E26428D7-C6F3-473D-A360-A3F5C3E8728C}"/>
               </a:ext>
             </a:extLst>
           </p:cNvPr>
+          <p:cNvGrpSpPr/>
+          <p:nvPr/>
+        </p:nvGrpSpPr>
+        <p:grpSpPr>
+          <a:xfrm>
+            <a:off x="5250180" y="1267730"/>
+            <a:ext cx="1691640" cy="615934"/>
+            <a:chOff x="5250180" y="1267730"/>
+            <a:chExt cx="1691640" cy="615934"/>
+          </a:xfrm>
+        </p:grpSpPr>
+        <p:cxnSp>
+          <p:nvCxnSpPr>
+            <p:cNvPr id="17" name="Straight Connector 16"/>
+            <p:cNvCxnSpPr/>
+            <p:nvPr/>
+          </p:nvCxnSpPr>
+          <p:spPr>
+            <a:xfrm>
+              <a:off x="5250180" y="1267730"/>
+              <a:ext cx="0" cy="612648"/>
+            </a:xfrm>
+            <a:prstGeom prst="line">
+              <a:avLst/>
+            </a:prstGeom>
+            <a:solidFill>
+              <a:schemeClr val="tx1">
+                <a:lumMod val="85000"/>
+                <a:lumOff val="15000"/>
+              </a:schemeClr>
+            </a:solidFill>
+            <a:ln>
+              <a:solidFill>
+                <a:srgbClr val="FFFFFF"/>
+              </a:solidFill>
+              <a:miter lim="800000"/>
+            </a:ln>
+          </p:spPr>
+          <p:style>
+            <a:lnRef idx="1">
+              <a:schemeClr val="accent1"/>
+            </a:lnRef>
+            <a:fillRef idx="0">
+              <a:schemeClr val="accent1"/>
+            </a:fillRef>
+            <a:effectRef idx="0">
+              <a:schemeClr val="accent1"/>
+            </a:effectRef>
+            <a:fontRef idx="minor">
+              <a:schemeClr val="tx1"/>
+            </a:fontRef>
+          </p:style>
+        </p:cxnSp>
+        <p:cxnSp>
+          <p:nvCxnSpPr>
+            <p:cNvPr id="18" name="Straight Connector 17"/>
+            <p:cNvCxnSpPr/>
+            <p:nvPr/>
+          </p:nvCxnSpPr>
+          <p:spPr>
+            <a:xfrm>
+              <a:off x="6941820" y="1267730"/>
+              <a:ext cx="0" cy="612648"/>
+            </a:xfrm>
+            <a:prstGeom prst="line">
+              <a:avLst/>
+            </a:prstGeom>
+            <a:solidFill>
+              <a:schemeClr val="tx1">
+                <a:lumMod val="85000"/>
+                <a:lumOff val="15000"/>
+              </a:schemeClr>
+            </a:solidFill>
+            <a:ln>
+              <a:solidFill>
+                <a:srgbClr val="FFFFFF"/>
+              </a:solidFill>
+              <a:miter lim="800000"/>
+            </a:ln>
+          </p:spPr>
+          <p:style>
+            <a:lnRef idx="1">
+              <a:schemeClr val="accent1"/>
+            </a:lnRef>
+            <a:fillRef idx="0">
+              <a:schemeClr val="accent1"/>
+            </a:fillRef>
+            <a:effectRef idx="0">
+              <a:schemeClr val="accent1"/>
+            </a:effectRef>
+            <a:fontRef idx="minor">
+              <a:schemeClr val="tx1"/>
+            </a:fontRef>
+          </p:style>
+        </p:cxnSp>
+        <p:cxnSp>
+          <p:nvCxnSpPr>
+            <p:cNvPr id="19" name="Straight Connector 18"/>
+            <p:cNvCxnSpPr/>
+            <p:nvPr/>
+          </p:nvCxnSpPr>
+          <p:spPr>
+            <a:xfrm>
+              <a:off x="5250180" y="1883664"/>
+              <a:ext cx="1691640" cy="0"/>
+            </a:xfrm>
+            <a:prstGeom prst="line">
+              <a:avLst/>
+            </a:prstGeom>
+            <a:solidFill>
+              <a:schemeClr val="tx1">
+                <a:lumMod val="85000"/>
+                <a:lumOff val="15000"/>
+              </a:schemeClr>
+            </a:solidFill>
+            <a:ln>
+              <a:solidFill>
+                <a:srgbClr val="FFFFFF"/>
+              </a:solidFill>
+              <a:miter lim="800000"/>
+            </a:ln>
+          </p:spPr>
+          <p:style>
+            <a:lnRef idx="1">
+              <a:schemeClr val="accent1"/>
+            </a:lnRef>
+            <a:fillRef idx="0">
+              <a:schemeClr val="accent1"/>
+            </a:fillRef>
+            <a:effectRef idx="0">
+              <a:schemeClr val="accent1"/>
+            </a:effectRef>
+            <a:fontRef idx="minor">
+              <a:schemeClr val="tx1"/>
+            </a:fontRef>
+          </p:style>
+        </p:cxnSp>
+      </p:grpSp>
+      <p:sp>
+        <p:nvSpPr>
+          <p:cNvPr id="2" name="Title 1"/>
+          <p:cNvSpPr>
+            <a:spLocks noGrp="1"/>
+          </p:cNvSpPr>
+          <p:nvPr>
+            <p:ph type="ctrTitle"/>
+          </p:nvPr>
+        </p:nvSpPr>
+        <p:spPr>
+          <a:xfrm>
+            <a:off x="1629103" y="2244830"/>
+            <a:ext cx="8933796" cy="2437232"/>
+          </a:xfrm>
+        </p:spPr>
+        <p:txBody>
+          <a:bodyPr tIns="45720" bIns="45720" anchor="ctr">
+            <a:normAutofit/>
+          </a:bodyPr>
+          <a:lstStyle>
+            <a:lvl1pPr algn="ctr">
+              <a:lnSpc>
+                <a:spcPct val="83000"/>
+              </a:lnSpc>
+              <a:defRPr lang="en-US" sz="6800" b="0" kern="1200" cap="all" spc="-100" baseline="0" dirty="0">
+                <a:solidFill>
+                  <a:schemeClr val="tx1">
+                    <a:lumMod val="85000"/>
+                    <a:lumOff val="15000"/>
+                  </a:schemeClr>
+                </a:solidFill>
+                <a:effectLst/>
+                <a:latin typeface="+mj-lt"/>
+                <a:ea typeface="+mn-ea"/>
+                <a:cs typeface="+mn-cs"/>
+              </a:defRPr>
+            </a:lvl1pPr>
+          </a:lstStyle>
+          <a:p>
+            <a:r>
+              <a:rPr lang="en-US"/>
+              <a:t>Click to edit Master title style</a:t>
+            </a:r>
+            <a:endParaRPr lang="en-US" dirty="0"/>
+          </a:p>
+        </p:txBody>
+      </p:sp>
+      <p:sp>
+        <p:nvSpPr>
+          <p:cNvPr id="3" name="Subtitle 2"/>
           <p:cNvSpPr>
             <a:spLocks noGrp="1"/>
           </p:cNvSpPr>
@@ -179,24 +486,36 @@
         </p:nvSpPr>
         <p:spPr>
           <a:xfrm>
-            <a:off x="1524000" y="3602038"/>
-            <a:ext cx="9144000" cy="1655762"/>
-          </a:xfrm>
-        </p:spPr>
-        <p:txBody>
-          <a:bodyPr/>
+            <a:off x="1629101" y="4682062"/>
+            <a:ext cx="8936846" cy="457201"/>
+          </a:xfrm>
+        </p:spPr>
+        <p:txBody>
+          <a:bodyPr>
+            <a:normAutofit/>
+          </a:bodyPr>
           <a:lstStyle>
             <a:lvl1pPr marL="0" indent="0" algn="ctr">
-              <a:buNone/>
-              <a:defRPr sz="2400"/>
+              <a:spcBef>
+                <a:spcPts val="0"/>
+              </a:spcBef>
+              <a:buNone/>
+              <a:defRPr sz="1800" spc="80" baseline="0">
+                <a:solidFill>
+                  <a:schemeClr val="tx1">
+                    <a:lumMod val="95000"/>
+                    <a:lumOff val="5000"/>
+                  </a:schemeClr>
+                </a:solidFill>
+              </a:defRPr>
             </a:lvl1pPr>
             <a:lvl2pPr marL="457200" indent="0" algn="ctr">
               <a:buNone/>
-              <a:defRPr sz="2000"/>
+              <a:defRPr sz="1600"/>
             </a:lvl2pPr>
             <a:lvl3pPr marL="914400" indent="0" algn="ctr">
               <a:buNone/>
-              <a:defRPr sz="1800"/>
+              <a:defRPr sz="1600"/>
             </a:lvl3pPr>
             <a:lvl4pPr marL="1371600" indent="0" algn="ctr">
               <a:buNone/>
@@ -228,18 +547,13 @@
               <a:rPr lang="en-US"/>
               <a:t>Click to edit Master subtitle style</a:t>
             </a:r>
-          </a:p>
-        </p:txBody>
-      </p:sp>
-      <p:sp>
-        <p:nvSpPr>
-          <p:cNvPr id="4" name="Date Placeholder 3">
-            <a:extLst>
-              <a:ext uri="{FF2B5EF4-FFF2-40B4-BE49-F238E27FC236}">
-                <a16:creationId xmlns:a16="http://schemas.microsoft.com/office/drawing/2014/main" id="{BEC99B72-557E-DF37-98C3-09A95353C4A9}"/>
-              </a:ext>
-            </a:extLst>
-          </p:cNvPr>
+            <a:endParaRPr lang="en-US" dirty="0"/>
+          </a:p>
+        </p:txBody>
+      </p:sp>
+      <p:sp>
+        <p:nvSpPr>
+          <p:cNvPr id="20" name="Date Placeholder 19"/>
           <p:cNvSpPr>
             <a:spLocks noGrp="1"/>
           </p:cNvSpPr>
@@ -247,28 +561,36 @@
             <p:ph type="dt" sz="half" idx="10"/>
           </p:nvPr>
         </p:nvSpPr>
-        <p:spPr/>
+        <p:spPr>
+          <a:xfrm>
+            <a:off x="5318760" y="1341256"/>
+            <a:ext cx="1554480" cy="485546"/>
+          </a:xfrm>
+        </p:spPr>
         <p:txBody>
           <a:bodyPr/>
-          <a:lstStyle/>
-          <a:p>
-            <a:fld id="{5C4CEB73-E482-4CD7-9FE1-DDD2290E98F1}" type="datetimeFigureOut">
+          <a:lstStyle>
+            <a:lvl1pPr algn="ctr">
+              <a:defRPr sz="1300" spc="0" baseline="0">
+                <a:solidFill>
+                  <a:srgbClr val="FFFFFF"/>
+                </a:solidFill>
+                <a:latin typeface="+mn-lt"/>
+              </a:defRPr>
+            </a:lvl1pPr>
+          </a:lstStyle>
+          <a:p>
+            <a:fld id="{EA0C0817-A112-4847-8014-A94B7D2A4EA3}" type="datetime1">
               <a:rPr lang="en-US" smtClean="0"/>
-              <a:t>7/11/2023</a:t>
+              <a:t>7/12/2023</a:t>
             </a:fld>
-            <a:endParaRPr lang="en-US"/>
-          </a:p>
-        </p:txBody>
-      </p:sp>
-      <p:sp>
-        <p:nvSpPr>
-          <p:cNvPr id="5" name="Footer Placeholder 4">
-            <a:extLst>
-              <a:ext uri="{FF2B5EF4-FFF2-40B4-BE49-F238E27FC236}">
-                <a16:creationId xmlns:a16="http://schemas.microsoft.com/office/drawing/2014/main" id="{4AB69DAE-8627-48EA-8DFB-E40D2BAC6687}"/>
-              </a:ext>
-            </a:extLst>
-          </p:cNvPr>
+            <a:endParaRPr lang="en-US" dirty="0"/>
+          </a:p>
+        </p:txBody>
+      </p:sp>
+      <p:sp>
+        <p:nvSpPr>
+          <p:cNvPr id="21" name="Footer Placeholder 20"/>
           <p:cNvSpPr>
             <a:spLocks noGrp="1"/>
           </p:cNvSpPr>
@@ -276,24 +598,34 @@
             <p:ph type="ftr" sz="quarter" idx="11"/>
           </p:nvPr>
         </p:nvSpPr>
-        <p:spPr/>
+        <p:spPr>
+          <a:xfrm>
+            <a:off x="1629100" y="5177408"/>
+            <a:ext cx="5730295" cy="228600"/>
+          </a:xfrm>
+        </p:spPr>
         <p:txBody>
           <a:bodyPr/>
-          <a:lstStyle/>
-          <a:p>
-            <a:endParaRPr lang="en-US"/>
-          </a:p>
-        </p:txBody>
-      </p:sp>
-      <p:sp>
-        <p:nvSpPr>
-          <p:cNvPr id="6" name="Slide Number Placeholder 5">
-            <a:extLst>
-              <a:ext uri="{FF2B5EF4-FFF2-40B4-BE49-F238E27FC236}">
-                <a16:creationId xmlns:a16="http://schemas.microsoft.com/office/drawing/2014/main" id="{2B40D308-5425-C91B-3016-ADCE319D8055}"/>
-              </a:ext>
-            </a:extLst>
-          </p:cNvPr>
+          <a:lstStyle>
+            <a:lvl1pPr algn="l">
+              <a:defRPr>
+                <a:solidFill>
+                  <a:schemeClr val="tx1">
+                    <a:lumMod val="85000"/>
+                    <a:lumOff val="15000"/>
+                  </a:schemeClr>
+                </a:solidFill>
+              </a:defRPr>
+            </a:lvl1pPr>
+          </a:lstStyle>
+          <a:p>
+            <a:endParaRPr lang="en-US" dirty="0"/>
+          </a:p>
+        </p:txBody>
+      </p:sp>
+      <p:sp>
+        <p:nvSpPr>
+          <p:cNvPr id="22" name="Slide Number Placeholder 21"/>
           <p:cNvSpPr>
             <a:spLocks noGrp="1"/>
           </p:cNvSpPr>
@@ -301,23 +633,39 @@
             <p:ph type="sldNum" sz="quarter" idx="12"/>
           </p:nvPr>
         </p:nvSpPr>
-        <p:spPr/>
+        <p:spPr>
+          <a:xfrm>
+            <a:off x="8606920" y="5177408"/>
+            <a:ext cx="1955980" cy="228600"/>
+          </a:xfrm>
+        </p:spPr>
         <p:txBody>
           <a:bodyPr/>
-          <a:lstStyle/>
-          <a:p>
-            <a:fld id="{E50C8935-95C3-4CD2-97BD-B2DE64732B28}" type="slidenum">
+          <a:lstStyle>
+            <a:lvl1pPr>
+              <a:defRPr>
+                <a:solidFill>
+                  <a:schemeClr val="tx1">
+                    <a:lumMod val="85000"/>
+                    <a:lumOff val="15000"/>
+                  </a:schemeClr>
+                </a:solidFill>
+              </a:defRPr>
+            </a:lvl1pPr>
+          </a:lstStyle>
+          <a:p>
+            <a:fld id="{34B7E4EF-A1BD-40F4-AB7B-04F084DD991D}" type="slidenum">
               <a:rPr lang="en-US" smtClean="0"/>
               <a:t>‹#›</a:t>
             </a:fld>
-            <a:endParaRPr lang="en-US"/>
+            <a:endParaRPr lang="en-US" dirty="0"/>
           </a:p>
         </p:txBody>
       </p:sp>
     </p:spTree>
     <p:extLst>
       <p:ext uri="{BB962C8B-B14F-4D97-AF65-F5344CB8AC3E}">
-        <p14:creationId xmlns:p14="http://schemas.microsoft.com/office/powerpoint/2010/main" val="4063648036"/>
+        <p14:creationId xmlns:p14="http://schemas.microsoft.com/office/powerpoint/2010/main" val="1049713093"/>
       </p:ext>
     </p:extLst>
   </p:cSld>
@@ -346,13 +694,7 @@
       </p:grpSpPr>
       <p:sp>
         <p:nvSpPr>
-          <p:cNvPr id="2" name="Title 1">
-            <a:extLst>
-              <a:ext uri="{FF2B5EF4-FFF2-40B4-BE49-F238E27FC236}">
-                <a16:creationId xmlns:a16="http://schemas.microsoft.com/office/drawing/2014/main" id="{FA600F62-2109-7BD2-127E-A5A7A15A9A56}"/>
-              </a:ext>
-            </a:extLst>
-          </p:cNvPr>
+          <p:cNvPr id="2" name="Title 1"/>
           <p:cNvSpPr>
             <a:spLocks noGrp="1"/>
           </p:cNvSpPr>
@@ -369,18 +711,13 @@
               <a:rPr lang="en-US"/>
               <a:t>Click to edit Master title style</a:t>
             </a:r>
-          </a:p>
-        </p:txBody>
-      </p:sp>
-      <p:sp>
-        <p:nvSpPr>
-          <p:cNvPr id="3" name="Vertical Text Placeholder 2">
-            <a:extLst>
-              <a:ext uri="{FF2B5EF4-FFF2-40B4-BE49-F238E27FC236}">
-                <a16:creationId xmlns:a16="http://schemas.microsoft.com/office/drawing/2014/main" id="{093C5549-5097-58F3-15C3-F027CC6E731C}"/>
-              </a:ext>
-            </a:extLst>
-          </p:cNvPr>
+            <a:endParaRPr lang="en-US" dirty="0"/>
+          </a:p>
+        </p:txBody>
+      </p:sp>
+      <p:sp>
+        <p:nvSpPr>
+          <p:cNvPr id="3" name="Vertical Text Placeholder 2"/>
           <p:cNvSpPr>
             <a:spLocks noGrp="1"/>
           </p:cNvSpPr>
@@ -426,18 +763,13 @@
               <a:rPr lang="en-US"/>
               <a:t>Fifth level</a:t>
             </a:r>
-          </a:p>
-        </p:txBody>
-      </p:sp>
-      <p:sp>
-        <p:nvSpPr>
-          <p:cNvPr id="4" name="Date Placeholder 3">
-            <a:extLst>
-              <a:ext uri="{FF2B5EF4-FFF2-40B4-BE49-F238E27FC236}">
-                <a16:creationId xmlns:a16="http://schemas.microsoft.com/office/drawing/2014/main" id="{2C27D94B-C93A-C504-84E9-A9241EAFECA6}"/>
-              </a:ext>
-            </a:extLst>
-          </p:cNvPr>
+            <a:endParaRPr lang="en-US" dirty="0"/>
+          </a:p>
+        </p:txBody>
+      </p:sp>
+      <p:sp>
+        <p:nvSpPr>
+          <p:cNvPr id="4" name="Date Placeholder 3"/>
           <p:cNvSpPr>
             <a:spLocks noGrp="1"/>
           </p:cNvSpPr>
@@ -450,9 +782,9 @@
           <a:bodyPr/>
           <a:lstStyle/>
           <a:p>
-            <a:fld id="{5C4CEB73-E482-4CD7-9FE1-DDD2290E98F1}" type="datetimeFigureOut">
+            <a:fld id="{134F40B7-36AB-4376-BE14-EF7004D79BB9}" type="datetime1">
               <a:rPr lang="en-US" smtClean="0"/>
-              <a:t>7/11/2023</a:t>
+              <a:t>7/12/2023</a:t>
             </a:fld>
             <a:endParaRPr lang="en-US"/>
           </a:p>
@@ -460,13 +792,7 @@
       </p:sp>
       <p:sp>
         <p:nvSpPr>
-          <p:cNvPr id="5" name="Footer Placeholder 4">
-            <a:extLst>
-              <a:ext uri="{FF2B5EF4-FFF2-40B4-BE49-F238E27FC236}">
-                <a16:creationId xmlns:a16="http://schemas.microsoft.com/office/drawing/2014/main" id="{36BBB80B-7176-EC26-2F6F-B929BD75B80B}"/>
-              </a:ext>
-            </a:extLst>
-          </p:cNvPr>
+          <p:cNvPr id="5" name="Footer Placeholder 4"/>
           <p:cNvSpPr>
             <a:spLocks noGrp="1"/>
           </p:cNvSpPr>
@@ -485,13 +811,7 @@
       </p:sp>
       <p:sp>
         <p:nvSpPr>
-          <p:cNvPr id="6" name="Slide Number Placeholder 5">
-            <a:extLst>
-              <a:ext uri="{FF2B5EF4-FFF2-40B4-BE49-F238E27FC236}">
-                <a16:creationId xmlns:a16="http://schemas.microsoft.com/office/drawing/2014/main" id="{E6B90A8F-13CC-72B2-40F5-91644C7C0B3B}"/>
-              </a:ext>
-            </a:extLst>
-          </p:cNvPr>
+          <p:cNvPr id="6" name="Slide Number Placeholder 5"/>
           <p:cNvSpPr>
             <a:spLocks noGrp="1"/>
           </p:cNvSpPr>
@@ -504,7 +824,7 @@
           <a:bodyPr/>
           <a:lstStyle/>
           <a:p>
-            <a:fld id="{E50C8935-95C3-4CD2-97BD-B2DE64732B28}" type="slidenum">
+            <a:fld id="{34B7E4EF-A1BD-40F4-AB7B-04F084DD991D}" type="slidenum">
               <a:rPr lang="en-US" smtClean="0"/>
               <a:t>‹#›</a:t>
             </a:fld>
@@ -515,7 +835,7 @@
     </p:spTree>
     <p:extLst>
       <p:ext uri="{BB962C8B-B14F-4D97-AF65-F5344CB8AC3E}">
-        <p14:creationId xmlns:p14="http://schemas.microsoft.com/office/powerpoint/2010/main" val="3589335153"/>
+        <p14:creationId xmlns:p14="http://schemas.microsoft.com/office/powerpoint/2010/main" val="3431206673"/>
       </p:ext>
     </p:extLst>
   </p:cSld>
@@ -544,13 +864,7 @@
       </p:grpSpPr>
       <p:sp>
         <p:nvSpPr>
-          <p:cNvPr id="2" name="Vertical Title 1">
-            <a:extLst>
-              <a:ext uri="{FF2B5EF4-FFF2-40B4-BE49-F238E27FC236}">
-                <a16:creationId xmlns:a16="http://schemas.microsoft.com/office/drawing/2014/main" id="{CB371B4A-A37A-0600-2355-6AFB9A527626}"/>
-              </a:ext>
-            </a:extLst>
-          </p:cNvPr>
+          <p:cNvPr id="2" name="Vertical Title 1"/>
           <p:cNvSpPr>
             <a:spLocks noGrp="1"/>
           </p:cNvSpPr>
@@ -560,8 +874,8 @@
         </p:nvSpPr>
         <p:spPr>
           <a:xfrm>
-            <a:off x="8724900" y="365125"/>
-            <a:ext cx="2628900" cy="5811838"/>
+            <a:off x="8991600" y="762000"/>
+            <a:ext cx="2362200" cy="5257800"/>
           </a:xfrm>
         </p:spPr>
         <p:txBody>
@@ -572,18 +886,13 @@
               <a:rPr lang="en-US"/>
               <a:t>Click to edit Master title style</a:t>
             </a:r>
-          </a:p>
-        </p:txBody>
-      </p:sp>
-      <p:sp>
-        <p:nvSpPr>
-          <p:cNvPr id="3" name="Vertical Text Placeholder 2">
-            <a:extLst>
-              <a:ext uri="{FF2B5EF4-FFF2-40B4-BE49-F238E27FC236}">
-                <a16:creationId xmlns:a16="http://schemas.microsoft.com/office/drawing/2014/main" id="{9AD5AAD0-FD2B-0D9D-EDEA-4C53832C1473}"/>
-              </a:ext>
-            </a:extLst>
-          </p:cNvPr>
+            <a:endParaRPr lang="en-US" dirty="0"/>
+          </a:p>
+        </p:txBody>
+      </p:sp>
+      <p:sp>
+        <p:nvSpPr>
+          <p:cNvPr id="3" name="Vertical Text Placeholder 2"/>
           <p:cNvSpPr>
             <a:spLocks noGrp="1"/>
           </p:cNvSpPr>
@@ -593,8 +902,8 @@
         </p:nvSpPr>
         <p:spPr>
           <a:xfrm>
-            <a:off x="838200" y="365125"/>
-            <a:ext cx="7734300" cy="5811838"/>
+            <a:off x="838200" y="762000"/>
+            <a:ext cx="8077200" cy="5257800"/>
           </a:xfrm>
         </p:spPr>
         <p:txBody>
@@ -634,18 +943,13 @@
               <a:rPr lang="en-US"/>
               <a:t>Fifth level</a:t>
             </a:r>
-          </a:p>
-        </p:txBody>
-      </p:sp>
-      <p:sp>
-        <p:nvSpPr>
-          <p:cNvPr id="4" name="Date Placeholder 3">
-            <a:extLst>
-              <a:ext uri="{FF2B5EF4-FFF2-40B4-BE49-F238E27FC236}">
-                <a16:creationId xmlns:a16="http://schemas.microsoft.com/office/drawing/2014/main" id="{ADA2555D-D75A-0899-35BB-4CA7512237A5}"/>
-              </a:ext>
-            </a:extLst>
-          </p:cNvPr>
+            <a:endParaRPr lang="en-US" dirty="0"/>
+          </a:p>
+        </p:txBody>
+      </p:sp>
+      <p:sp>
+        <p:nvSpPr>
+          <p:cNvPr id="4" name="Date Placeholder 3"/>
           <p:cNvSpPr>
             <a:spLocks noGrp="1"/>
           </p:cNvSpPr>
@@ -658,9 +962,9 @@
           <a:bodyPr/>
           <a:lstStyle/>
           <a:p>
-            <a:fld id="{5C4CEB73-E482-4CD7-9FE1-DDD2290E98F1}" type="datetimeFigureOut">
+            <a:fld id="{FF87CAB8-DCAE-46A5-AADA-B3FAD11A54E0}" type="datetime1">
               <a:rPr lang="en-US" smtClean="0"/>
-              <a:t>7/11/2023</a:t>
+              <a:t>7/12/2023</a:t>
             </a:fld>
             <a:endParaRPr lang="en-US"/>
           </a:p>
@@ -668,13 +972,7 @@
       </p:sp>
       <p:sp>
         <p:nvSpPr>
-          <p:cNvPr id="5" name="Footer Placeholder 4">
-            <a:extLst>
-              <a:ext uri="{FF2B5EF4-FFF2-40B4-BE49-F238E27FC236}">
-                <a16:creationId xmlns:a16="http://schemas.microsoft.com/office/drawing/2014/main" id="{608B9C59-C3C7-EF46-921E-9C139AEC7AF8}"/>
-              </a:ext>
-            </a:extLst>
-          </p:cNvPr>
+          <p:cNvPr id="5" name="Footer Placeholder 4"/>
           <p:cNvSpPr>
             <a:spLocks noGrp="1"/>
           </p:cNvSpPr>
@@ -693,13 +991,7 @@
       </p:sp>
       <p:sp>
         <p:nvSpPr>
-          <p:cNvPr id="6" name="Slide Number Placeholder 5">
-            <a:extLst>
-              <a:ext uri="{FF2B5EF4-FFF2-40B4-BE49-F238E27FC236}">
-                <a16:creationId xmlns:a16="http://schemas.microsoft.com/office/drawing/2014/main" id="{66AB7D2A-6D43-A430-2D88-2E9DF5AAC5CA}"/>
-              </a:ext>
-            </a:extLst>
-          </p:cNvPr>
+          <p:cNvPr id="6" name="Slide Number Placeholder 5"/>
           <p:cNvSpPr>
             <a:spLocks noGrp="1"/>
           </p:cNvSpPr>
@@ -712,7 +1004,7 @@
           <a:bodyPr/>
           <a:lstStyle/>
           <a:p>
-            <a:fld id="{E50C8935-95C3-4CD2-97BD-B2DE64732B28}" type="slidenum">
+            <a:fld id="{34B7E4EF-A1BD-40F4-AB7B-04F084DD991D}" type="slidenum">
               <a:rPr lang="en-US" smtClean="0"/>
               <a:t>‹#›</a:t>
             </a:fld>
@@ -723,7 +1015,7 @@
     </p:spTree>
     <p:extLst>
       <p:ext uri="{BB962C8B-B14F-4D97-AF65-F5344CB8AC3E}">
-        <p14:creationId xmlns:p14="http://schemas.microsoft.com/office/powerpoint/2010/main" val="1352440829"/>
+        <p14:creationId xmlns:p14="http://schemas.microsoft.com/office/powerpoint/2010/main" val="88488499"/>
       </p:ext>
     </p:extLst>
   </p:cSld>
@@ -752,13 +1044,7 @@
       </p:grpSpPr>
       <p:sp>
         <p:nvSpPr>
-          <p:cNvPr id="2" name="Title 1">
-            <a:extLst>
-              <a:ext uri="{FF2B5EF4-FFF2-40B4-BE49-F238E27FC236}">
-                <a16:creationId xmlns:a16="http://schemas.microsoft.com/office/drawing/2014/main" id="{1C028048-748F-9FEB-1B10-B74EAF304AA6}"/>
-              </a:ext>
-            </a:extLst>
-          </p:cNvPr>
+          <p:cNvPr id="2" name="Title 1"/>
           <p:cNvSpPr>
             <a:spLocks noGrp="1"/>
           </p:cNvSpPr>
@@ -775,18 +1061,13 @@
               <a:rPr lang="en-US"/>
               <a:t>Click to edit Master title style</a:t>
             </a:r>
-          </a:p>
-        </p:txBody>
-      </p:sp>
-      <p:sp>
-        <p:nvSpPr>
-          <p:cNvPr id="3" name="Content Placeholder 2">
-            <a:extLst>
-              <a:ext uri="{FF2B5EF4-FFF2-40B4-BE49-F238E27FC236}">
-                <a16:creationId xmlns:a16="http://schemas.microsoft.com/office/drawing/2014/main" id="{87DE5E31-5A59-7198-4207-CA39F878399A}"/>
-              </a:ext>
-            </a:extLst>
-          </p:cNvPr>
+            <a:endParaRPr lang="en-US" dirty="0"/>
+          </a:p>
+        </p:txBody>
+      </p:sp>
+      <p:sp>
+        <p:nvSpPr>
+          <p:cNvPr id="3" name="Content Placeholder 2"/>
           <p:cNvSpPr>
             <a:spLocks noGrp="1"/>
           </p:cNvSpPr>
@@ -832,18 +1113,13 @@
               <a:rPr lang="en-US"/>
               <a:t>Fifth level</a:t>
             </a:r>
-          </a:p>
-        </p:txBody>
-      </p:sp>
-      <p:sp>
-        <p:nvSpPr>
-          <p:cNvPr id="4" name="Date Placeholder 3">
-            <a:extLst>
-              <a:ext uri="{FF2B5EF4-FFF2-40B4-BE49-F238E27FC236}">
-                <a16:creationId xmlns:a16="http://schemas.microsoft.com/office/drawing/2014/main" id="{5EAEA7A6-B75F-B930-3193-DC0555CD8F44}"/>
-              </a:ext>
-            </a:extLst>
-          </p:cNvPr>
+            <a:endParaRPr lang="en-US" dirty="0"/>
+          </a:p>
+        </p:txBody>
+      </p:sp>
+      <p:sp>
+        <p:nvSpPr>
+          <p:cNvPr id="4" name="Date Placeholder 3"/>
           <p:cNvSpPr>
             <a:spLocks noGrp="1"/>
           </p:cNvSpPr>
@@ -856,9 +1132,9 @@
           <a:bodyPr/>
           <a:lstStyle/>
           <a:p>
-            <a:fld id="{5C4CEB73-E482-4CD7-9FE1-DDD2290E98F1}" type="datetimeFigureOut">
+            <a:fld id="{7332B432-ACDA-4023-A761-2BAB76577B62}" type="datetime1">
               <a:rPr lang="en-US" smtClean="0"/>
-              <a:t>7/11/2023</a:t>
+              <a:t>7/12/2023</a:t>
             </a:fld>
             <a:endParaRPr lang="en-US"/>
           </a:p>
@@ -866,13 +1142,7 @@
       </p:sp>
       <p:sp>
         <p:nvSpPr>
-          <p:cNvPr id="5" name="Footer Placeholder 4">
-            <a:extLst>
-              <a:ext uri="{FF2B5EF4-FFF2-40B4-BE49-F238E27FC236}">
-                <a16:creationId xmlns:a16="http://schemas.microsoft.com/office/drawing/2014/main" id="{EE65108F-AE36-763C-20B9-67DF01920960}"/>
-              </a:ext>
-            </a:extLst>
-          </p:cNvPr>
+          <p:cNvPr id="5" name="Footer Placeholder 4"/>
           <p:cNvSpPr>
             <a:spLocks noGrp="1"/>
           </p:cNvSpPr>
@@ -891,13 +1161,7 @@
       </p:sp>
       <p:sp>
         <p:nvSpPr>
-          <p:cNvPr id="6" name="Slide Number Placeholder 5">
-            <a:extLst>
-              <a:ext uri="{FF2B5EF4-FFF2-40B4-BE49-F238E27FC236}">
-                <a16:creationId xmlns:a16="http://schemas.microsoft.com/office/drawing/2014/main" id="{79275A3C-0CF8-3DC6-3C40-E0E7C0DB2DE3}"/>
-              </a:ext>
-            </a:extLst>
-          </p:cNvPr>
+          <p:cNvPr id="6" name="Slide Number Placeholder 5"/>
           <p:cNvSpPr>
             <a:spLocks noGrp="1"/>
           </p:cNvSpPr>
@@ -910,7 +1174,7 @@
           <a:bodyPr/>
           <a:lstStyle/>
           <a:p>
-            <a:fld id="{E50C8935-95C3-4CD2-97BD-B2DE64732B28}" type="slidenum">
+            <a:fld id="{34B7E4EF-A1BD-40F4-AB7B-04F084DD991D}" type="slidenum">
               <a:rPr lang="en-US" smtClean="0"/>
               <a:t>‹#›</a:t>
             </a:fld>
@@ -921,7 +1185,7 @@
     </p:spTree>
     <p:extLst>
       <p:ext uri="{BB962C8B-B14F-4D97-AF65-F5344CB8AC3E}">
-        <p14:creationId xmlns:p14="http://schemas.microsoft.com/office/powerpoint/2010/main" val="3276539048"/>
+        <p14:creationId xmlns:p14="http://schemas.microsoft.com/office/powerpoint/2010/main" val="1227120485"/>
       </p:ext>
     </p:extLst>
   </p:cSld>
@@ -932,7 +1196,7 @@
 </file>
 
 <file path=ppt/slideLayouts/slideLayout3.xml><?xml version="1.0" encoding="utf-8"?>
-<p:sldLayout xmlns:a="http://schemas.openxmlformats.org/drawingml/2006/main" xmlns:r="http://schemas.openxmlformats.org/officeDocument/2006/relationships" xmlns:p="http://schemas.openxmlformats.org/presentationml/2006/main" type="secHead" preserve="1">
+<p:sldLayout xmlns:a="http://schemas.openxmlformats.org/drawingml/2006/main" xmlns:r="http://schemas.openxmlformats.org/officeDocument/2006/relationships" xmlns:p="http://schemas.openxmlformats.org/presentationml/2006/main" showMasterSp="0" type="secHead" preserve="1">
   <p:cSld name="Section Header">
     <p:spTree>
       <p:nvGrpSpPr>
@@ -950,13 +1214,156 @@
       </p:grpSpPr>
       <p:sp>
         <p:nvSpPr>
-          <p:cNvPr id="2" name="Title 1">
+          <p:cNvPr id="15" name="Rectangle 14">
             <a:extLst>
               <a:ext uri="{FF2B5EF4-FFF2-40B4-BE49-F238E27FC236}">
-                <a16:creationId xmlns:a16="http://schemas.microsoft.com/office/drawing/2014/main" id="{485732C2-18D8-050D-D225-E333BA4A6A43}"/>
+                <a16:creationId xmlns:a16="http://schemas.microsoft.com/office/drawing/2014/main" id="{0A4A1889-E37C-4EC3-9E41-9DAD221CF389}"/>
               </a:ext>
             </a:extLst>
           </p:cNvPr>
+          <p:cNvSpPr/>
+          <p:nvPr/>
+        </p:nvSpPr>
+        <p:spPr>
+          <a:xfrm>
+            <a:off x="0" y="0"/>
+            <a:ext cx="12192000" cy="6858000"/>
+          </a:xfrm>
+          <a:prstGeom prst="rect">
+            <a:avLst/>
+          </a:prstGeom>
+          <a:solidFill>
+            <a:schemeClr val="tx1">
+              <a:lumMod val="65000"/>
+              <a:lumOff val="35000"/>
+            </a:schemeClr>
+          </a:solidFill>
+          <a:ln>
+            <a:noFill/>
+          </a:ln>
+        </p:spPr>
+        <p:style>
+          <a:lnRef idx="2">
+            <a:schemeClr val="accent1">
+              <a:shade val="50000"/>
+            </a:schemeClr>
+          </a:lnRef>
+          <a:fillRef idx="1">
+            <a:schemeClr val="accent1"/>
+          </a:fillRef>
+          <a:effectRef idx="0">
+            <a:schemeClr val="accent1"/>
+          </a:effectRef>
+          <a:fontRef idx="minor">
+            <a:schemeClr val="lt1"/>
+          </a:fontRef>
+        </p:style>
+        <p:txBody>
+          <a:bodyPr rtlCol="0" anchor="ctr"/>
+          <a:lstStyle/>
+          <a:p>
+            <a:pPr algn="ctr"/>
+            <a:endParaRPr lang="en-US"/>
+          </a:p>
+        </p:txBody>
+      </p:sp>
+      <p:sp useBgFill="1">
+        <p:nvSpPr>
+          <p:cNvPr id="23" name="Rectangle 22"/>
+          <p:cNvSpPr/>
+          <p:nvPr/>
+        </p:nvSpPr>
+        <p:spPr>
+          <a:xfrm>
+            <a:off x="1307870" y="1267730"/>
+            <a:ext cx="9576262" cy="4307950"/>
+          </a:xfrm>
+          <a:prstGeom prst="rect">
+            <a:avLst/>
+          </a:prstGeom>
+          <a:ln w="6350" cap="flat" cmpd="sng" algn="ctr">
+            <a:noFill/>
+            <a:prstDash val="solid"/>
+          </a:ln>
+          <a:effectLst>
+            <a:outerShdw blurRad="50800" algn="ctr" rotWithShape="0">
+              <a:prstClr val="black">
+                <a:alpha val="66000"/>
+              </a:prstClr>
+            </a:outerShdw>
+            <a:softEdge rad="0"/>
+          </a:effectLst>
+        </p:spPr>
+      </p:sp>
+      <p:sp>
+        <p:nvSpPr>
+          <p:cNvPr id="24" name="Rectangle 23"/>
+          <p:cNvSpPr/>
+          <p:nvPr/>
+        </p:nvSpPr>
+        <p:spPr>
+          <a:xfrm>
+            <a:off x="1447801" y="1411615"/>
+            <a:ext cx="9296400" cy="4034770"/>
+          </a:xfrm>
+          <a:prstGeom prst="rect">
+            <a:avLst/>
+          </a:prstGeom>
+          <a:noFill/>
+          <a:ln w="6350" cap="sq" cmpd="sng" algn="ctr">
+            <a:solidFill>
+              <a:schemeClr val="tx1">
+                <a:lumMod val="75000"/>
+                <a:lumOff val="25000"/>
+              </a:schemeClr>
+            </a:solidFill>
+            <a:prstDash val="solid"/>
+            <a:miter lim="800000"/>
+          </a:ln>
+          <a:effectLst/>
+        </p:spPr>
+      </p:sp>
+      <p:sp>
+        <p:nvSpPr>
+          <p:cNvPr id="30" name="Rectangle 29"/>
+          <p:cNvSpPr/>
+          <p:nvPr/>
+        </p:nvSpPr>
+        <p:spPr>
+          <a:xfrm>
+            <a:off x="5135880" y="1267730"/>
+            <a:ext cx="1920240" cy="731520"/>
+          </a:xfrm>
+          <a:prstGeom prst="rect">
+            <a:avLst/>
+          </a:prstGeom>
+          <a:solidFill>
+            <a:schemeClr val="accent2"/>
+          </a:solidFill>
+          <a:ln>
+            <a:noFill/>
+          </a:ln>
+        </p:spPr>
+        <p:style>
+          <a:lnRef idx="2">
+            <a:schemeClr val="accent1">
+              <a:shade val="50000"/>
+            </a:schemeClr>
+          </a:lnRef>
+          <a:fillRef idx="1">
+            <a:schemeClr val="accent1"/>
+          </a:fillRef>
+          <a:effectRef idx="0">
+            <a:schemeClr val="accent1"/>
+          </a:effectRef>
+          <a:fontRef idx="minor">
+            <a:schemeClr val="lt1"/>
+          </a:fontRef>
+        </p:style>
+      </p:sp>
+      <p:sp>
+        <p:nvSpPr>
+          <p:cNvPr id="2" name="Title 1"/>
           <p:cNvSpPr>
             <a:spLocks noGrp="1"/>
           </p:cNvSpPr>
@@ -966,15 +1373,31 @@
         </p:nvSpPr>
         <p:spPr>
           <a:xfrm>
-            <a:off x="831850" y="1709738"/>
-            <a:ext cx="10515600" cy="2852737"/>
-          </a:xfrm>
-        </p:spPr>
-        <p:txBody>
-          <a:bodyPr anchor="b"/>
+            <a:off x="1629156" y="2275165"/>
+            <a:ext cx="8933688" cy="2406895"/>
+          </a:xfrm>
+        </p:spPr>
+        <p:txBody>
+          <a:bodyPr anchor="ctr">
+            <a:normAutofit/>
+          </a:bodyPr>
           <a:lstStyle>
-            <a:lvl1pPr>
-              <a:defRPr sz="6000"/>
+            <a:lvl1pPr algn="ctr">
+              <a:lnSpc>
+                <a:spcPct val="83000"/>
+              </a:lnSpc>
+              <a:defRPr lang="en-US" sz="6800" kern="1200" cap="all" spc="-100" baseline="0" dirty="0">
+                <a:solidFill>
+                  <a:schemeClr val="tx1">
+                    <a:lumMod val="85000"/>
+                    <a:lumOff val="15000"/>
+                  </a:schemeClr>
+                </a:solidFill>
+                <a:effectLst/>
+                <a:latin typeface="+mj-lt"/>
+                <a:ea typeface="+mn-ea"/>
+                <a:cs typeface="+mn-cs"/>
+              </a:defRPr>
             </a:lvl1pPr>
           </a:lstStyle>
           <a:p>
@@ -982,18 +1405,178 @@
               <a:rPr lang="en-US"/>
               <a:t>Click to edit Master title style</a:t>
             </a:r>
-          </a:p>
-        </p:txBody>
-      </p:sp>
-      <p:sp>
-        <p:nvSpPr>
-          <p:cNvPr id="3" name="Text Placeholder 2">
+            <a:endParaRPr lang="en-US" dirty="0"/>
+          </a:p>
+        </p:txBody>
+      </p:sp>
+      <p:grpSp>
+        <p:nvGrpSpPr>
+          <p:cNvPr id="16" name="Group 15">
             <a:extLst>
               <a:ext uri="{FF2B5EF4-FFF2-40B4-BE49-F238E27FC236}">
-                <a16:creationId xmlns:a16="http://schemas.microsoft.com/office/drawing/2014/main" id="{F17FF72D-27D0-7D35-BB6A-F45CB19FAE27}"/>
+                <a16:creationId xmlns:a16="http://schemas.microsoft.com/office/drawing/2014/main" id="{1683EB04-C23E-490C-A1A6-030CF79D23C8}"/>
               </a:ext>
             </a:extLst>
           </p:cNvPr>
+          <p:cNvGrpSpPr/>
+          <p:nvPr/>
+        </p:nvGrpSpPr>
+        <p:grpSpPr>
+          <a:xfrm>
+            <a:off x="5250180" y="1267730"/>
+            <a:ext cx="1691640" cy="615934"/>
+            <a:chOff x="5250180" y="1267730"/>
+            <a:chExt cx="1691640" cy="615934"/>
+          </a:xfrm>
+        </p:grpSpPr>
+        <p:cxnSp>
+          <p:nvCxnSpPr>
+            <p:cNvPr id="17" name="Straight Connector 16">
+              <a:extLst>
+                <a:ext uri="{FF2B5EF4-FFF2-40B4-BE49-F238E27FC236}">
+                  <a16:creationId xmlns:a16="http://schemas.microsoft.com/office/drawing/2014/main" id="{F8A84C03-E1CA-4A4E-81D6-9BB0C335B7A0}"/>
+                </a:ext>
+              </a:extLst>
+            </p:cNvPr>
+            <p:cNvCxnSpPr/>
+            <p:nvPr/>
+          </p:nvCxnSpPr>
+          <p:spPr>
+            <a:xfrm>
+              <a:off x="5250180" y="1267730"/>
+              <a:ext cx="0" cy="612648"/>
+            </a:xfrm>
+            <a:prstGeom prst="line">
+              <a:avLst/>
+            </a:prstGeom>
+            <a:solidFill>
+              <a:schemeClr val="tx1">
+                <a:lumMod val="85000"/>
+                <a:lumOff val="15000"/>
+              </a:schemeClr>
+            </a:solidFill>
+            <a:ln>
+              <a:solidFill>
+                <a:srgbClr val="FFFFFF"/>
+              </a:solidFill>
+              <a:miter lim="800000"/>
+            </a:ln>
+          </p:spPr>
+          <p:style>
+            <a:lnRef idx="1">
+              <a:schemeClr val="accent1"/>
+            </a:lnRef>
+            <a:fillRef idx="0">
+              <a:schemeClr val="accent1"/>
+            </a:fillRef>
+            <a:effectRef idx="0">
+              <a:schemeClr val="accent1"/>
+            </a:effectRef>
+            <a:fontRef idx="minor">
+              <a:schemeClr val="tx1"/>
+            </a:fontRef>
+          </p:style>
+        </p:cxnSp>
+        <p:cxnSp>
+          <p:nvCxnSpPr>
+            <p:cNvPr id="18" name="Straight Connector 17">
+              <a:extLst>
+                <a:ext uri="{FF2B5EF4-FFF2-40B4-BE49-F238E27FC236}">
+                  <a16:creationId xmlns:a16="http://schemas.microsoft.com/office/drawing/2014/main" id="{4A26FB5A-D5D1-4DAB-AC43-7F51A7F2D197}"/>
+                </a:ext>
+              </a:extLst>
+            </p:cNvPr>
+            <p:cNvCxnSpPr/>
+            <p:nvPr/>
+          </p:nvCxnSpPr>
+          <p:spPr>
+            <a:xfrm>
+              <a:off x="6941820" y="1267730"/>
+              <a:ext cx="0" cy="612648"/>
+            </a:xfrm>
+            <a:prstGeom prst="line">
+              <a:avLst/>
+            </a:prstGeom>
+            <a:solidFill>
+              <a:schemeClr val="tx1">
+                <a:lumMod val="85000"/>
+                <a:lumOff val="15000"/>
+              </a:schemeClr>
+            </a:solidFill>
+            <a:ln>
+              <a:solidFill>
+                <a:srgbClr val="FFFFFF"/>
+              </a:solidFill>
+              <a:miter lim="800000"/>
+            </a:ln>
+          </p:spPr>
+          <p:style>
+            <a:lnRef idx="1">
+              <a:schemeClr val="accent1"/>
+            </a:lnRef>
+            <a:fillRef idx="0">
+              <a:schemeClr val="accent1"/>
+            </a:fillRef>
+            <a:effectRef idx="0">
+              <a:schemeClr val="accent1"/>
+            </a:effectRef>
+            <a:fontRef idx="minor">
+              <a:schemeClr val="tx1"/>
+            </a:fontRef>
+          </p:style>
+        </p:cxnSp>
+        <p:cxnSp>
+          <p:nvCxnSpPr>
+            <p:cNvPr id="19" name="Straight Connector 18">
+              <a:extLst>
+                <a:ext uri="{FF2B5EF4-FFF2-40B4-BE49-F238E27FC236}">
+                  <a16:creationId xmlns:a16="http://schemas.microsoft.com/office/drawing/2014/main" id="{49303F14-E560-4C02-94F4-B4695FE26813}"/>
+                </a:ext>
+              </a:extLst>
+            </p:cNvPr>
+            <p:cNvCxnSpPr/>
+            <p:nvPr/>
+          </p:nvCxnSpPr>
+          <p:spPr>
+            <a:xfrm>
+              <a:off x="5250180" y="1883664"/>
+              <a:ext cx="1691640" cy="0"/>
+            </a:xfrm>
+            <a:prstGeom prst="line">
+              <a:avLst/>
+            </a:prstGeom>
+            <a:solidFill>
+              <a:schemeClr val="tx1">
+                <a:lumMod val="85000"/>
+                <a:lumOff val="15000"/>
+              </a:schemeClr>
+            </a:solidFill>
+            <a:ln>
+              <a:solidFill>
+                <a:srgbClr val="FFFFFF"/>
+              </a:solidFill>
+              <a:miter lim="800000"/>
+            </a:ln>
+          </p:spPr>
+          <p:style>
+            <a:lnRef idx="1">
+              <a:schemeClr val="accent1"/>
+            </a:lnRef>
+            <a:fillRef idx="0">
+              <a:schemeClr val="accent1"/>
+            </a:fillRef>
+            <a:effectRef idx="0">
+              <a:schemeClr val="accent1"/>
+            </a:effectRef>
+            <a:fontRef idx="minor">
+              <a:schemeClr val="tx1"/>
+            </a:fontRef>
+          </p:style>
+        </p:cxnSp>
+      </p:grpSp>
+      <p:sp>
+        <p:nvSpPr>
+          <p:cNvPr id="3" name="Text Placeholder 2"/>
           <p:cNvSpPr>
             <a:spLocks noGrp="1"/>
           </p:cNvSpPr>
@@ -1003,26 +1586,33 @@
         </p:nvSpPr>
         <p:spPr>
           <a:xfrm>
-            <a:off x="831850" y="4589463"/>
-            <a:ext cx="10515600" cy="1500187"/>
-          </a:xfrm>
-        </p:spPr>
-        <p:txBody>
-          <a:bodyPr/>
+            <a:off x="1629156" y="4682062"/>
+            <a:ext cx="8939784" cy="457200"/>
+          </a:xfrm>
+        </p:spPr>
+        <p:txBody>
+          <a:bodyPr anchor="t">
+            <a:normAutofit/>
+          </a:bodyPr>
           <a:lstStyle>
-            <a:lvl1pPr marL="0" indent="0">
-              <a:buNone/>
-              <a:defRPr sz="2400">
+            <a:lvl1pPr marL="0" indent="0" algn="ctr">
+              <a:buNone/>
+              <a:tabLst>
+                <a:tab pos="2633663" algn="l"/>
+              </a:tabLst>
+              <a:defRPr sz="1800">
                 <a:solidFill>
                   <a:schemeClr val="tx1">
-                    <a:tint val="75000"/>
+                    <a:lumMod val="95000"/>
+                    <a:lumOff val="5000"/>
                   </a:schemeClr>
                 </a:solidFill>
+                <a:effectLst/>
               </a:defRPr>
             </a:lvl1pPr>
             <a:lvl2pPr marL="457200" indent="0">
               <a:buNone/>
-              <a:defRPr sz="2000">
+              <a:defRPr sz="1600">
                 <a:solidFill>
                   <a:schemeClr val="tx1">
                     <a:tint val="75000"/>
@@ -1032,7 +1622,7 @@
             </a:lvl2pPr>
             <a:lvl3pPr marL="914400" indent="0">
               <a:buNone/>
-              <a:defRPr sz="1800">
+              <a:defRPr sz="1600">
                 <a:solidFill>
                   <a:schemeClr val="tx1">
                     <a:tint val="75000"/>
@@ -1042,7 +1632,7 @@
             </a:lvl3pPr>
             <a:lvl4pPr marL="1371600" indent="0">
               <a:buNone/>
-              <a:defRPr sz="1600">
+              <a:defRPr sz="1400">
                 <a:solidFill>
                   <a:schemeClr val="tx1">
                     <a:tint val="75000"/>
@@ -1052,7 +1642,7 @@
             </a:lvl4pPr>
             <a:lvl5pPr marL="1828800" indent="0">
               <a:buNone/>
-              <a:defRPr sz="1600">
+              <a:defRPr sz="1400">
                 <a:solidFill>
                   <a:schemeClr val="tx1">
                     <a:tint val="75000"/>
@@ -1062,7 +1652,7 @@
             </a:lvl5pPr>
             <a:lvl6pPr marL="2286000" indent="0">
               <a:buNone/>
-              <a:defRPr sz="1600">
+              <a:defRPr sz="1400">
                 <a:solidFill>
                   <a:schemeClr val="tx1">
                     <a:tint val="75000"/>
@@ -1072,7 +1662,7 @@
             </a:lvl6pPr>
             <a:lvl7pPr marL="2743200" indent="0">
               <a:buNone/>
-              <a:defRPr sz="1600">
+              <a:defRPr sz="1400">
                 <a:solidFill>
                   <a:schemeClr val="tx1">
                     <a:tint val="75000"/>
@@ -1082,7 +1672,7 @@
             </a:lvl7pPr>
             <a:lvl8pPr marL="3200400" indent="0">
               <a:buNone/>
-              <a:defRPr sz="1600">
+              <a:defRPr sz="1400">
                 <a:solidFill>
                   <a:schemeClr val="tx1">
                     <a:tint val="75000"/>
@@ -1092,7 +1682,7 @@
             </a:lvl8pPr>
             <a:lvl9pPr marL="3657600" indent="0">
               <a:buNone/>
-              <a:defRPr sz="1600">
+              <a:defRPr sz="1400">
                 <a:solidFill>
                   <a:schemeClr val="tx1">
                     <a:tint val="75000"/>
@@ -1112,13 +1702,7 @@
       </p:sp>
       <p:sp>
         <p:nvSpPr>
-          <p:cNvPr id="4" name="Date Placeholder 3">
-            <a:extLst>
-              <a:ext uri="{FF2B5EF4-FFF2-40B4-BE49-F238E27FC236}">
-                <a16:creationId xmlns:a16="http://schemas.microsoft.com/office/drawing/2014/main" id="{F8374915-C50C-4F5B-0701-ED663C9B98FC}"/>
-              </a:ext>
-            </a:extLst>
-          </p:cNvPr>
+          <p:cNvPr id="4" name="Date Placeholder 3"/>
           <p:cNvSpPr>
             <a:spLocks noGrp="1"/>
           </p:cNvSpPr>
@@ -1126,28 +1710,38 @@
             <p:ph type="dt" sz="half" idx="10"/>
           </p:nvPr>
         </p:nvSpPr>
-        <p:spPr/>
+        <p:spPr>
+          <a:xfrm>
+            <a:off x="5318760" y="1344502"/>
+            <a:ext cx="1554480" cy="498781"/>
+          </a:xfrm>
+        </p:spPr>
         <p:txBody>
           <a:bodyPr/>
-          <a:lstStyle/>
-          <a:p>
-            <a:fld id="{5C4CEB73-E482-4CD7-9FE1-DDD2290E98F1}" type="datetimeFigureOut">
+          <a:lstStyle>
+            <a:lvl1pPr algn="ctr">
+              <a:defRPr lang="en-US" sz="1300" kern="1200" spc="0" baseline="0">
+                <a:solidFill>
+                  <a:srgbClr val="FFFFFF"/>
+                </a:solidFill>
+                <a:latin typeface="+mn-lt"/>
+                <a:ea typeface="+mn-ea"/>
+                <a:cs typeface="+mn-cs"/>
+              </a:defRPr>
+            </a:lvl1pPr>
+          </a:lstStyle>
+          <a:p>
+            <a:fld id="{D9C646AA-F36E-4540-911D-FFFC0A0EF24A}" type="datetime1">
               <a:rPr lang="en-US" smtClean="0"/>
-              <a:t>7/11/2023</a:t>
+              <a:t>7/12/2023</a:t>
             </a:fld>
-            <a:endParaRPr lang="en-US"/>
-          </a:p>
-        </p:txBody>
-      </p:sp>
-      <p:sp>
-        <p:nvSpPr>
-          <p:cNvPr id="5" name="Footer Placeholder 4">
-            <a:extLst>
-              <a:ext uri="{FF2B5EF4-FFF2-40B4-BE49-F238E27FC236}">
-                <a16:creationId xmlns:a16="http://schemas.microsoft.com/office/drawing/2014/main" id="{5387785B-4C11-D154-1608-844286FCC634}"/>
-              </a:ext>
-            </a:extLst>
-          </p:cNvPr>
+            <a:endParaRPr lang="en-US" dirty="0"/>
+          </a:p>
+        </p:txBody>
+      </p:sp>
+      <p:sp>
+        <p:nvSpPr>
+          <p:cNvPr id="5" name="Footer Placeholder 4"/>
           <p:cNvSpPr>
             <a:spLocks noGrp="1"/>
           </p:cNvSpPr>
@@ -1155,24 +1749,34 @@
             <p:ph type="ftr" sz="quarter" idx="11"/>
           </p:nvPr>
         </p:nvSpPr>
-        <p:spPr/>
+        <p:spPr>
+          <a:xfrm>
+            <a:off x="1629157" y="5177408"/>
+            <a:ext cx="5660134" cy="228600"/>
+          </a:xfrm>
+        </p:spPr>
         <p:txBody>
           <a:bodyPr/>
-          <a:lstStyle/>
-          <a:p>
-            <a:endParaRPr lang="en-US"/>
-          </a:p>
-        </p:txBody>
-      </p:sp>
-      <p:sp>
-        <p:nvSpPr>
-          <p:cNvPr id="6" name="Slide Number Placeholder 5">
-            <a:extLst>
-              <a:ext uri="{FF2B5EF4-FFF2-40B4-BE49-F238E27FC236}">
-                <a16:creationId xmlns:a16="http://schemas.microsoft.com/office/drawing/2014/main" id="{A2E5B27D-080A-46C5-EDF8-263D568D9D3D}"/>
-              </a:ext>
-            </a:extLst>
-          </p:cNvPr>
+          <a:lstStyle>
+            <a:lvl1pPr algn="l">
+              <a:defRPr>
+                <a:solidFill>
+                  <a:schemeClr val="tx1">
+                    <a:lumMod val="85000"/>
+                    <a:lumOff val="15000"/>
+                  </a:schemeClr>
+                </a:solidFill>
+              </a:defRPr>
+            </a:lvl1pPr>
+          </a:lstStyle>
+          <a:p>
+            <a:endParaRPr lang="en-US" dirty="0"/>
+          </a:p>
+        </p:txBody>
+      </p:sp>
+      <p:sp>
+        <p:nvSpPr>
+          <p:cNvPr id="6" name="Slide Number Placeholder 5"/>
           <p:cNvSpPr>
             <a:spLocks noGrp="1"/>
           </p:cNvSpPr>
@@ -1180,23 +1784,39 @@
             <p:ph type="sldNum" sz="quarter" idx="12"/>
           </p:nvPr>
         </p:nvSpPr>
-        <p:spPr/>
+        <p:spPr>
+          <a:xfrm>
+            <a:off x="8604504" y="5177408"/>
+            <a:ext cx="1958339" cy="228600"/>
+          </a:xfrm>
+        </p:spPr>
         <p:txBody>
           <a:bodyPr/>
-          <a:lstStyle/>
-          <a:p>
-            <a:fld id="{E50C8935-95C3-4CD2-97BD-B2DE64732B28}" type="slidenum">
+          <a:lstStyle>
+            <a:lvl1pPr>
+              <a:defRPr>
+                <a:solidFill>
+                  <a:schemeClr val="tx1">
+                    <a:lumMod val="85000"/>
+                    <a:lumOff val="15000"/>
+                  </a:schemeClr>
+                </a:solidFill>
+              </a:defRPr>
+            </a:lvl1pPr>
+          </a:lstStyle>
+          <a:p>
+            <a:fld id="{34B7E4EF-A1BD-40F4-AB7B-04F084DD991D}" type="slidenum">
               <a:rPr lang="en-US" smtClean="0"/>
               <a:t>‹#›</a:t>
             </a:fld>
-            <a:endParaRPr lang="en-US"/>
+            <a:endParaRPr lang="en-US" dirty="0"/>
           </a:p>
         </p:txBody>
       </p:sp>
     </p:spTree>
     <p:extLst>
       <p:ext uri="{BB962C8B-B14F-4D97-AF65-F5344CB8AC3E}">
-        <p14:creationId xmlns:p14="http://schemas.microsoft.com/office/powerpoint/2010/main" val="2022047368"/>
+        <p14:creationId xmlns:p14="http://schemas.microsoft.com/office/powerpoint/2010/main" val="3110139324"/>
       </p:ext>
     </p:extLst>
   </p:cSld>
@@ -1225,13 +1845,7 @@
       </p:grpSpPr>
       <p:sp>
         <p:nvSpPr>
-          <p:cNvPr id="2" name="Title 1">
-            <a:extLst>
-              <a:ext uri="{FF2B5EF4-FFF2-40B4-BE49-F238E27FC236}">
-                <a16:creationId xmlns:a16="http://schemas.microsoft.com/office/drawing/2014/main" id="{8A748554-71B1-F144-A57A-63E301CEFC28}"/>
-              </a:ext>
-            </a:extLst>
-          </p:cNvPr>
+          <p:cNvPr id="8" name="Title 7"/>
           <p:cNvSpPr>
             <a:spLocks noGrp="1"/>
           </p:cNvSpPr>
@@ -1248,18 +1862,13 @@
               <a:rPr lang="en-US"/>
               <a:t>Click to edit Master title style</a:t>
             </a:r>
-          </a:p>
-        </p:txBody>
-      </p:sp>
-      <p:sp>
-        <p:nvSpPr>
-          <p:cNvPr id="3" name="Content Placeholder 2">
-            <a:extLst>
-              <a:ext uri="{FF2B5EF4-FFF2-40B4-BE49-F238E27FC236}">
-                <a16:creationId xmlns:a16="http://schemas.microsoft.com/office/drawing/2014/main" id="{4FE77885-0115-3905-1B97-0BFF47937DDC}"/>
-              </a:ext>
-            </a:extLst>
-          </p:cNvPr>
+            <a:endParaRPr lang="en-US" dirty="0"/>
+          </a:p>
+        </p:txBody>
+      </p:sp>
+      <p:sp>
+        <p:nvSpPr>
+          <p:cNvPr id="3" name="Content Placeholder 2"/>
           <p:cNvSpPr>
             <a:spLocks noGrp="1"/>
           </p:cNvSpPr>
@@ -1269,126 +1878,214 @@
         </p:nvSpPr>
         <p:spPr>
           <a:xfrm>
-            <a:off x="838200" y="1825625"/>
-            <a:ext cx="5181600" cy="4351338"/>
-          </a:xfrm>
-        </p:spPr>
+            <a:off x="1066800" y="2103120"/>
+            <a:ext cx="4663440" cy="3749040"/>
+          </a:xfrm>
+        </p:spPr>
+        <p:txBody>
+          <a:bodyPr/>
+          <a:lstStyle>
+            <a:lvl1pPr>
+              <a:defRPr sz="1800"/>
+            </a:lvl1pPr>
+            <a:lvl2pPr>
+              <a:defRPr sz="1600"/>
+            </a:lvl2pPr>
+            <a:lvl3pPr>
+              <a:defRPr sz="1400"/>
+            </a:lvl3pPr>
+            <a:lvl4pPr>
+              <a:defRPr sz="1400"/>
+            </a:lvl4pPr>
+            <a:lvl5pPr>
+              <a:defRPr sz="1400"/>
+            </a:lvl5pPr>
+            <a:lvl6pPr>
+              <a:defRPr sz="1400"/>
+            </a:lvl6pPr>
+            <a:lvl7pPr>
+              <a:defRPr sz="1400"/>
+            </a:lvl7pPr>
+            <a:lvl8pPr>
+              <a:defRPr sz="1400"/>
+            </a:lvl8pPr>
+            <a:lvl9pPr>
+              <a:defRPr sz="1400"/>
+            </a:lvl9pPr>
+          </a:lstStyle>
+          <a:p>
+            <a:pPr lvl="0"/>
+            <a:r>
+              <a:rPr lang="en-US"/>
+              <a:t>Click to edit Master text styles</a:t>
+            </a:r>
+          </a:p>
+          <a:p>
+            <a:pPr lvl="1"/>
+            <a:r>
+              <a:rPr lang="en-US"/>
+              <a:t>Second level</a:t>
+            </a:r>
+          </a:p>
+          <a:p>
+            <a:pPr lvl="2"/>
+            <a:r>
+              <a:rPr lang="en-US"/>
+              <a:t>Third level</a:t>
+            </a:r>
+          </a:p>
+          <a:p>
+            <a:pPr lvl="3"/>
+            <a:r>
+              <a:rPr lang="en-US"/>
+              <a:t>Fourth level</a:t>
+            </a:r>
+          </a:p>
+          <a:p>
+            <a:pPr lvl="4"/>
+            <a:r>
+              <a:rPr lang="en-US"/>
+              <a:t>Fifth level</a:t>
+            </a:r>
+            <a:endParaRPr lang="en-US" dirty="0"/>
+          </a:p>
+        </p:txBody>
+      </p:sp>
+      <p:sp>
+        <p:nvSpPr>
+          <p:cNvPr id="4" name="Content Placeholder 3"/>
+          <p:cNvSpPr>
+            <a:spLocks noGrp="1"/>
+          </p:cNvSpPr>
+          <p:nvPr>
+            <p:ph sz="half" idx="2"/>
+          </p:nvPr>
+        </p:nvSpPr>
+        <p:spPr>
+          <a:xfrm>
+            <a:off x="6461760" y="2103120"/>
+            <a:ext cx="4663440" cy="3749040"/>
+          </a:xfrm>
+        </p:spPr>
+        <p:txBody>
+          <a:bodyPr/>
+          <a:lstStyle>
+            <a:lvl1pPr>
+              <a:defRPr sz="1800"/>
+            </a:lvl1pPr>
+            <a:lvl2pPr>
+              <a:defRPr sz="1600"/>
+            </a:lvl2pPr>
+            <a:lvl3pPr>
+              <a:defRPr sz="1400"/>
+            </a:lvl3pPr>
+            <a:lvl4pPr>
+              <a:defRPr sz="1400"/>
+            </a:lvl4pPr>
+            <a:lvl5pPr>
+              <a:defRPr sz="1400"/>
+            </a:lvl5pPr>
+            <a:lvl6pPr>
+              <a:defRPr sz="1400"/>
+            </a:lvl6pPr>
+            <a:lvl7pPr>
+              <a:defRPr sz="1400"/>
+            </a:lvl7pPr>
+            <a:lvl8pPr>
+              <a:defRPr sz="1400"/>
+            </a:lvl8pPr>
+            <a:lvl9pPr>
+              <a:defRPr sz="1400"/>
+            </a:lvl9pPr>
+          </a:lstStyle>
+          <a:p>
+            <a:pPr lvl="0"/>
+            <a:r>
+              <a:rPr lang="en-US"/>
+              <a:t>Click to edit Master text styles</a:t>
+            </a:r>
+          </a:p>
+          <a:p>
+            <a:pPr lvl="1"/>
+            <a:r>
+              <a:rPr lang="en-US"/>
+              <a:t>Second level</a:t>
+            </a:r>
+          </a:p>
+          <a:p>
+            <a:pPr lvl="2"/>
+            <a:r>
+              <a:rPr lang="en-US"/>
+              <a:t>Third level</a:t>
+            </a:r>
+          </a:p>
+          <a:p>
+            <a:pPr lvl="3"/>
+            <a:r>
+              <a:rPr lang="en-US"/>
+              <a:t>Fourth level</a:t>
+            </a:r>
+          </a:p>
+          <a:p>
+            <a:pPr lvl="4"/>
+            <a:r>
+              <a:rPr lang="en-US"/>
+              <a:t>Fifth level</a:t>
+            </a:r>
+            <a:endParaRPr lang="en-US" dirty="0"/>
+          </a:p>
+        </p:txBody>
+      </p:sp>
+      <p:sp>
+        <p:nvSpPr>
+          <p:cNvPr id="5" name="Date Placeholder 4"/>
+          <p:cNvSpPr>
+            <a:spLocks noGrp="1"/>
+          </p:cNvSpPr>
+          <p:nvPr>
+            <p:ph type="dt" sz="half" idx="10"/>
+          </p:nvPr>
+        </p:nvSpPr>
+        <p:spPr/>
         <p:txBody>
           <a:bodyPr/>
           <a:lstStyle/>
           <a:p>
-            <a:pPr lvl="0"/>
-            <a:r>
-              <a:rPr lang="en-US"/>
-              <a:t>Click to edit Master text styles</a:t>
-            </a:r>
-          </a:p>
-          <a:p>
-            <a:pPr lvl="1"/>
-            <a:r>
-              <a:rPr lang="en-US"/>
-              <a:t>Second level</a:t>
-            </a:r>
-          </a:p>
-          <a:p>
-            <a:pPr lvl="2"/>
-            <a:r>
-              <a:rPr lang="en-US"/>
-              <a:t>Third level</a:t>
-            </a:r>
-          </a:p>
-          <a:p>
-            <a:pPr lvl="3"/>
-            <a:r>
-              <a:rPr lang="en-US"/>
-              <a:t>Fourth level</a:t>
-            </a:r>
-          </a:p>
-          <a:p>
-            <a:pPr lvl="4"/>
-            <a:r>
-              <a:rPr lang="en-US"/>
-              <a:t>Fifth level</a:t>
-            </a:r>
-          </a:p>
-        </p:txBody>
-      </p:sp>
-      <p:sp>
-        <p:nvSpPr>
-          <p:cNvPr id="4" name="Content Placeholder 3">
-            <a:extLst>
-              <a:ext uri="{FF2B5EF4-FFF2-40B4-BE49-F238E27FC236}">
-                <a16:creationId xmlns:a16="http://schemas.microsoft.com/office/drawing/2014/main" id="{6BF9189C-80F2-789C-8166-7897741C4B07}"/>
-              </a:ext>
-            </a:extLst>
-          </p:cNvPr>
-          <p:cNvSpPr>
-            <a:spLocks noGrp="1"/>
-          </p:cNvSpPr>
-          <p:nvPr>
-            <p:ph sz="half" idx="2"/>
-          </p:nvPr>
-        </p:nvSpPr>
-        <p:spPr>
-          <a:xfrm>
-            <a:off x="6172200" y="1825625"/>
-            <a:ext cx="5181600" cy="4351338"/>
-          </a:xfrm>
-        </p:spPr>
+            <a:fld id="{69186D26-FA5F-4637-B602-B7C2DC34CFD4}" type="datetime1">
+              <a:rPr lang="en-US" smtClean="0"/>
+              <a:t>7/12/2023</a:t>
+            </a:fld>
+            <a:endParaRPr lang="en-US"/>
+          </a:p>
+        </p:txBody>
+      </p:sp>
+      <p:sp>
+        <p:nvSpPr>
+          <p:cNvPr id="6" name="Footer Placeholder 5"/>
+          <p:cNvSpPr>
+            <a:spLocks noGrp="1"/>
+          </p:cNvSpPr>
+          <p:nvPr>
+            <p:ph type="ftr" sz="quarter" idx="11"/>
+          </p:nvPr>
+        </p:nvSpPr>
+        <p:spPr/>
         <p:txBody>
           <a:bodyPr/>
           <a:lstStyle/>
           <a:p>
-            <a:pPr lvl="0"/>
-            <a:r>
-              <a:rPr lang="en-US"/>
-              <a:t>Click to edit Master text styles</a:t>
-            </a:r>
-          </a:p>
-          <a:p>
-            <a:pPr lvl="1"/>
-            <a:r>
-              <a:rPr lang="en-US"/>
-              <a:t>Second level</a:t>
-            </a:r>
-          </a:p>
-          <a:p>
-            <a:pPr lvl="2"/>
-            <a:r>
-              <a:rPr lang="en-US"/>
-              <a:t>Third level</a:t>
-            </a:r>
-          </a:p>
-          <a:p>
-            <a:pPr lvl="3"/>
-            <a:r>
-              <a:rPr lang="en-US"/>
-              <a:t>Fourth level</a:t>
-            </a:r>
-          </a:p>
-          <a:p>
-            <a:pPr lvl="4"/>
-            <a:r>
-              <a:rPr lang="en-US"/>
-              <a:t>Fifth level</a:t>
-            </a:r>
-          </a:p>
-        </p:txBody>
-      </p:sp>
-      <p:sp>
-        <p:nvSpPr>
-          <p:cNvPr id="5" name="Date Placeholder 4">
-            <a:extLst>
-              <a:ext uri="{FF2B5EF4-FFF2-40B4-BE49-F238E27FC236}">
-                <a16:creationId xmlns:a16="http://schemas.microsoft.com/office/drawing/2014/main" id="{188BAEDE-500C-9102-1926-09925213587E}"/>
-              </a:ext>
-            </a:extLst>
-          </p:cNvPr>
-          <p:cNvSpPr>
-            <a:spLocks noGrp="1"/>
-          </p:cNvSpPr>
-          <p:nvPr>
-            <p:ph type="dt" sz="half" idx="10"/>
+            <a:endParaRPr lang="en-US"/>
+          </a:p>
+        </p:txBody>
+      </p:sp>
+      <p:sp>
+        <p:nvSpPr>
+          <p:cNvPr id="7" name="Slide Number Placeholder 6"/>
+          <p:cNvSpPr>
+            <a:spLocks noGrp="1"/>
+          </p:cNvSpPr>
+          <p:nvPr>
+            <p:ph type="sldNum" sz="quarter" idx="12"/>
           </p:nvPr>
         </p:nvSpPr>
         <p:spPr/>
@@ -1396,61 +2093,7 @@
           <a:bodyPr/>
           <a:lstStyle/>
           <a:p>
-            <a:fld id="{5C4CEB73-E482-4CD7-9FE1-DDD2290E98F1}" type="datetimeFigureOut">
-              <a:rPr lang="en-US" smtClean="0"/>
-              <a:t>7/11/2023</a:t>
-            </a:fld>
-            <a:endParaRPr lang="en-US"/>
-          </a:p>
-        </p:txBody>
-      </p:sp>
-      <p:sp>
-        <p:nvSpPr>
-          <p:cNvPr id="6" name="Footer Placeholder 5">
-            <a:extLst>
-              <a:ext uri="{FF2B5EF4-FFF2-40B4-BE49-F238E27FC236}">
-                <a16:creationId xmlns:a16="http://schemas.microsoft.com/office/drawing/2014/main" id="{29E3D9E9-533F-9501-FDAB-F3372760B263}"/>
-              </a:ext>
-            </a:extLst>
-          </p:cNvPr>
-          <p:cNvSpPr>
-            <a:spLocks noGrp="1"/>
-          </p:cNvSpPr>
-          <p:nvPr>
-            <p:ph type="ftr" sz="quarter" idx="11"/>
-          </p:nvPr>
-        </p:nvSpPr>
-        <p:spPr/>
-        <p:txBody>
-          <a:bodyPr/>
-          <a:lstStyle/>
-          <a:p>
-            <a:endParaRPr lang="en-US"/>
-          </a:p>
-        </p:txBody>
-      </p:sp>
-      <p:sp>
-        <p:nvSpPr>
-          <p:cNvPr id="7" name="Slide Number Placeholder 6">
-            <a:extLst>
-              <a:ext uri="{FF2B5EF4-FFF2-40B4-BE49-F238E27FC236}">
-                <a16:creationId xmlns:a16="http://schemas.microsoft.com/office/drawing/2014/main" id="{0DAA6053-43ED-7AAB-A911-29EFA902C1B6}"/>
-              </a:ext>
-            </a:extLst>
-          </p:cNvPr>
-          <p:cNvSpPr>
-            <a:spLocks noGrp="1"/>
-          </p:cNvSpPr>
-          <p:nvPr>
-            <p:ph type="sldNum" sz="quarter" idx="12"/>
-          </p:nvPr>
-        </p:nvSpPr>
-        <p:spPr/>
-        <p:txBody>
-          <a:bodyPr/>
-          <a:lstStyle/>
-          <a:p>
-            <a:fld id="{E50C8935-95C3-4CD2-97BD-B2DE64732B28}" type="slidenum">
+            <a:fld id="{34B7E4EF-A1BD-40F4-AB7B-04F084DD991D}" type="slidenum">
               <a:rPr lang="en-US" smtClean="0"/>
               <a:t>‹#›</a:t>
             </a:fld>
@@ -1461,7 +2104,7 @@
     </p:spTree>
     <p:extLst>
       <p:ext uri="{BB962C8B-B14F-4D97-AF65-F5344CB8AC3E}">
-        <p14:creationId xmlns:p14="http://schemas.microsoft.com/office/powerpoint/2010/main" val="1029721858"/>
+        <p14:creationId xmlns:p14="http://schemas.microsoft.com/office/powerpoint/2010/main" val="2263010688"/>
       </p:ext>
     </p:extLst>
   </p:cSld>
@@ -1490,13 +2133,7 @@
       </p:grpSpPr>
       <p:sp>
         <p:nvSpPr>
-          <p:cNvPr id="2" name="Title 1">
-            <a:extLst>
-              <a:ext uri="{FF2B5EF4-FFF2-40B4-BE49-F238E27FC236}">
-                <a16:creationId xmlns:a16="http://schemas.microsoft.com/office/drawing/2014/main" id="{F937D46B-BD92-D2D3-95CA-841A6DC543D1}"/>
-              </a:ext>
-            </a:extLst>
-          </p:cNvPr>
+          <p:cNvPr id="2" name="Title 1"/>
           <p:cNvSpPr>
             <a:spLocks noGrp="1"/>
           </p:cNvSpPr>
@@ -1504,12 +2141,7 @@
             <p:ph type="title"/>
           </p:nvPr>
         </p:nvSpPr>
-        <p:spPr>
-          <a:xfrm>
-            <a:off x="839788" y="365125"/>
-            <a:ext cx="10515600" cy="1325563"/>
-          </a:xfrm>
-        </p:spPr>
+        <p:spPr/>
         <p:txBody>
           <a:bodyPr/>
           <a:lstStyle/>
@@ -1518,18 +2150,13 @@
               <a:rPr lang="en-US"/>
               <a:t>Click to edit Master title style</a:t>
             </a:r>
-          </a:p>
-        </p:txBody>
-      </p:sp>
-      <p:sp>
-        <p:nvSpPr>
-          <p:cNvPr id="3" name="Text Placeholder 2">
-            <a:extLst>
-              <a:ext uri="{FF2B5EF4-FFF2-40B4-BE49-F238E27FC236}">
-                <a16:creationId xmlns:a16="http://schemas.microsoft.com/office/drawing/2014/main" id="{516EF946-4F5C-A67C-9017-4935200FFEF7}"/>
-              </a:ext>
-            </a:extLst>
-          </p:cNvPr>
+            <a:endParaRPr lang="en-US" dirty="0"/>
+          </a:p>
+        </p:txBody>
+      </p:sp>
+      <p:sp>
+        <p:nvSpPr>
+          <p:cNvPr id="3" name="Text Placeholder 2"/>
           <p:cNvSpPr>
             <a:spLocks noGrp="1"/>
           </p:cNvSpPr>
@@ -1539,20 +2166,30 @@
         </p:nvSpPr>
         <p:spPr>
           <a:xfrm>
-            <a:off x="839788" y="1681163"/>
-            <a:ext cx="5157787" cy="823912"/>
-          </a:xfrm>
-        </p:spPr>
-        <p:txBody>
-          <a:bodyPr anchor="b"/>
+            <a:off x="1069848" y="2074334"/>
+            <a:ext cx="4663440" cy="640080"/>
+          </a:xfrm>
+        </p:spPr>
+        <p:txBody>
+          <a:bodyPr anchor="ctr">
+            <a:normAutofit/>
+          </a:bodyPr>
           <a:lstStyle>
-            <a:lvl1pPr marL="0" indent="0">
-              <a:buNone/>
-              <a:defRPr sz="2400" b="1"/>
+            <a:lvl1pPr marL="0" indent="0" algn="l">
+              <a:spcBef>
+                <a:spcPts val="0"/>
+              </a:spcBef>
+              <a:buNone/>
+              <a:defRPr sz="1900" b="1" i="0">
+                <a:solidFill>
+                  <a:schemeClr val="tx1"/>
+                </a:solidFill>
+                <a:latin typeface="+mn-lt"/>
+              </a:defRPr>
             </a:lvl1pPr>
             <a:lvl2pPr marL="457200" indent="0">
               <a:buNone/>
-              <a:defRPr sz="2000" b="1"/>
+              <a:defRPr sz="1800" b="1"/>
             </a:lvl2pPr>
             <a:lvl3pPr marL="914400" indent="0">
               <a:buNone/>
@@ -1586,7 +2223,7 @@
           <a:p>
             <a:pPr lvl="0"/>
             <a:r>
-              <a:rPr lang="en-US"/>
+              <a:rPr lang="en-US" dirty="0"/>
               <a:t>Click to edit Master text styles</a:t>
             </a:r>
           </a:p>
@@ -1594,13 +2231,7 @@
       </p:sp>
       <p:sp>
         <p:nvSpPr>
-          <p:cNvPr id="4" name="Content Placeholder 3">
-            <a:extLst>
-              <a:ext uri="{FF2B5EF4-FFF2-40B4-BE49-F238E27FC236}">
-                <a16:creationId xmlns:a16="http://schemas.microsoft.com/office/drawing/2014/main" id="{0E71DF38-8822-B8D1-7F07-88A9E9A1E444}"/>
-              </a:ext>
-            </a:extLst>
-          </p:cNvPr>
+          <p:cNvPr id="4" name="Content Placeholder 3"/>
           <p:cNvSpPr>
             <a:spLocks noGrp="1"/>
           </p:cNvSpPr>
@@ -1610,45 +2241,73 @@
         </p:nvSpPr>
         <p:spPr>
           <a:xfrm>
-            <a:off x="839788" y="2505075"/>
-            <a:ext cx="5157787" cy="3684588"/>
+            <a:off x="1069848" y="2792472"/>
+            <a:ext cx="4663440" cy="3163825"/>
           </a:xfrm>
         </p:spPr>
         <p:txBody>
           <a:bodyPr/>
-          <a:lstStyle/>
+          <a:lstStyle>
+            <a:lvl1pPr>
+              <a:defRPr sz="1800"/>
+            </a:lvl1pPr>
+            <a:lvl2pPr>
+              <a:defRPr sz="1600"/>
+            </a:lvl2pPr>
+            <a:lvl3pPr>
+              <a:defRPr sz="1400"/>
+            </a:lvl3pPr>
+            <a:lvl4pPr>
+              <a:defRPr sz="1400"/>
+            </a:lvl4pPr>
+            <a:lvl5pPr>
+              <a:defRPr sz="1400"/>
+            </a:lvl5pPr>
+            <a:lvl6pPr>
+              <a:defRPr sz="1400"/>
+            </a:lvl6pPr>
+            <a:lvl7pPr>
+              <a:defRPr sz="1400"/>
+            </a:lvl7pPr>
+            <a:lvl8pPr>
+              <a:defRPr sz="1400"/>
+            </a:lvl8pPr>
+            <a:lvl9pPr>
+              <a:defRPr sz="1400"/>
+            </a:lvl9pPr>
+          </a:lstStyle>
           <a:p>
             <a:pPr lvl="0"/>
             <a:r>
-              <a:rPr lang="en-US"/>
+              <a:rPr lang="en-US" dirty="0"/>
               <a:t>Click to edit Master text styles</a:t>
             </a:r>
           </a:p>
           <a:p>
             <a:pPr lvl="1"/>
             <a:r>
-              <a:rPr lang="en-US"/>
+              <a:rPr lang="en-US" dirty="0"/>
               <a:t>Second level</a:t>
             </a:r>
           </a:p>
           <a:p>
             <a:pPr lvl="2"/>
             <a:r>
-              <a:rPr lang="en-US"/>
+              <a:rPr lang="en-US" dirty="0"/>
               <a:t>Third level</a:t>
             </a:r>
           </a:p>
           <a:p>
             <a:pPr lvl="3"/>
             <a:r>
-              <a:rPr lang="en-US"/>
+              <a:rPr lang="en-US" dirty="0"/>
               <a:t>Fourth level</a:t>
             </a:r>
           </a:p>
           <a:p>
             <a:pPr lvl="4"/>
             <a:r>
-              <a:rPr lang="en-US"/>
+              <a:rPr lang="en-US" dirty="0"/>
               <a:t>Fifth level</a:t>
             </a:r>
           </a:p>
@@ -1656,13 +2315,7 @@
       </p:sp>
       <p:sp>
         <p:nvSpPr>
-          <p:cNvPr id="5" name="Text Placeholder 4">
-            <a:extLst>
-              <a:ext uri="{FF2B5EF4-FFF2-40B4-BE49-F238E27FC236}">
-                <a16:creationId xmlns:a16="http://schemas.microsoft.com/office/drawing/2014/main" id="{07BFD0CC-C77F-30C2-0F40-C4D2BCACE39D}"/>
-              </a:ext>
-            </a:extLst>
-          </p:cNvPr>
+          <p:cNvPr id="5" name="Text Placeholder 4"/>
           <p:cNvSpPr>
             <a:spLocks noGrp="1"/>
           </p:cNvSpPr>
@@ -1672,20 +2325,29 @@
         </p:nvSpPr>
         <p:spPr>
           <a:xfrm>
-            <a:off x="6172200" y="1681163"/>
-            <a:ext cx="5183188" cy="823912"/>
-          </a:xfrm>
-        </p:spPr>
-        <p:txBody>
-          <a:bodyPr anchor="b"/>
+            <a:off x="6458712" y="2074334"/>
+            <a:ext cx="4663440" cy="640080"/>
+          </a:xfrm>
+        </p:spPr>
+        <p:txBody>
+          <a:bodyPr anchor="ctr">
+            <a:normAutofit/>
+          </a:bodyPr>
           <a:lstStyle>
-            <a:lvl1pPr marL="0" indent="0">
-              <a:buNone/>
-              <a:defRPr sz="2400" b="1"/>
+            <a:lvl1pPr marL="0" indent="0" algn="l">
+              <a:spcBef>
+                <a:spcPts val="0"/>
+              </a:spcBef>
+              <a:buNone/>
+              <a:defRPr sz="1900" b="1">
+                <a:solidFill>
+                  <a:schemeClr val="tx1"/>
+                </a:solidFill>
+              </a:defRPr>
             </a:lvl1pPr>
             <a:lvl2pPr marL="457200" indent="0">
               <a:buNone/>
-              <a:defRPr sz="2000" b="1"/>
+              <a:defRPr sz="1800" b="1"/>
             </a:lvl2pPr>
             <a:lvl3pPr marL="914400" indent="0">
               <a:buNone/>
@@ -1719,7 +2381,7 @@
           <a:p>
             <a:pPr lvl="0"/>
             <a:r>
-              <a:rPr lang="en-US"/>
+              <a:rPr lang="en-US" dirty="0"/>
               <a:t>Click to edit Master text styles</a:t>
             </a:r>
           </a:p>
@@ -1727,13 +2389,7 @@
       </p:sp>
       <p:sp>
         <p:nvSpPr>
-          <p:cNvPr id="6" name="Content Placeholder 5">
-            <a:extLst>
-              <a:ext uri="{FF2B5EF4-FFF2-40B4-BE49-F238E27FC236}">
-                <a16:creationId xmlns:a16="http://schemas.microsoft.com/office/drawing/2014/main" id="{CC0F7E01-D445-CB1F-F5FB-3CD939CB52B9}"/>
-              </a:ext>
-            </a:extLst>
-          </p:cNvPr>
+          <p:cNvPr id="6" name="Content Placeholder 5"/>
           <p:cNvSpPr>
             <a:spLocks noGrp="1"/>
           </p:cNvSpPr>
@@ -1743,64 +2399,109 @@
         </p:nvSpPr>
         <p:spPr>
           <a:xfrm>
-            <a:off x="6172200" y="2505075"/>
-            <a:ext cx="5183188" cy="3684588"/>
-          </a:xfrm>
-        </p:spPr>
+            <a:off x="6458712" y="2792471"/>
+            <a:ext cx="4663440" cy="3164509"/>
+          </a:xfrm>
+        </p:spPr>
+        <p:txBody>
+          <a:bodyPr/>
+          <a:lstStyle>
+            <a:lvl1pPr>
+              <a:defRPr sz="1800"/>
+            </a:lvl1pPr>
+            <a:lvl2pPr>
+              <a:defRPr sz="1600"/>
+            </a:lvl2pPr>
+            <a:lvl3pPr>
+              <a:defRPr sz="1400"/>
+            </a:lvl3pPr>
+            <a:lvl4pPr>
+              <a:defRPr sz="1400"/>
+            </a:lvl4pPr>
+            <a:lvl5pPr>
+              <a:defRPr sz="1400"/>
+            </a:lvl5pPr>
+            <a:lvl6pPr>
+              <a:defRPr sz="1400"/>
+            </a:lvl6pPr>
+            <a:lvl7pPr>
+              <a:defRPr sz="1400"/>
+            </a:lvl7pPr>
+            <a:lvl8pPr>
+              <a:defRPr sz="1400"/>
+            </a:lvl8pPr>
+            <a:lvl9pPr>
+              <a:defRPr sz="1400"/>
+            </a:lvl9pPr>
+          </a:lstStyle>
+          <a:p>
+            <a:pPr lvl="0"/>
+            <a:r>
+              <a:rPr lang="en-US" dirty="0"/>
+              <a:t>Click to edit Master text styles</a:t>
+            </a:r>
+          </a:p>
+          <a:p>
+            <a:pPr lvl="1"/>
+            <a:r>
+              <a:rPr lang="en-US" dirty="0"/>
+              <a:t>Second level</a:t>
+            </a:r>
+          </a:p>
+          <a:p>
+            <a:pPr lvl="2"/>
+            <a:r>
+              <a:rPr lang="en-US" dirty="0"/>
+              <a:t>Third level</a:t>
+            </a:r>
+          </a:p>
+          <a:p>
+            <a:pPr lvl="3"/>
+            <a:r>
+              <a:rPr lang="en-US" dirty="0"/>
+              <a:t>Fourth level</a:t>
+            </a:r>
+          </a:p>
+          <a:p>
+            <a:pPr lvl="4"/>
+            <a:r>
+              <a:rPr lang="en-US" dirty="0"/>
+              <a:t>Fifth level</a:t>
+            </a:r>
+          </a:p>
+        </p:txBody>
+      </p:sp>
+      <p:sp>
+        <p:nvSpPr>
+          <p:cNvPr id="7" name="Date Placeholder 6"/>
+          <p:cNvSpPr>
+            <a:spLocks noGrp="1"/>
+          </p:cNvSpPr>
+          <p:nvPr>
+            <p:ph type="dt" sz="half" idx="10"/>
+          </p:nvPr>
+        </p:nvSpPr>
+        <p:spPr/>
         <p:txBody>
           <a:bodyPr/>
           <a:lstStyle/>
           <a:p>
-            <a:pPr lvl="0"/>
-            <a:r>
-              <a:rPr lang="en-US"/>
-              <a:t>Click to edit Master text styles</a:t>
-            </a:r>
-          </a:p>
-          <a:p>
-            <a:pPr lvl="1"/>
-            <a:r>
-              <a:rPr lang="en-US"/>
-              <a:t>Second level</a:t>
-            </a:r>
-          </a:p>
-          <a:p>
-            <a:pPr lvl="2"/>
-            <a:r>
-              <a:rPr lang="en-US"/>
-              <a:t>Third level</a:t>
-            </a:r>
-          </a:p>
-          <a:p>
-            <a:pPr lvl="3"/>
-            <a:r>
-              <a:rPr lang="en-US"/>
-              <a:t>Fourth level</a:t>
-            </a:r>
-          </a:p>
-          <a:p>
-            <a:pPr lvl="4"/>
-            <a:r>
-              <a:rPr lang="en-US"/>
-              <a:t>Fifth level</a:t>
-            </a:r>
-          </a:p>
-        </p:txBody>
-      </p:sp>
-      <p:sp>
-        <p:nvSpPr>
-          <p:cNvPr id="7" name="Date Placeholder 6">
-            <a:extLst>
-              <a:ext uri="{FF2B5EF4-FFF2-40B4-BE49-F238E27FC236}">
-                <a16:creationId xmlns:a16="http://schemas.microsoft.com/office/drawing/2014/main" id="{AECED1D2-8074-60C5-68BA-4934923F5EA1}"/>
-              </a:ext>
-            </a:extLst>
-          </p:cNvPr>
-          <p:cNvSpPr>
-            <a:spLocks noGrp="1"/>
-          </p:cNvSpPr>
-          <p:nvPr>
-            <p:ph type="dt" sz="half" idx="10"/>
+            <a:fld id="{8A7F15D8-96D1-4781-BC50-CA8A088B2FE4}" type="datetime1">
+              <a:rPr lang="en-US" smtClean="0"/>
+              <a:t>7/12/2023</a:t>
+            </a:fld>
+            <a:endParaRPr lang="en-US"/>
+          </a:p>
+        </p:txBody>
+      </p:sp>
+      <p:sp>
+        <p:nvSpPr>
+          <p:cNvPr id="8" name="Footer Placeholder 7"/>
+          <p:cNvSpPr>
+            <a:spLocks noGrp="1"/>
+          </p:cNvSpPr>
+          <p:nvPr>
+            <p:ph type="ftr" sz="quarter" idx="11"/>
           </p:nvPr>
         </p:nvSpPr>
         <p:spPr/>
@@ -1808,28 +2509,18 @@
           <a:bodyPr/>
           <a:lstStyle/>
           <a:p>
-            <a:fld id="{5C4CEB73-E482-4CD7-9FE1-DDD2290E98F1}" type="datetimeFigureOut">
-              <a:rPr lang="en-US" smtClean="0"/>
-              <a:t>7/11/2023</a:t>
-            </a:fld>
             <a:endParaRPr lang="en-US"/>
           </a:p>
         </p:txBody>
       </p:sp>
       <p:sp>
         <p:nvSpPr>
-          <p:cNvPr id="8" name="Footer Placeholder 7">
-            <a:extLst>
-              <a:ext uri="{FF2B5EF4-FFF2-40B4-BE49-F238E27FC236}">
-                <a16:creationId xmlns:a16="http://schemas.microsoft.com/office/drawing/2014/main" id="{77719801-B3C9-638B-6DDF-0D0970CA61E3}"/>
-              </a:ext>
-            </a:extLst>
-          </p:cNvPr>
-          <p:cNvSpPr>
-            <a:spLocks noGrp="1"/>
-          </p:cNvSpPr>
-          <p:nvPr>
-            <p:ph type="ftr" sz="quarter" idx="11"/>
+          <p:cNvPr id="9" name="Slide Number Placeholder 8"/>
+          <p:cNvSpPr>
+            <a:spLocks noGrp="1"/>
+          </p:cNvSpPr>
+          <p:nvPr>
+            <p:ph type="sldNum" sz="quarter" idx="12"/>
           </p:nvPr>
         </p:nvSpPr>
         <p:spPr/>
@@ -1837,32 +2528,7 @@
           <a:bodyPr/>
           <a:lstStyle/>
           <a:p>
-            <a:endParaRPr lang="en-US"/>
-          </a:p>
-        </p:txBody>
-      </p:sp>
-      <p:sp>
-        <p:nvSpPr>
-          <p:cNvPr id="9" name="Slide Number Placeholder 8">
-            <a:extLst>
-              <a:ext uri="{FF2B5EF4-FFF2-40B4-BE49-F238E27FC236}">
-                <a16:creationId xmlns:a16="http://schemas.microsoft.com/office/drawing/2014/main" id="{08EBA9C5-6796-A853-A7A0-67A7EB4F0C78}"/>
-              </a:ext>
-            </a:extLst>
-          </p:cNvPr>
-          <p:cNvSpPr>
-            <a:spLocks noGrp="1"/>
-          </p:cNvSpPr>
-          <p:nvPr>
-            <p:ph type="sldNum" sz="quarter" idx="12"/>
-          </p:nvPr>
-        </p:nvSpPr>
-        <p:spPr/>
-        <p:txBody>
-          <a:bodyPr/>
-          <a:lstStyle/>
-          <a:p>
-            <a:fld id="{E50C8935-95C3-4CD2-97BD-B2DE64732B28}" type="slidenum">
+            <a:fld id="{34B7E4EF-A1BD-40F4-AB7B-04F084DD991D}" type="slidenum">
               <a:rPr lang="en-US" smtClean="0"/>
               <a:t>‹#›</a:t>
             </a:fld>
@@ -1873,7 +2539,7 @@
     </p:spTree>
     <p:extLst>
       <p:ext uri="{BB962C8B-B14F-4D97-AF65-F5344CB8AC3E}">
-        <p14:creationId xmlns:p14="http://schemas.microsoft.com/office/powerpoint/2010/main" val="179809422"/>
+        <p14:creationId xmlns:p14="http://schemas.microsoft.com/office/powerpoint/2010/main" val="2447019640"/>
       </p:ext>
     </p:extLst>
   </p:cSld>
@@ -1902,13 +2568,7 @@
       </p:grpSpPr>
       <p:sp>
         <p:nvSpPr>
-          <p:cNvPr id="2" name="Title 1">
-            <a:extLst>
-              <a:ext uri="{FF2B5EF4-FFF2-40B4-BE49-F238E27FC236}">
-                <a16:creationId xmlns:a16="http://schemas.microsoft.com/office/drawing/2014/main" id="{CAE22E78-A7C1-DBCC-13FB-66FE6BC5E40D}"/>
-              </a:ext>
-            </a:extLst>
-          </p:cNvPr>
+          <p:cNvPr id="2" name="Title 1"/>
           <p:cNvSpPr>
             <a:spLocks noGrp="1"/>
           </p:cNvSpPr>
@@ -1925,18 +2585,13 @@
               <a:rPr lang="en-US"/>
               <a:t>Click to edit Master title style</a:t>
             </a:r>
-          </a:p>
-        </p:txBody>
-      </p:sp>
-      <p:sp>
-        <p:nvSpPr>
-          <p:cNvPr id="3" name="Date Placeholder 2">
-            <a:extLst>
-              <a:ext uri="{FF2B5EF4-FFF2-40B4-BE49-F238E27FC236}">
-                <a16:creationId xmlns:a16="http://schemas.microsoft.com/office/drawing/2014/main" id="{F7FA31C5-7D26-88A6-A792-59BE940666E4}"/>
-              </a:ext>
-            </a:extLst>
-          </p:cNvPr>
+            <a:endParaRPr lang="en-US" dirty="0"/>
+          </a:p>
+        </p:txBody>
+      </p:sp>
+      <p:sp>
+        <p:nvSpPr>
+          <p:cNvPr id="3" name="Date Placeholder 2"/>
           <p:cNvSpPr>
             <a:spLocks noGrp="1"/>
           </p:cNvSpPr>
@@ -1949,9 +2604,9 @@
           <a:bodyPr/>
           <a:lstStyle/>
           <a:p>
-            <a:fld id="{5C4CEB73-E482-4CD7-9FE1-DDD2290E98F1}" type="datetimeFigureOut">
+            <a:fld id="{F9A96C99-B8F8-4528-BD05-0E16E943DC09}" type="datetime1">
               <a:rPr lang="en-US" smtClean="0"/>
-              <a:t>7/11/2023</a:t>
+              <a:t>7/12/2023</a:t>
             </a:fld>
             <a:endParaRPr lang="en-US"/>
           </a:p>
@@ -1959,13 +2614,7 @@
       </p:sp>
       <p:sp>
         <p:nvSpPr>
-          <p:cNvPr id="4" name="Footer Placeholder 3">
-            <a:extLst>
-              <a:ext uri="{FF2B5EF4-FFF2-40B4-BE49-F238E27FC236}">
-                <a16:creationId xmlns:a16="http://schemas.microsoft.com/office/drawing/2014/main" id="{079653D7-D99C-DA69-311E-BDF50A7C54E3}"/>
-              </a:ext>
-            </a:extLst>
-          </p:cNvPr>
+          <p:cNvPr id="4" name="Footer Placeholder 3"/>
           <p:cNvSpPr>
             <a:spLocks noGrp="1"/>
           </p:cNvSpPr>
@@ -1984,13 +2633,7 @@
       </p:sp>
       <p:sp>
         <p:nvSpPr>
-          <p:cNvPr id="5" name="Slide Number Placeholder 4">
-            <a:extLst>
-              <a:ext uri="{FF2B5EF4-FFF2-40B4-BE49-F238E27FC236}">
-                <a16:creationId xmlns:a16="http://schemas.microsoft.com/office/drawing/2014/main" id="{A3D064F8-830A-AB9A-2D8E-8862C9CC84B4}"/>
-              </a:ext>
-            </a:extLst>
-          </p:cNvPr>
+          <p:cNvPr id="5" name="Slide Number Placeholder 4"/>
           <p:cNvSpPr>
             <a:spLocks noGrp="1"/>
           </p:cNvSpPr>
@@ -2003,7 +2646,7 @@
           <a:bodyPr/>
           <a:lstStyle/>
           <a:p>
-            <a:fld id="{E50C8935-95C3-4CD2-97BD-B2DE64732B28}" type="slidenum">
+            <a:fld id="{34B7E4EF-A1BD-40F4-AB7B-04F084DD991D}" type="slidenum">
               <a:rPr lang="en-US" smtClean="0"/>
               <a:t>‹#›</a:t>
             </a:fld>
@@ -2014,7 +2657,7 @@
     </p:spTree>
     <p:extLst>
       <p:ext uri="{BB962C8B-B14F-4D97-AF65-F5344CB8AC3E}">
-        <p14:creationId xmlns:p14="http://schemas.microsoft.com/office/powerpoint/2010/main" val="113540832"/>
+        <p14:creationId xmlns:p14="http://schemas.microsoft.com/office/powerpoint/2010/main" val="3917426549"/>
       </p:ext>
     </p:extLst>
   </p:cSld>
@@ -2043,13 +2686,7 @@
       </p:grpSpPr>
       <p:sp>
         <p:nvSpPr>
-          <p:cNvPr id="2" name="Date Placeholder 1">
-            <a:extLst>
-              <a:ext uri="{FF2B5EF4-FFF2-40B4-BE49-F238E27FC236}">
-                <a16:creationId xmlns:a16="http://schemas.microsoft.com/office/drawing/2014/main" id="{3EEE88CA-53A6-D52D-8872-8E9745769A7D}"/>
-              </a:ext>
-            </a:extLst>
-          </p:cNvPr>
+          <p:cNvPr id="2" name="Date Placeholder 1"/>
           <p:cNvSpPr>
             <a:spLocks noGrp="1"/>
           </p:cNvSpPr>
@@ -2062,9 +2699,9 @@
           <a:bodyPr/>
           <a:lstStyle/>
           <a:p>
-            <a:fld id="{5C4CEB73-E482-4CD7-9FE1-DDD2290E98F1}" type="datetimeFigureOut">
+            <a:fld id="{03636942-C211-4B28-8DBD-C953E00AF71B}" type="datetime1">
               <a:rPr lang="en-US" smtClean="0"/>
-              <a:t>7/11/2023</a:t>
+              <a:t>7/12/2023</a:t>
             </a:fld>
             <a:endParaRPr lang="en-US"/>
           </a:p>
@@ -2072,13 +2709,7 @@
       </p:sp>
       <p:sp>
         <p:nvSpPr>
-          <p:cNvPr id="3" name="Footer Placeholder 2">
-            <a:extLst>
-              <a:ext uri="{FF2B5EF4-FFF2-40B4-BE49-F238E27FC236}">
-                <a16:creationId xmlns:a16="http://schemas.microsoft.com/office/drawing/2014/main" id="{1336ED80-92CE-6478-F514-D6BCA1BE2E9D}"/>
-              </a:ext>
-            </a:extLst>
-          </p:cNvPr>
+          <p:cNvPr id="3" name="Footer Placeholder 2"/>
           <p:cNvSpPr>
             <a:spLocks noGrp="1"/>
           </p:cNvSpPr>
@@ -2097,13 +2728,7 @@
       </p:sp>
       <p:sp>
         <p:nvSpPr>
-          <p:cNvPr id="4" name="Slide Number Placeholder 3">
-            <a:extLst>
-              <a:ext uri="{FF2B5EF4-FFF2-40B4-BE49-F238E27FC236}">
-                <a16:creationId xmlns:a16="http://schemas.microsoft.com/office/drawing/2014/main" id="{0E4038CE-67FB-9030-A9F5-873223B554DC}"/>
-              </a:ext>
-            </a:extLst>
-          </p:cNvPr>
+          <p:cNvPr id="4" name="Slide Number Placeholder 3"/>
           <p:cNvSpPr>
             <a:spLocks noGrp="1"/>
           </p:cNvSpPr>
@@ -2116,7 +2741,7 @@
           <a:bodyPr/>
           <a:lstStyle/>
           <a:p>
-            <a:fld id="{E50C8935-95C3-4CD2-97BD-B2DE64732B28}" type="slidenum">
+            <a:fld id="{34B7E4EF-A1BD-40F4-AB7B-04F084DD991D}" type="slidenum">
               <a:rPr lang="en-US" smtClean="0"/>
               <a:t>‹#›</a:t>
             </a:fld>
@@ -2127,7 +2752,7 @@
     </p:spTree>
     <p:extLst>
       <p:ext uri="{BB962C8B-B14F-4D97-AF65-F5344CB8AC3E}">
-        <p14:creationId xmlns:p14="http://schemas.microsoft.com/office/powerpoint/2010/main" val="1174848799"/>
+        <p14:creationId xmlns:p14="http://schemas.microsoft.com/office/powerpoint/2010/main" val="2255135533"/>
       </p:ext>
     </p:extLst>
   </p:cSld>
@@ -2138,7 +2763,7 @@
 </file>
 
 <file path=ppt/slideLayouts/slideLayout8.xml><?xml version="1.0" encoding="utf-8"?>
-<p:sldLayout xmlns:a="http://schemas.openxmlformats.org/drawingml/2006/main" xmlns:r="http://schemas.openxmlformats.org/officeDocument/2006/relationships" xmlns:p="http://schemas.openxmlformats.org/presentationml/2006/main" type="objTx" preserve="1">
+<p:sldLayout xmlns:a="http://schemas.openxmlformats.org/drawingml/2006/main" xmlns:r="http://schemas.openxmlformats.org/officeDocument/2006/relationships" xmlns:p="http://schemas.openxmlformats.org/presentationml/2006/main" showMasterSp="0" type="objTx" preserve="1">
   <p:cSld name="Content with Caption">
     <p:spTree>
       <p:nvGrpSpPr>
@@ -2156,50 +2781,151 @@
       </p:grpSpPr>
       <p:sp>
         <p:nvSpPr>
-          <p:cNvPr id="2" name="Title 1">
+          <p:cNvPr id="10" name="Rectangle 9">
             <a:extLst>
               <a:ext uri="{FF2B5EF4-FFF2-40B4-BE49-F238E27FC236}">
-                <a16:creationId xmlns:a16="http://schemas.microsoft.com/office/drawing/2014/main" id="{C28EFD55-BE82-DFA8-B752-AD1085CC75C2}"/>
+                <a16:creationId xmlns:a16="http://schemas.microsoft.com/office/drawing/2014/main" id="{D5E1BBF9-8BEF-4353-BA68-30AAF9EBD8D8}"/>
               </a:ext>
             </a:extLst>
           </p:cNvPr>
-          <p:cNvSpPr>
-            <a:spLocks noGrp="1"/>
-          </p:cNvSpPr>
-          <p:nvPr>
-            <p:ph type="title"/>
-          </p:nvPr>
-        </p:nvSpPr>
-        <p:spPr>
-          <a:xfrm>
-            <a:off x="839788" y="457200"/>
-            <a:ext cx="3932237" cy="1600200"/>
-          </a:xfrm>
-        </p:spPr>
-        <p:txBody>
-          <a:bodyPr anchor="b"/>
-          <a:lstStyle>
-            <a:lvl1pPr>
-              <a:defRPr sz="3200"/>
-            </a:lvl1pPr>
-          </a:lstStyle>
-          <a:p>
-            <a:r>
-              <a:rPr lang="en-US"/>
-              <a:t>Click to edit Master title style</a:t>
-            </a:r>
-          </a:p>
-        </p:txBody>
-      </p:sp>
-      <p:sp>
-        <p:nvSpPr>
-          <p:cNvPr id="3" name="Content Placeholder 2">
+          <p:cNvSpPr/>
+          <p:nvPr/>
+        </p:nvSpPr>
+        <p:spPr>
+          <a:xfrm>
+            <a:off x="8119870" y="237744"/>
+            <a:ext cx="3826596" cy="6382512"/>
+          </a:xfrm>
+          <a:prstGeom prst="rect">
+            <a:avLst/>
+          </a:prstGeom>
+          <a:solidFill>
+            <a:schemeClr val="bg1">
+              <a:lumMod val="85000"/>
+              <a:alpha val="60000"/>
+            </a:schemeClr>
+          </a:solidFill>
+          <a:ln>
+            <a:noFill/>
+          </a:ln>
+        </p:spPr>
+        <p:style>
+          <a:lnRef idx="2">
+            <a:schemeClr val="accent1">
+              <a:shade val="50000"/>
+            </a:schemeClr>
+          </a:lnRef>
+          <a:fillRef idx="1">
+            <a:schemeClr val="accent1"/>
+          </a:fillRef>
+          <a:effectRef idx="0">
+            <a:schemeClr val="accent1"/>
+          </a:effectRef>
+          <a:fontRef idx="minor">
+            <a:schemeClr val="lt1"/>
+          </a:fontRef>
+        </p:style>
+      </p:sp>
+      <p:sp>
+        <p:nvSpPr>
+          <p:cNvPr id="13" name="Rectangle 12">
             <a:extLst>
               <a:ext uri="{FF2B5EF4-FFF2-40B4-BE49-F238E27FC236}">
-                <a16:creationId xmlns:a16="http://schemas.microsoft.com/office/drawing/2014/main" id="{6FEEBF81-A4E9-AFD8-4103-DE84810C8EB3}"/>
+                <a16:creationId xmlns:a16="http://schemas.microsoft.com/office/drawing/2014/main" id="{5B941C21-2A5D-4912-AB06-1BB0C0EB6AE1}"/>
               </a:ext>
             </a:extLst>
           </p:cNvPr>
+          <p:cNvSpPr/>
+          <p:nvPr/>
+        </p:nvSpPr>
+        <p:spPr>
+          <a:xfrm>
+            <a:off x="8254660" y="374904"/>
+            <a:ext cx="3557016" cy="6108192"/>
+          </a:xfrm>
+          <a:prstGeom prst="rect">
+            <a:avLst/>
+          </a:prstGeom>
+          <a:noFill/>
+          <a:ln w="6350" cap="sq">
+            <a:solidFill>
+              <a:schemeClr val="tx1">
+                <a:lumMod val="75000"/>
+                <a:lumOff val="25000"/>
+              </a:schemeClr>
+            </a:solidFill>
+            <a:miter lim="800000"/>
+          </a:ln>
+        </p:spPr>
+        <p:style>
+          <a:lnRef idx="2">
+            <a:schemeClr val="accent1">
+              <a:shade val="50000"/>
+            </a:schemeClr>
+          </a:lnRef>
+          <a:fillRef idx="1">
+            <a:schemeClr val="accent1"/>
+          </a:fillRef>
+          <a:effectRef idx="0">
+            <a:schemeClr val="accent1"/>
+          </a:effectRef>
+          <a:fontRef idx="minor">
+            <a:schemeClr val="lt1"/>
+          </a:fontRef>
+        </p:style>
+      </p:sp>
+      <p:sp>
+        <p:nvSpPr>
+          <p:cNvPr id="2" name="Title 1"/>
+          <p:cNvSpPr>
+            <a:spLocks noGrp="1"/>
+          </p:cNvSpPr>
+          <p:nvPr>
+            <p:ph type="title"/>
+          </p:nvPr>
+        </p:nvSpPr>
+        <p:spPr>
+          <a:xfrm>
+            <a:off x="8458200" y="607392"/>
+            <a:ext cx="3161963" cy="1645920"/>
+          </a:xfrm>
+        </p:spPr>
+        <p:txBody>
+          <a:bodyPr anchor="b">
+            <a:normAutofit/>
+          </a:bodyPr>
+          <a:lstStyle>
+            <a:lvl1pPr algn="l" defTabSz="914400" rtl="0" eaLnBrk="1" latinLnBrk="0" hangingPunct="1">
+              <a:lnSpc>
+                <a:spcPct val="100000"/>
+              </a:lnSpc>
+              <a:spcBef>
+                <a:spcPct val="0"/>
+              </a:spcBef>
+              <a:buNone/>
+              <a:defRPr lang="en-US" sz="3200" b="0" kern="1200" cap="none" spc="0" baseline="0" dirty="0">
+                <a:solidFill>
+                  <a:schemeClr val="tx1"/>
+                </a:solidFill>
+                <a:effectLst/>
+                <a:latin typeface="+mj-lt"/>
+                <a:ea typeface="+mn-ea"/>
+                <a:cs typeface="+mn-cs"/>
+              </a:defRPr>
+            </a:lvl1pPr>
+          </a:lstStyle>
+          <a:p>
+            <a:r>
+              <a:rPr lang="en-US"/>
+              <a:t>Click to edit Master title style</a:t>
+            </a:r>
+            <a:endParaRPr lang="en-US" dirty="0"/>
+          </a:p>
+        </p:txBody>
+      </p:sp>
+      <p:sp>
+        <p:nvSpPr>
+          <p:cNvPr id="3" name="Content Placeholder 2"/>
           <p:cNvSpPr>
             <a:spLocks noGrp="1"/>
           </p:cNvSpPr>
@@ -2209,39 +2935,39 @@
         </p:nvSpPr>
         <p:spPr>
           <a:xfrm>
-            <a:off x="5183188" y="987425"/>
-            <a:ext cx="6172200" cy="4873625"/>
+            <a:off x="685800" y="609600"/>
+            <a:ext cx="6858000" cy="5334000"/>
           </a:xfrm>
         </p:spPr>
         <p:txBody>
           <a:bodyPr/>
           <a:lstStyle>
             <a:lvl1pPr>
-              <a:defRPr sz="3200"/>
+              <a:defRPr sz="1900"/>
             </a:lvl1pPr>
             <a:lvl2pPr>
-              <a:defRPr sz="2800"/>
+              <a:defRPr sz="1600"/>
             </a:lvl2pPr>
             <a:lvl3pPr>
-              <a:defRPr sz="2400"/>
+              <a:defRPr sz="1400"/>
             </a:lvl3pPr>
             <a:lvl4pPr>
-              <a:defRPr sz="2000"/>
+              <a:defRPr sz="1400"/>
             </a:lvl4pPr>
             <a:lvl5pPr>
-              <a:defRPr sz="2000"/>
+              <a:defRPr sz="1400"/>
             </a:lvl5pPr>
             <a:lvl6pPr>
-              <a:defRPr sz="2000"/>
+              <a:defRPr sz="1400"/>
             </a:lvl6pPr>
             <a:lvl7pPr>
-              <a:defRPr sz="2000"/>
+              <a:defRPr sz="1400"/>
             </a:lvl7pPr>
             <a:lvl8pPr>
-              <a:defRPr sz="2000"/>
+              <a:defRPr sz="1400"/>
             </a:lvl8pPr>
             <a:lvl9pPr>
-              <a:defRPr sz="2000"/>
+              <a:defRPr sz="1400"/>
             </a:lvl9pPr>
           </a:lstStyle>
           <a:p>
@@ -2278,18 +3004,13 @@
               <a:rPr lang="en-US"/>
               <a:t>Fifth level</a:t>
             </a:r>
-          </a:p>
-        </p:txBody>
-      </p:sp>
-      <p:sp>
-        <p:nvSpPr>
-          <p:cNvPr id="4" name="Text Placeholder 3">
-            <a:extLst>
-              <a:ext uri="{FF2B5EF4-FFF2-40B4-BE49-F238E27FC236}">
-                <a16:creationId xmlns:a16="http://schemas.microsoft.com/office/drawing/2014/main" id="{04ADBB53-8ECA-77BD-BAD8-828D0C0BA2C0}"/>
-              </a:ext>
-            </a:extLst>
-          </p:cNvPr>
+            <a:endParaRPr lang="en-US" dirty="0"/>
+          </a:p>
+        </p:txBody>
+      </p:sp>
+      <p:sp>
+        <p:nvSpPr>
+          <p:cNvPr id="4" name="Text Placeholder 3"/>
           <p:cNvSpPr>
             <a:spLocks noGrp="1"/>
           </p:cNvSpPr>
@@ -2299,83 +3020,105 @@
         </p:nvSpPr>
         <p:spPr>
           <a:xfrm>
-            <a:off x="839788" y="2057400"/>
-            <a:ext cx="3932237" cy="3811588"/>
+            <a:off x="8458200" y="2336800"/>
+            <a:ext cx="3161963" cy="3606800"/>
+          </a:xfrm>
+        </p:spPr>
+        <p:txBody>
+          <a:bodyPr>
+            <a:normAutofit/>
+          </a:bodyPr>
+          <a:lstStyle>
+            <a:lvl1pPr marL="0" indent="0">
+              <a:lnSpc>
+                <a:spcPct val="110000"/>
+              </a:lnSpc>
+              <a:spcBef>
+                <a:spcPts val="800"/>
+              </a:spcBef>
+              <a:buNone/>
+              <a:defRPr sz="1800">
+                <a:solidFill>
+                  <a:schemeClr val="tx1"/>
+                </a:solidFill>
+              </a:defRPr>
+            </a:lvl1pPr>
+            <a:lvl2pPr marL="457200" indent="0">
+              <a:buNone/>
+              <a:defRPr sz="1200"/>
+            </a:lvl2pPr>
+            <a:lvl3pPr marL="914400" indent="0">
+              <a:buNone/>
+              <a:defRPr sz="1000"/>
+            </a:lvl3pPr>
+            <a:lvl4pPr marL="1371600" indent="0">
+              <a:buNone/>
+              <a:defRPr sz="900"/>
+            </a:lvl4pPr>
+            <a:lvl5pPr marL="1828800" indent="0">
+              <a:buNone/>
+              <a:defRPr sz="900"/>
+            </a:lvl5pPr>
+            <a:lvl6pPr marL="2286000" indent="0">
+              <a:buNone/>
+              <a:defRPr sz="900"/>
+            </a:lvl6pPr>
+            <a:lvl7pPr marL="2743200" indent="0">
+              <a:buNone/>
+              <a:defRPr sz="900"/>
+            </a:lvl7pPr>
+            <a:lvl8pPr marL="3200400" indent="0">
+              <a:buNone/>
+              <a:defRPr sz="900"/>
+            </a:lvl8pPr>
+            <a:lvl9pPr marL="3657600" indent="0">
+              <a:buNone/>
+              <a:defRPr sz="900"/>
+            </a:lvl9pPr>
+          </a:lstStyle>
+          <a:p>
+            <a:pPr lvl="0"/>
+            <a:r>
+              <a:rPr lang="en-US"/>
+              <a:t>Click to edit Master text styles</a:t>
+            </a:r>
+          </a:p>
+        </p:txBody>
+      </p:sp>
+      <p:sp>
+        <p:nvSpPr>
+          <p:cNvPr id="8" name="Date Placeholder 7"/>
+          <p:cNvSpPr>
+            <a:spLocks noGrp="1"/>
+          </p:cNvSpPr>
+          <p:nvPr>
+            <p:ph type="dt" sz="half" idx="10"/>
+          </p:nvPr>
+        </p:nvSpPr>
+        <p:spPr>
+          <a:xfrm>
+            <a:off x="5588000" y="6035040"/>
+            <a:ext cx="1955800" cy="365760"/>
           </a:xfrm>
         </p:spPr>
         <p:txBody>
           <a:bodyPr/>
           <a:lstStyle>
-            <a:lvl1pPr marL="0" indent="0">
-              <a:buNone/>
-              <a:defRPr sz="1600"/>
+            <a:lvl1pPr>
+              <a:defRPr>
+                <a:solidFill>
+                  <a:schemeClr val="tx1">
+                    <a:lumMod val="85000"/>
+                    <a:lumOff val="15000"/>
+                  </a:schemeClr>
+                </a:solidFill>
+              </a:defRPr>
             </a:lvl1pPr>
-            <a:lvl2pPr marL="457200" indent="0">
-              <a:buNone/>
-              <a:defRPr sz="1400"/>
-            </a:lvl2pPr>
-            <a:lvl3pPr marL="914400" indent="0">
-              <a:buNone/>
-              <a:defRPr sz="1200"/>
-            </a:lvl3pPr>
-            <a:lvl4pPr marL="1371600" indent="0">
-              <a:buNone/>
-              <a:defRPr sz="1000"/>
-            </a:lvl4pPr>
-            <a:lvl5pPr marL="1828800" indent="0">
-              <a:buNone/>
-              <a:defRPr sz="1000"/>
-            </a:lvl5pPr>
-            <a:lvl6pPr marL="2286000" indent="0">
-              <a:buNone/>
-              <a:defRPr sz="1000"/>
-            </a:lvl6pPr>
-            <a:lvl7pPr marL="2743200" indent="0">
-              <a:buNone/>
-              <a:defRPr sz="1000"/>
-            </a:lvl7pPr>
-            <a:lvl8pPr marL="3200400" indent="0">
-              <a:buNone/>
-              <a:defRPr sz="1000"/>
-            </a:lvl8pPr>
-            <a:lvl9pPr marL="3657600" indent="0">
-              <a:buNone/>
-              <a:defRPr sz="1000"/>
-            </a:lvl9pPr>
           </a:lstStyle>
           <a:p>
-            <a:pPr lvl="0"/>
-            <a:r>
-              <a:rPr lang="en-US"/>
-              <a:t>Click to edit Master text styles</a:t>
-            </a:r>
-          </a:p>
-        </p:txBody>
-      </p:sp>
-      <p:sp>
-        <p:nvSpPr>
-          <p:cNvPr id="5" name="Date Placeholder 4">
-            <a:extLst>
-              <a:ext uri="{FF2B5EF4-FFF2-40B4-BE49-F238E27FC236}">
-                <a16:creationId xmlns:a16="http://schemas.microsoft.com/office/drawing/2014/main" id="{C10C5B05-612E-BA6E-05F1-D4768565A7DF}"/>
-              </a:ext>
-            </a:extLst>
-          </p:cNvPr>
-          <p:cNvSpPr>
-            <a:spLocks noGrp="1"/>
-          </p:cNvSpPr>
-          <p:nvPr>
-            <p:ph type="dt" sz="half" idx="10"/>
-          </p:nvPr>
-        </p:nvSpPr>
-        <p:spPr/>
-        <p:txBody>
-          <a:bodyPr/>
-          <a:lstStyle/>
-          <a:p>
-            <a:fld id="{5C4CEB73-E482-4CD7-9FE1-DDD2290E98F1}" type="datetimeFigureOut">
+            <a:fld id="{7E8D12A6-918A-48BD-8CB9-CA713993B0EA}" type="datetime1">
               <a:rPr lang="en-US" smtClean="0"/>
-              <a:t>7/11/2023</a:t>
+              <a:t>7/12/2023</a:t>
             </a:fld>
             <a:endParaRPr lang="en-US"/>
           </a:p>
@@ -2383,13 +3126,7 @@
       </p:sp>
       <p:sp>
         <p:nvSpPr>
-          <p:cNvPr id="6" name="Footer Placeholder 5">
-            <a:extLst>
-              <a:ext uri="{FF2B5EF4-FFF2-40B4-BE49-F238E27FC236}">
-                <a16:creationId xmlns:a16="http://schemas.microsoft.com/office/drawing/2014/main" id="{98F04F4F-8983-8E09-2687-D3A8B766B12B}"/>
-              </a:ext>
-            </a:extLst>
-          </p:cNvPr>
+          <p:cNvPr id="9" name="Footer Placeholder 8"/>
           <p:cNvSpPr>
             <a:spLocks noGrp="1"/>
           </p:cNvSpPr>
@@ -2397,10 +3134,19 @@
             <p:ph type="ftr" sz="quarter" idx="11"/>
           </p:nvPr>
         </p:nvSpPr>
-        <p:spPr/>
+        <p:spPr>
+          <a:xfrm>
+            <a:off x="685801" y="6035040"/>
+            <a:ext cx="4584700" cy="365760"/>
+          </a:xfrm>
+        </p:spPr>
         <p:txBody>
           <a:bodyPr/>
-          <a:lstStyle/>
+          <a:lstStyle>
+            <a:lvl1pPr algn="l">
+              <a:defRPr/>
+            </a:lvl1pPr>
+          </a:lstStyle>
           <a:p>
             <a:endParaRPr lang="en-US"/>
           </a:p>
@@ -2408,13 +3154,7 @@
       </p:sp>
       <p:sp>
         <p:nvSpPr>
-          <p:cNvPr id="7" name="Slide Number Placeholder 6">
-            <a:extLst>
-              <a:ext uri="{FF2B5EF4-FFF2-40B4-BE49-F238E27FC236}">
-                <a16:creationId xmlns:a16="http://schemas.microsoft.com/office/drawing/2014/main" id="{FDF2567C-04C3-9CD1-5D40-95A7A8DA0BA3}"/>
-              </a:ext>
-            </a:extLst>
-          </p:cNvPr>
+          <p:cNvPr id="11" name="Slide Number Placeholder 10"/>
           <p:cNvSpPr>
             <a:spLocks noGrp="1"/>
           </p:cNvSpPr>
@@ -2422,12 +3162,28 @@
             <p:ph type="sldNum" sz="quarter" idx="12"/>
           </p:nvPr>
         </p:nvSpPr>
-        <p:spPr/>
+        <p:spPr>
+          <a:xfrm>
+            <a:off x="10396728" y="6035040"/>
+            <a:ext cx="1223435" cy="365760"/>
+          </a:xfrm>
+        </p:spPr>
         <p:txBody>
           <a:bodyPr/>
-          <a:lstStyle/>
-          <a:p>
-            <a:fld id="{E50C8935-95C3-4CD2-97BD-B2DE64732B28}" type="slidenum">
+          <a:lstStyle>
+            <a:lvl1pPr>
+              <a:defRPr>
+                <a:solidFill>
+                  <a:schemeClr val="tx1">
+                    <a:lumMod val="85000"/>
+                    <a:lumOff val="15000"/>
+                  </a:schemeClr>
+                </a:solidFill>
+              </a:defRPr>
+            </a:lvl1pPr>
+          </a:lstStyle>
+          <a:p>
+            <a:fld id="{34B7E4EF-A1BD-40F4-AB7B-04F084DD991D}" type="slidenum">
               <a:rPr lang="en-US" smtClean="0"/>
               <a:t>‹#›</a:t>
             </a:fld>
@@ -2438,7 +3194,7 @@
     </p:spTree>
     <p:extLst>
       <p:ext uri="{BB962C8B-B14F-4D97-AF65-F5344CB8AC3E}">
-        <p14:creationId xmlns:p14="http://schemas.microsoft.com/office/powerpoint/2010/main" val="3364564276"/>
+        <p14:creationId xmlns:p14="http://schemas.microsoft.com/office/powerpoint/2010/main" val="2521362278"/>
       </p:ext>
     </p:extLst>
   </p:cSld>
@@ -2449,7 +3205,7 @@
 </file>
 
 <file path=ppt/slideLayouts/slideLayout9.xml><?xml version="1.0" encoding="utf-8"?>
-<p:sldLayout xmlns:a="http://schemas.openxmlformats.org/drawingml/2006/main" xmlns:r="http://schemas.openxmlformats.org/officeDocument/2006/relationships" xmlns:p="http://schemas.openxmlformats.org/presentationml/2006/main" type="picTx" preserve="1">
+<p:sldLayout xmlns:a="http://schemas.openxmlformats.org/drawingml/2006/main" xmlns:r="http://schemas.openxmlformats.org/officeDocument/2006/relationships" xmlns:p="http://schemas.openxmlformats.org/presentationml/2006/main" showMasterSp="0" type="picTx" preserve="1">
   <p:cSld name="Picture with Caption">
     <p:spTree>
       <p:nvGrpSpPr>
@@ -2467,52 +3223,56 @@
       </p:grpSpPr>
       <p:sp>
         <p:nvSpPr>
-          <p:cNvPr id="2" name="Title 1">
+          <p:cNvPr id="11" name="Rectangle 10">
             <a:extLst>
               <a:ext uri="{FF2B5EF4-FFF2-40B4-BE49-F238E27FC236}">
-                <a16:creationId xmlns:a16="http://schemas.microsoft.com/office/drawing/2014/main" id="{D99DBA71-4005-07A4-4511-733ED0DF6196}"/>
+                <a16:creationId xmlns:a16="http://schemas.microsoft.com/office/drawing/2014/main" id="{E687CA98-D9C7-497F-A1DA-7D22F8753BCE}"/>
               </a:ext>
             </a:extLst>
           </p:cNvPr>
-          <p:cNvSpPr>
-            <a:spLocks noGrp="1"/>
-          </p:cNvSpPr>
-          <p:nvPr>
-            <p:ph type="title"/>
-          </p:nvPr>
-        </p:nvSpPr>
-        <p:spPr>
-          <a:xfrm>
-            <a:off x="839788" y="457200"/>
-            <a:ext cx="3932237" cy="1600200"/>
-          </a:xfrm>
-        </p:spPr>
-        <p:txBody>
-          <a:bodyPr anchor="b"/>
-          <a:lstStyle>
-            <a:lvl1pPr>
-              <a:defRPr sz="3200"/>
-            </a:lvl1pPr>
-          </a:lstStyle>
-          <a:p>
-            <a:r>
-              <a:rPr lang="en-US"/>
-              <a:t>Click to edit Master title style</a:t>
-            </a:r>
-          </a:p>
-        </p:txBody>
-      </p:sp>
-      <p:sp>
-        <p:nvSpPr>
-          <p:cNvPr id="3" name="Picture Placeholder 2">
-            <a:extLst>
-              <a:ext uri="{FF2B5EF4-FFF2-40B4-BE49-F238E27FC236}">
-                <a16:creationId xmlns:a16="http://schemas.microsoft.com/office/drawing/2014/main" id="{730B453F-2ACB-B42E-44F9-C20620F9E0B5}"/>
-              </a:ext>
-            </a:extLst>
-          </p:cNvPr>
-          <p:cNvSpPr>
-            <a:spLocks noGrp="1"/>
+          <p:cNvSpPr/>
+          <p:nvPr/>
+        </p:nvSpPr>
+        <p:spPr>
+          <a:xfrm>
+            <a:off x="8119870" y="237744"/>
+            <a:ext cx="3826596" cy="6382512"/>
+          </a:xfrm>
+          <a:prstGeom prst="rect">
+            <a:avLst/>
+          </a:prstGeom>
+          <a:solidFill>
+            <a:schemeClr val="bg1">
+              <a:lumMod val="85000"/>
+              <a:alpha val="60000"/>
+            </a:schemeClr>
+          </a:solidFill>
+          <a:ln>
+            <a:noFill/>
+          </a:ln>
+        </p:spPr>
+        <p:style>
+          <a:lnRef idx="2">
+            <a:schemeClr val="accent1">
+              <a:shade val="50000"/>
+            </a:schemeClr>
+          </a:lnRef>
+          <a:fillRef idx="1">
+            <a:schemeClr val="accent1"/>
+          </a:fillRef>
+          <a:effectRef idx="0">
+            <a:schemeClr val="accent1"/>
+          </a:effectRef>
+          <a:fontRef idx="minor">
+            <a:schemeClr val="lt1"/>
+          </a:fontRef>
+        </p:style>
+      </p:sp>
+      <p:sp>
+        <p:nvSpPr>
+          <p:cNvPr id="3" name="Picture Placeholder 2"/>
+          <p:cNvSpPr>
+            <a:spLocks noGrp="1" noChangeAspect="1"/>
           </p:cNvSpPr>
           <p:nvPr>
             <p:ph type="pic" idx="1"/>
@@ -2520,12 +3280,21 @@
         </p:nvSpPr>
         <p:spPr>
           <a:xfrm>
-            <a:off x="5183188" y="987425"/>
-            <a:ext cx="6172200" cy="4873625"/>
-          </a:xfrm>
-        </p:spPr>
-        <p:txBody>
-          <a:bodyPr/>
+            <a:off x="228599" y="237744"/>
+            <a:ext cx="7696201" cy="6382512"/>
+          </a:xfrm>
+          <a:solidFill>
+            <a:schemeClr val="accent1">
+              <a:lumMod val="60000"/>
+              <a:lumOff val="40000"/>
+            </a:schemeClr>
+          </a:solidFill>
+          <a:ln>
+            <a:noFill/>
+          </a:ln>
+        </p:spPr>
+        <p:txBody>
+          <a:bodyPr anchor="t"/>
           <a:lstStyle>
             <a:lvl1pPr marL="0" indent="0">
               <a:buNone/>
@@ -2565,157 +3334,122 @@
             </a:lvl9pPr>
           </a:lstStyle>
           <a:p>
-            <a:endParaRPr lang="en-US"/>
-          </a:p>
-        </p:txBody>
-      </p:sp>
-      <p:sp>
-        <p:nvSpPr>
-          <p:cNvPr id="4" name="Text Placeholder 3">
-            <a:extLst>
-              <a:ext uri="{FF2B5EF4-FFF2-40B4-BE49-F238E27FC236}">
-                <a16:creationId xmlns:a16="http://schemas.microsoft.com/office/drawing/2014/main" id="{16BBA138-4456-BF8A-A7BC-23CBAED70B79}"/>
-              </a:ext>
-            </a:extLst>
-          </p:cNvPr>
-          <p:cNvSpPr>
-            <a:spLocks noGrp="1"/>
-          </p:cNvSpPr>
-          <p:nvPr>
-            <p:ph type="body" sz="half" idx="2"/>
-          </p:nvPr>
-        </p:nvSpPr>
-        <p:spPr>
-          <a:xfrm>
-            <a:off x="839788" y="2057400"/>
-            <a:ext cx="3932237" cy="3811588"/>
+            <a:r>
+              <a:rPr lang="en-US"/>
+              <a:t>Click icon to add picture</a:t>
+            </a:r>
+            <a:endParaRPr lang="en-US" dirty="0"/>
+          </a:p>
+        </p:txBody>
+      </p:sp>
+      <p:sp>
+        <p:nvSpPr>
+          <p:cNvPr id="5" name="Date Placeholder 4"/>
+          <p:cNvSpPr>
+            <a:spLocks noGrp="1"/>
+          </p:cNvSpPr>
+          <p:nvPr>
+            <p:ph type="dt" sz="half" idx="10"/>
+          </p:nvPr>
+        </p:nvSpPr>
+        <p:spPr>
+          <a:xfrm>
+            <a:off x="5662337" y="6035040"/>
+            <a:ext cx="2071963" cy="365760"/>
           </a:xfrm>
         </p:spPr>
         <p:txBody>
           <a:bodyPr/>
           <a:lstStyle>
-            <a:lvl1pPr marL="0" indent="0">
-              <a:buNone/>
-              <a:defRPr sz="1600"/>
+            <a:lvl1pPr>
+              <a:defRPr b="1">
+                <a:solidFill>
+                  <a:srgbClr val="FFFFFF"/>
+                </a:solidFill>
+                <a:effectLst>
+                  <a:outerShdw blurRad="19050" dist="6350" dir="2700000" algn="tl" rotWithShape="0">
+                    <a:prstClr val="black">
+                      <a:alpha val="40000"/>
+                    </a:prstClr>
+                  </a:outerShdw>
+                </a:effectLst>
+              </a:defRPr>
             </a:lvl1pPr>
-            <a:lvl2pPr marL="457200" indent="0">
-              <a:buNone/>
-              <a:defRPr sz="1400"/>
-            </a:lvl2pPr>
-            <a:lvl3pPr marL="914400" indent="0">
-              <a:buNone/>
-              <a:defRPr sz="1200"/>
-            </a:lvl3pPr>
-            <a:lvl4pPr marL="1371600" indent="0">
-              <a:buNone/>
-              <a:defRPr sz="1000"/>
-            </a:lvl4pPr>
-            <a:lvl5pPr marL="1828800" indent="0">
-              <a:buNone/>
-              <a:defRPr sz="1000"/>
-            </a:lvl5pPr>
-            <a:lvl6pPr marL="2286000" indent="0">
-              <a:buNone/>
-              <a:defRPr sz="1000"/>
-            </a:lvl6pPr>
-            <a:lvl7pPr marL="2743200" indent="0">
-              <a:buNone/>
-              <a:defRPr sz="1000"/>
-            </a:lvl7pPr>
-            <a:lvl8pPr marL="3200400" indent="0">
-              <a:buNone/>
-              <a:defRPr sz="1000"/>
-            </a:lvl8pPr>
-            <a:lvl9pPr marL="3657600" indent="0">
-              <a:buNone/>
-              <a:defRPr sz="1000"/>
-            </a:lvl9pPr>
           </a:lstStyle>
           <a:p>
-            <a:pPr lvl="0"/>
-            <a:r>
-              <a:rPr lang="en-US"/>
-              <a:t>Click to edit Master text styles</a:t>
-            </a:r>
-          </a:p>
-        </p:txBody>
-      </p:sp>
-      <p:sp>
-        <p:nvSpPr>
-          <p:cNvPr id="5" name="Date Placeholder 4">
-            <a:extLst>
-              <a:ext uri="{FF2B5EF4-FFF2-40B4-BE49-F238E27FC236}">
-                <a16:creationId xmlns:a16="http://schemas.microsoft.com/office/drawing/2014/main" id="{C77915C7-9B0B-6572-B403-0DA1D0CB423B}"/>
-              </a:ext>
-            </a:extLst>
-          </p:cNvPr>
-          <p:cNvSpPr>
-            <a:spLocks noGrp="1"/>
-          </p:cNvSpPr>
-          <p:nvPr>
-            <p:ph type="dt" sz="half" idx="10"/>
-          </p:nvPr>
-        </p:nvSpPr>
-        <p:spPr/>
+            <a:fld id="{E778CE86-875F-4587-BCF6-FA054AFC0D53}" type="datetime1">
+              <a:rPr lang="en-US" smtClean="0"/>
+              <a:pPr/>
+              <a:t>7/12/2023</a:t>
+            </a:fld>
+            <a:endParaRPr lang="en-US" dirty="0"/>
+          </a:p>
+        </p:txBody>
+      </p:sp>
+      <p:sp>
+        <p:nvSpPr>
+          <p:cNvPr id="6" name="Footer Placeholder 5"/>
+          <p:cNvSpPr>
+            <a:spLocks noGrp="1"/>
+          </p:cNvSpPr>
+          <p:nvPr>
+            <p:ph type="ftr" sz="quarter" idx="11"/>
+          </p:nvPr>
+        </p:nvSpPr>
+        <p:spPr>
+          <a:xfrm>
+            <a:off x="612648" y="6035040"/>
+            <a:ext cx="4588002" cy="365760"/>
+          </a:xfrm>
+        </p:spPr>
+        <p:txBody>
+          <a:bodyPr/>
+          <a:lstStyle>
+            <a:lvl1pPr marL="0" algn="r" defTabSz="914400" rtl="0" eaLnBrk="1" latinLnBrk="0" hangingPunct="1">
+              <a:defRPr lang="en-US" sz="1000" b="1" kern="1200" dirty="0">
+                <a:solidFill>
+                  <a:srgbClr val="FFFFFF"/>
+                </a:solidFill>
+                <a:effectLst>
+                  <a:outerShdw blurRad="19050" dist="6350" dir="2700000" algn="tl" rotWithShape="0">
+                    <a:prstClr val="black">
+                      <a:alpha val="40000"/>
+                    </a:prstClr>
+                  </a:outerShdw>
+                </a:effectLst>
+                <a:latin typeface="+mn-lt"/>
+                <a:ea typeface="+mn-ea"/>
+                <a:cs typeface="+mn-cs"/>
+              </a:defRPr>
+            </a:lvl1pPr>
+          </a:lstStyle>
+          <a:p>
+            <a:pPr algn="l"/>
+            <a:endParaRPr lang="en-US" dirty="0"/>
+          </a:p>
+        </p:txBody>
+      </p:sp>
+      <p:sp>
+        <p:nvSpPr>
+          <p:cNvPr id="7" name="Slide Number Placeholder 6"/>
+          <p:cNvSpPr>
+            <a:spLocks noGrp="1"/>
+          </p:cNvSpPr>
+          <p:nvPr>
+            <p:ph type="sldNum" sz="quarter" idx="12"/>
+          </p:nvPr>
+        </p:nvSpPr>
+        <p:spPr>
+          <a:xfrm>
+            <a:off x="10396728" y="6035040"/>
+            <a:ext cx="1225296" cy="365760"/>
+          </a:xfrm>
+        </p:spPr>
         <p:txBody>
           <a:bodyPr/>
           <a:lstStyle/>
           <a:p>
-            <a:fld id="{5C4CEB73-E482-4CD7-9FE1-DDD2290E98F1}" type="datetimeFigureOut">
-              <a:rPr lang="en-US" smtClean="0"/>
-              <a:t>7/11/2023</a:t>
-            </a:fld>
-            <a:endParaRPr lang="en-US"/>
-          </a:p>
-        </p:txBody>
-      </p:sp>
-      <p:sp>
-        <p:nvSpPr>
-          <p:cNvPr id="6" name="Footer Placeholder 5">
-            <a:extLst>
-              <a:ext uri="{FF2B5EF4-FFF2-40B4-BE49-F238E27FC236}">
-                <a16:creationId xmlns:a16="http://schemas.microsoft.com/office/drawing/2014/main" id="{45A0BD13-033B-C445-E173-7C5BDA4C45DF}"/>
-              </a:ext>
-            </a:extLst>
-          </p:cNvPr>
-          <p:cNvSpPr>
-            <a:spLocks noGrp="1"/>
-          </p:cNvSpPr>
-          <p:nvPr>
-            <p:ph type="ftr" sz="quarter" idx="11"/>
-          </p:nvPr>
-        </p:nvSpPr>
-        <p:spPr/>
-        <p:txBody>
-          <a:bodyPr/>
-          <a:lstStyle/>
-          <a:p>
-            <a:endParaRPr lang="en-US"/>
-          </a:p>
-        </p:txBody>
-      </p:sp>
-      <p:sp>
-        <p:nvSpPr>
-          <p:cNvPr id="7" name="Slide Number Placeholder 6">
-            <a:extLst>
-              <a:ext uri="{FF2B5EF4-FFF2-40B4-BE49-F238E27FC236}">
-                <a16:creationId xmlns:a16="http://schemas.microsoft.com/office/drawing/2014/main" id="{95CD9B2C-ABE8-8343-499E-2FDBDE5AF4A3}"/>
-              </a:ext>
-            </a:extLst>
-          </p:cNvPr>
-          <p:cNvSpPr>
-            <a:spLocks noGrp="1"/>
-          </p:cNvSpPr>
-          <p:nvPr>
-            <p:ph type="sldNum" sz="quarter" idx="12"/>
-          </p:nvPr>
-        </p:nvSpPr>
-        <p:spPr/>
-        <p:txBody>
-          <a:bodyPr/>
-          <a:lstStyle/>
-          <a:p>
-            <a:fld id="{E50C8935-95C3-4CD2-97BD-B2DE64732B28}" type="slidenum">
+            <a:fld id="{34B7E4EF-A1BD-40F4-AB7B-04F084DD991D}" type="slidenum">
               <a:rPr lang="en-US" smtClean="0"/>
               <a:t>‹#›</a:t>
             </a:fld>
@@ -2723,10 +3457,177 @@
           </a:p>
         </p:txBody>
       </p:sp>
+      <p:sp>
+        <p:nvSpPr>
+          <p:cNvPr id="12" name="Rectangle 11">
+            <a:extLst>
+              <a:ext uri="{FF2B5EF4-FFF2-40B4-BE49-F238E27FC236}">
+                <a16:creationId xmlns:a16="http://schemas.microsoft.com/office/drawing/2014/main" id="{F8B3D8CC-BB13-41A5-8F34-B8E84A4F9534}"/>
+              </a:ext>
+            </a:extLst>
+          </p:cNvPr>
+          <p:cNvSpPr/>
+          <p:nvPr/>
+        </p:nvSpPr>
+        <p:spPr>
+          <a:xfrm>
+            <a:off x="8254660" y="374904"/>
+            <a:ext cx="3557016" cy="6108192"/>
+          </a:xfrm>
+          <a:prstGeom prst="rect">
+            <a:avLst/>
+          </a:prstGeom>
+          <a:noFill/>
+          <a:ln w="6350" cap="sq">
+            <a:solidFill>
+              <a:schemeClr val="tx1">
+                <a:lumMod val="75000"/>
+                <a:lumOff val="25000"/>
+              </a:schemeClr>
+            </a:solidFill>
+            <a:miter lim="800000"/>
+          </a:ln>
+        </p:spPr>
+        <p:style>
+          <a:lnRef idx="2">
+            <a:schemeClr val="accent1">
+              <a:shade val="50000"/>
+            </a:schemeClr>
+          </a:lnRef>
+          <a:fillRef idx="1">
+            <a:schemeClr val="accent1"/>
+          </a:fillRef>
+          <a:effectRef idx="0">
+            <a:schemeClr val="accent1"/>
+          </a:effectRef>
+          <a:fontRef idx="minor">
+            <a:schemeClr val="lt1"/>
+          </a:fontRef>
+        </p:style>
+      </p:sp>
+      <p:sp>
+        <p:nvSpPr>
+          <p:cNvPr id="2" name="Title 1"/>
+          <p:cNvSpPr>
+            <a:spLocks noGrp="1"/>
+          </p:cNvSpPr>
+          <p:nvPr>
+            <p:ph type="title"/>
+          </p:nvPr>
+        </p:nvSpPr>
+        <p:spPr>
+          <a:xfrm>
+            <a:off x="8477250" y="603504"/>
+            <a:ext cx="3144774" cy="1645920"/>
+          </a:xfrm>
+        </p:spPr>
+        <p:txBody>
+          <a:bodyPr anchor="b">
+            <a:noAutofit/>
+          </a:bodyPr>
+          <a:lstStyle>
+            <a:lvl1pPr algn="l">
+              <a:lnSpc>
+                <a:spcPct val="100000"/>
+              </a:lnSpc>
+              <a:defRPr sz="3200" b="0">
+                <a:solidFill>
+                  <a:schemeClr val="tx1"/>
+                </a:solidFill>
+                <a:latin typeface="+mj-lt"/>
+              </a:defRPr>
+            </a:lvl1pPr>
+          </a:lstStyle>
+          <a:p>
+            <a:r>
+              <a:rPr lang="en-US"/>
+              <a:t>Click to edit Master title style</a:t>
+            </a:r>
+            <a:endParaRPr lang="en-US" dirty="0"/>
+          </a:p>
+        </p:txBody>
+      </p:sp>
+      <p:sp>
+        <p:nvSpPr>
+          <p:cNvPr id="4" name="Text Placeholder 3"/>
+          <p:cNvSpPr>
+            <a:spLocks noGrp="1"/>
+          </p:cNvSpPr>
+          <p:nvPr>
+            <p:ph type="body" sz="half" idx="2"/>
+          </p:nvPr>
+        </p:nvSpPr>
+        <p:spPr>
+          <a:xfrm>
+            <a:off x="8477250" y="2386584"/>
+            <a:ext cx="3144774" cy="3511296"/>
+          </a:xfrm>
+        </p:spPr>
+        <p:txBody>
+          <a:bodyPr>
+            <a:normAutofit/>
+          </a:bodyPr>
+          <a:lstStyle>
+            <a:lvl1pPr marL="0" indent="0" algn="l">
+              <a:lnSpc>
+                <a:spcPct val="110000"/>
+              </a:lnSpc>
+              <a:spcBef>
+                <a:spcPts val="800"/>
+              </a:spcBef>
+              <a:buNone/>
+              <a:defRPr sz="1800">
+                <a:solidFill>
+                  <a:schemeClr val="tx1"/>
+                </a:solidFill>
+              </a:defRPr>
+            </a:lvl1pPr>
+            <a:lvl2pPr marL="457200" indent="0">
+              <a:buNone/>
+              <a:defRPr sz="1200"/>
+            </a:lvl2pPr>
+            <a:lvl3pPr marL="914400" indent="0">
+              <a:buNone/>
+              <a:defRPr sz="1000"/>
+            </a:lvl3pPr>
+            <a:lvl4pPr marL="1371600" indent="0">
+              <a:buNone/>
+              <a:defRPr sz="900"/>
+            </a:lvl4pPr>
+            <a:lvl5pPr marL="1828800" indent="0">
+              <a:buNone/>
+              <a:defRPr sz="900"/>
+            </a:lvl5pPr>
+            <a:lvl6pPr marL="2286000" indent="0">
+              <a:buNone/>
+              <a:defRPr sz="900"/>
+            </a:lvl6pPr>
+            <a:lvl7pPr marL="2743200" indent="0">
+              <a:buNone/>
+              <a:defRPr sz="900"/>
+            </a:lvl7pPr>
+            <a:lvl8pPr marL="3200400" indent="0">
+              <a:buNone/>
+              <a:defRPr sz="900"/>
+            </a:lvl8pPr>
+            <a:lvl9pPr marL="3657600" indent="0">
+              <a:buNone/>
+              <a:defRPr sz="900"/>
+            </a:lvl9pPr>
+          </a:lstStyle>
+          <a:p>
+            <a:pPr lvl="0"/>
+            <a:r>
+              <a:rPr lang="en-US"/>
+              <a:t>Click to edit Master text styles</a:t>
+            </a:r>
+          </a:p>
+        </p:txBody>
+      </p:sp>
     </p:spTree>
     <p:extLst>
       <p:ext uri="{BB962C8B-B14F-4D97-AF65-F5344CB8AC3E}">
-        <p14:creationId xmlns:p14="http://schemas.microsoft.com/office/powerpoint/2010/main" val="1919964933"/>
+        <p14:creationId xmlns:p14="http://schemas.microsoft.com/office/powerpoint/2010/main" val="3331608490"/>
       </p:ext>
     </p:extLst>
   </p:cSld>
@@ -2758,15 +3659,115 @@
           <a:chExt cx="0" cy="0"/>
         </a:xfrm>
       </p:grpSpPr>
-      <p:sp>
-        <p:nvSpPr>
-          <p:cNvPr id="2" name="Title Placeholder 1">
+      <p:sp useBgFill="1">
+        <p:nvSpPr>
+          <p:cNvPr id="9" name="Rectangle 8">
             <a:extLst>
               <a:ext uri="{FF2B5EF4-FFF2-40B4-BE49-F238E27FC236}">
-                <a16:creationId xmlns:a16="http://schemas.microsoft.com/office/drawing/2014/main" id="{1D1ACB14-33B4-8B3E-A9CD-06DEC5E773E8}"/>
+                <a16:creationId xmlns:a16="http://schemas.microsoft.com/office/drawing/2014/main" id="{1E94681D-2A4C-4A8D-B9B5-31D440D0328D}"/>
               </a:ext>
             </a:extLst>
           </p:cNvPr>
+          <p:cNvSpPr/>
+          <p:nvPr/>
+        </p:nvSpPr>
+        <p:spPr>
+          <a:xfrm>
+            <a:off x="0" y="0"/>
+            <a:ext cx="12192000" cy="6858000"/>
+          </a:xfrm>
+          <a:prstGeom prst="rect">
+            <a:avLst/>
+          </a:prstGeom>
+          <a:ln>
+            <a:noFill/>
+          </a:ln>
+        </p:spPr>
+        <p:style>
+          <a:lnRef idx="2">
+            <a:schemeClr val="accent1">
+              <a:shade val="50000"/>
+            </a:schemeClr>
+          </a:lnRef>
+          <a:fillRef idx="1">
+            <a:schemeClr val="accent1"/>
+          </a:fillRef>
+          <a:effectRef idx="0">
+            <a:schemeClr val="accent1"/>
+          </a:effectRef>
+          <a:fontRef idx="minor">
+            <a:schemeClr val="lt1"/>
+          </a:fontRef>
+        </p:style>
+        <p:txBody>
+          <a:bodyPr rtlCol="0" anchor="ctr"/>
+          <a:lstStyle/>
+          <a:p>
+            <a:pPr algn="ctr"/>
+            <a:endParaRPr lang="en-US"/>
+          </a:p>
+        </p:txBody>
+      </p:sp>
+      <p:sp>
+        <p:nvSpPr>
+          <p:cNvPr id="7" name="Rectangle 6"/>
+          <p:cNvSpPr/>
+          <p:nvPr/>
+        </p:nvSpPr>
+        <p:spPr>
+          <a:xfrm>
+            <a:off x="234696" y="237744"/>
+            <a:ext cx="11722608" cy="6382512"/>
+          </a:xfrm>
+          <a:prstGeom prst="rect">
+            <a:avLst/>
+          </a:prstGeom>
+          <a:solidFill>
+            <a:schemeClr val="bg1">
+              <a:lumMod val="75000"/>
+              <a:alpha val="60000"/>
+            </a:schemeClr>
+          </a:solidFill>
+          <a:ln w="6350" cap="flat" cmpd="sng" algn="ctr">
+            <a:noFill/>
+            <a:prstDash val="solid"/>
+          </a:ln>
+          <a:effectLst>
+            <a:softEdge rad="0"/>
+          </a:effectLst>
+        </p:spPr>
+      </p:sp>
+      <p:sp>
+        <p:nvSpPr>
+          <p:cNvPr id="8" name="Rectangle 7"/>
+          <p:cNvSpPr/>
+          <p:nvPr/>
+        </p:nvSpPr>
+        <p:spPr>
+          <a:xfrm>
+            <a:off x="371856" y="374904"/>
+            <a:ext cx="11448288" cy="6108192"/>
+          </a:xfrm>
+          <a:prstGeom prst="rect">
+            <a:avLst/>
+          </a:prstGeom>
+          <a:noFill/>
+          <a:ln w="6350" cap="sq" cmpd="sng" algn="ctr">
+            <a:solidFill>
+              <a:schemeClr val="tx1">
+                <a:lumMod val="85000"/>
+                <a:lumOff val="15000"/>
+              </a:schemeClr>
+            </a:solidFill>
+            <a:prstDash val="solid"/>
+            <a:miter lim="800000"/>
+          </a:ln>
+          <a:effectLst/>
+        </p:spPr>
+      </p:sp>
+      <p:sp>
+        <p:nvSpPr>
+          <p:cNvPr id="2" name="Title Placeholder 1"/>
           <p:cNvSpPr>
             <a:spLocks noGrp="1"/>
           </p:cNvSpPr>
@@ -2776,8 +3777,8 @@
         </p:nvSpPr>
         <p:spPr>
           <a:xfrm>
-            <a:off x="838200" y="365125"/>
-            <a:ext cx="10515600" cy="1325563"/>
+            <a:off x="1066800" y="642594"/>
+            <a:ext cx="10058400" cy="1371600"/>
           </a:xfrm>
           <a:prstGeom prst="rect">
             <a:avLst/>
@@ -2793,18 +3794,13 @@
               <a:rPr lang="en-US"/>
               <a:t>Click to edit Master title style</a:t>
             </a:r>
-          </a:p>
-        </p:txBody>
-      </p:sp>
-      <p:sp>
-        <p:nvSpPr>
-          <p:cNvPr id="3" name="Text Placeholder 2">
-            <a:extLst>
-              <a:ext uri="{FF2B5EF4-FFF2-40B4-BE49-F238E27FC236}">
-                <a16:creationId xmlns:a16="http://schemas.microsoft.com/office/drawing/2014/main" id="{BDB25D3D-AEC7-82A6-8758-1D6F582EF947}"/>
-              </a:ext>
-            </a:extLst>
-          </p:cNvPr>
+            <a:endParaRPr lang="en-US" dirty="0"/>
+          </a:p>
+        </p:txBody>
+      </p:sp>
+      <p:sp>
+        <p:nvSpPr>
+          <p:cNvPr id="3" name="Text Placeholder 2"/>
           <p:cNvSpPr>
             <a:spLocks noGrp="1"/>
           </p:cNvSpPr>
@@ -2814,8 +3810,8 @@
         </p:nvSpPr>
         <p:spPr>
           <a:xfrm>
-            <a:off x="838200" y="1825625"/>
-            <a:ext cx="10515600" cy="4351338"/>
+            <a:off x="1066800" y="2103120"/>
+            <a:ext cx="10058400" cy="3849624"/>
           </a:xfrm>
           <a:prstGeom prst="rect">
             <a:avLst/>
@@ -2860,18 +3856,13 @@
               <a:rPr lang="en-US"/>
               <a:t>Fifth level</a:t>
             </a:r>
-          </a:p>
-        </p:txBody>
-      </p:sp>
-      <p:sp>
-        <p:nvSpPr>
-          <p:cNvPr id="4" name="Date Placeholder 3">
-            <a:extLst>
-              <a:ext uri="{FF2B5EF4-FFF2-40B4-BE49-F238E27FC236}">
-                <a16:creationId xmlns:a16="http://schemas.microsoft.com/office/drawing/2014/main" id="{00EF5805-1E48-2F34-83CE-616CA47D6071}"/>
-              </a:ext>
-            </a:extLst>
-          </p:cNvPr>
+            <a:endParaRPr lang="en-US" dirty="0"/>
+          </a:p>
+        </p:txBody>
+      </p:sp>
+      <p:sp>
+        <p:nvSpPr>
+          <p:cNvPr id="4" name="Date Placeholder 3"/>
           <p:cNvSpPr>
             <a:spLocks noGrp="1"/>
           </p:cNvSpPr>
@@ -2881,30 +3872,31 @@
         </p:nvSpPr>
         <p:spPr>
           <a:xfrm>
-            <a:off x="838200" y="6356350"/>
-            <a:ext cx="2743200" cy="365125"/>
+            <a:off x="7256794" y="6035040"/>
+            <a:ext cx="2893045" cy="365760"/>
           </a:xfrm>
           <a:prstGeom prst="rect">
             <a:avLst/>
           </a:prstGeom>
         </p:spPr>
         <p:txBody>
-          <a:bodyPr vert="horz" lIns="91440" tIns="45720" rIns="91440" bIns="45720" rtlCol="0" anchor="ctr"/>
+          <a:bodyPr vert="horz" lIns="91440" tIns="45720" rIns="91440" bIns="45720" rtlCol="0" anchor="b"/>
           <a:lstStyle>
-            <a:lvl1pPr algn="l">
-              <a:defRPr sz="1200">
+            <a:lvl1pPr algn="r">
+              <a:defRPr sz="800">
                 <a:solidFill>
                   <a:schemeClr val="tx1">
-                    <a:tint val="75000"/>
+                    <a:lumMod val="75000"/>
+                    <a:lumOff val="25000"/>
                   </a:schemeClr>
                 </a:solidFill>
               </a:defRPr>
             </a:lvl1pPr>
           </a:lstStyle>
           <a:p>
-            <a:fld id="{5C4CEB73-E482-4CD7-9FE1-DDD2290E98F1}" type="datetimeFigureOut">
+            <a:fld id="{F6FA2B21-3FCD-4721-B95C-427943F61125}" type="datetime1">
               <a:rPr lang="en-US" smtClean="0"/>
-              <a:t>7/11/2023</a:t>
+              <a:t>7/12/2023</a:t>
             </a:fld>
             <a:endParaRPr lang="en-US"/>
           </a:p>
@@ -2912,13 +3904,7 @@
       </p:sp>
       <p:sp>
         <p:nvSpPr>
-          <p:cNvPr id="5" name="Footer Placeholder 4">
-            <a:extLst>
-              <a:ext uri="{FF2B5EF4-FFF2-40B4-BE49-F238E27FC236}">
-                <a16:creationId xmlns:a16="http://schemas.microsoft.com/office/drawing/2014/main" id="{5D11E848-5001-9719-30FF-CA47FAEF9BE4}"/>
-              </a:ext>
-            </a:extLst>
-          </p:cNvPr>
+          <p:cNvPr id="5" name="Footer Placeholder 4"/>
           <p:cNvSpPr>
             <a:spLocks noGrp="1"/>
           </p:cNvSpPr>
@@ -2928,40 +3914,35 @@
         </p:nvSpPr>
         <p:spPr>
           <a:xfrm>
-            <a:off x="4038600" y="6356350"/>
-            <a:ext cx="4114800" cy="365125"/>
+            <a:off x="1066800" y="6035040"/>
+            <a:ext cx="5816600" cy="365760"/>
           </a:xfrm>
           <a:prstGeom prst="rect">
             <a:avLst/>
           </a:prstGeom>
         </p:spPr>
         <p:txBody>
-          <a:bodyPr vert="horz" lIns="91440" tIns="45720" rIns="91440" bIns="45720" rtlCol="0" anchor="ctr"/>
+          <a:bodyPr vert="horz" lIns="91440" tIns="45720" rIns="91440" bIns="45720" rtlCol="0" anchor="b"/>
           <a:lstStyle>
-            <a:lvl1pPr algn="ctr">
-              <a:defRPr sz="1200">
+            <a:lvl1pPr algn="l">
+              <a:defRPr sz="800">
                 <a:solidFill>
                   <a:schemeClr val="tx1">
-                    <a:tint val="75000"/>
+                    <a:lumMod val="85000"/>
+                    <a:lumOff val="15000"/>
                   </a:schemeClr>
                 </a:solidFill>
               </a:defRPr>
             </a:lvl1pPr>
           </a:lstStyle>
           <a:p>
-            <a:endParaRPr lang="en-US"/>
-          </a:p>
-        </p:txBody>
-      </p:sp>
-      <p:sp>
-        <p:nvSpPr>
-          <p:cNvPr id="6" name="Slide Number Placeholder 5">
-            <a:extLst>
-              <a:ext uri="{FF2B5EF4-FFF2-40B4-BE49-F238E27FC236}">
-                <a16:creationId xmlns:a16="http://schemas.microsoft.com/office/drawing/2014/main" id="{9481A11D-1917-2664-0D55-005EAD847CB4}"/>
-              </a:ext>
-            </a:extLst>
-          </p:cNvPr>
+            <a:endParaRPr lang="en-US" dirty="0"/>
+          </a:p>
+        </p:txBody>
+      </p:sp>
+      <p:sp>
+        <p:nvSpPr>
+          <p:cNvPr id="6" name="Slide Number Placeholder 5"/>
           <p:cNvSpPr>
             <a:spLocks noGrp="1"/>
           </p:cNvSpPr>
@@ -2971,28 +3952,29 @@
         </p:nvSpPr>
         <p:spPr>
           <a:xfrm>
-            <a:off x="8610600" y="6356350"/>
-            <a:ext cx="2743200" cy="365125"/>
+            <a:off x="10287000" y="6035040"/>
+            <a:ext cx="838200" cy="365760"/>
           </a:xfrm>
           <a:prstGeom prst="rect">
             <a:avLst/>
           </a:prstGeom>
         </p:spPr>
         <p:txBody>
-          <a:bodyPr vert="horz" lIns="91440" tIns="45720" rIns="91440" bIns="45720" rtlCol="0" anchor="ctr"/>
+          <a:bodyPr vert="horz" lIns="91440" tIns="45720" rIns="91440" bIns="45720" rtlCol="0" anchor="b"/>
           <a:lstStyle>
             <a:lvl1pPr algn="r">
-              <a:defRPr sz="1200">
+              <a:defRPr sz="800">
                 <a:solidFill>
                   <a:schemeClr val="tx1">
-                    <a:tint val="75000"/>
+                    <a:lumMod val="75000"/>
+                    <a:lumOff val="25000"/>
                   </a:schemeClr>
                 </a:solidFill>
               </a:defRPr>
             </a:lvl1pPr>
           </a:lstStyle>
           <a:p>
-            <a:fld id="{E50C8935-95C3-4CD2-97BD-B2DE64732B28}" type="slidenum">
+            <a:fld id="{34B7E4EF-A1BD-40F4-AB7B-04F084DD991D}" type="slidenum">
               <a:rPr lang="en-US" smtClean="0"/>
               <a:t>‹#›</a:t>
             </a:fld>
@@ -3003,24 +3985,25 @@
     </p:spTree>
     <p:extLst>
       <p:ext uri="{BB962C8B-B14F-4D97-AF65-F5344CB8AC3E}">
-        <p14:creationId xmlns:p14="http://schemas.microsoft.com/office/powerpoint/2010/main" val="3059296325"/>
+        <p14:creationId xmlns:p14="http://schemas.microsoft.com/office/powerpoint/2010/main" val="2374842354"/>
       </p:ext>
     </p:extLst>
   </p:cSld>
   <p:clrMap bg1="lt1" tx1="dk1" bg2="lt2" tx2="dk2" accent1="accent1" accent2="accent2" accent3="accent3" accent4="accent4" accent5="accent5" accent6="accent6" hlink="hlink" folHlink="folHlink"/>
   <p:sldLayoutIdLst>
-    <p:sldLayoutId id="2147483649" r:id="rId1"/>
-    <p:sldLayoutId id="2147483650" r:id="rId2"/>
-    <p:sldLayoutId id="2147483651" r:id="rId3"/>
-    <p:sldLayoutId id="2147483652" r:id="rId4"/>
-    <p:sldLayoutId id="2147483653" r:id="rId5"/>
-    <p:sldLayoutId id="2147483654" r:id="rId6"/>
-    <p:sldLayoutId id="2147483655" r:id="rId7"/>
-    <p:sldLayoutId id="2147483656" r:id="rId8"/>
-    <p:sldLayoutId id="2147483657" r:id="rId9"/>
-    <p:sldLayoutId id="2147483658" r:id="rId10"/>
-    <p:sldLayoutId id="2147483659" r:id="rId11"/>
+    <p:sldLayoutId id="2147483671" r:id="rId1"/>
+    <p:sldLayoutId id="2147483670" r:id="rId2"/>
+    <p:sldLayoutId id="2147483669" r:id="rId3"/>
+    <p:sldLayoutId id="2147483668" r:id="rId4"/>
+    <p:sldLayoutId id="2147483667" r:id="rId5"/>
+    <p:sldLayoutId id="2147483666" r:id="rId6"/>
+    <p:sldLayoutId id="2147483665" r:id="rId7"/>
+    <p:sldLayoutId id="2147483664" r:id="rId8"/>
+    <p:sldLayoutId id="2147483663" r:id="rId9"/>
+    <p:sldLayoutId id="2147483662" r:id="rId10"/>
+    <p:sldLayoutId id="2147483661" r:id="rId11"/>
   </p:sldLayoutIdLst>
+  <p:hf sldNum="0" hdr="0" ftr="0" dt="0"/>
   <p:txStyles>
     <p:titleStyle>
       <a:lvl1pPr algn="l" defTabSz="914400" rtl="0" eaLnBrk="1" latinLnBrk="0" hangingPunct="1">
@@ -3031,27 +4014,40 @@
           <a:spcPct val="0"/>
         </a:spcBef>
         <a:buNone/>
-        <a:defRPr sz="4400" kern="1200">
+        <a:defRPr lang="en-US" sz="4000" b="1" i="0" kern="1200" cap="none" spc="0" baseline="0" dirty="0">
           <a:solidFill>
-            <a:schemeClr val="tx1"/>
+            <a:schemeClr val="tx1">
+              <a:lumMod val="85000"/>
+              <a:lumOff val="15000"/>
+            </a:schemeClr>
           </a:solidFill>
+          <a:effectLst/>
           <a:latin typeface="+mj-lt"/>
-          <a:ea typeface="+mj-ea"/>
-          <a:cs typeface="+mj-cs"/>
+          <a:ea typeface="+mn-ea"/>
+          <a:cs typeface="+mn-cs"/>
         </a:defRPr>
       </a:lvl1pPr>
     </p:titleStyle>
     <p:bodyStyle>
-      <a:lvl1pPr marL="228600" indent="-228600" algn="l" defTabSz="914400" rtl="0" eaLnBrk="1" latinLnBrk="0" hangingPunct="1">
+      <a:lvl1pPr marL="182880" indent="-182880" algn="l" defTabSz="914400" rtl="0" eaLnBrk="1" latinLnBrk="0" hangingPunct="1">
         <a:lnSpc>
-          <a:spcPct val="90000"/>
+          <a:spcPct val="110000"/>
         </a:lnSpc>
         <a:spcBef>
-          <a:spcPts val="1000"/>
+          <a:spcPts val="900"/>
         </a:spcBef>
-        <a:buFont typeface="Arial" panose="020B0604020202020204" pitchFamily="34" charset="0"/>
-        <a:buChar char="•"/>
-        <a:defRPr sz="2800" kern="1200">
+        <a:spcAft>
+          <a:spcPts val="0"/>
+        </a:spcAft>
+        <a:buClr>
+          <a:schemeClr val="tx1">
+            <a:lumMod val="85000"/>
+            <a:lumOff val="15000"/>
+          </a:schemeClr>
+        </a:buClr>
+        <a:buFont typeface="Garamond" pitchFamily="18" charset="0"/>
+        <a:buChar char="◦"/>
+        <a:defRPr sz="1500" kern="1200">
           <a:solidFill>
             <a:schemeClr val="tx1"/>
           </a:solidFill>
@@ -3060,16 +4056,22 @@
           <a:cs typeface="+mn-cs"/>
         </a:defRPr>
       </a:lvl1pPr>
-      <a:lvl2pPr marL="685800" indent="-228600" algn="l" defTabSz="914400" rtl="0" eaLnBrk="1" latinLnBrk="0" hangingPunct="1">
+      <a:lvl2pPr marL="457200" indent="-182880" algn="l" defTabSz="914400" rtl="0" eaLnBrk="1" latinLnBrk="0" hangingPunct="1">
         <a:lnSpc>
-          <a:spcPct val="90000"/>
+          <a:spcPct val="110000"/>
         </a:lnSpc>
         <a:spcBef>
           <a:spcPts val="500"/>
         </a:spcBef>
-        <a:buFont typeface="Arial" panose="020B0604020202020204" pitchFamily="34" charset="0"/>
-        <a:buChar char="•"/>
-        <a:defRPr sz="2400" kern="1200">
+        <a:buClr>
+          <a:schemeClr val="tx1">
+            <a:lumMod val="85000"/>
+            <a:lumOff val="15000"/>
+          </a:schemeClr>
+        </a:buClr>
+        <a:buFont typeface="Garamond" pitchFamily="18" charset="0"/>
+        <a:buChar char="◦"/>
+        <a:defRPr sz="1300" kern="1200">
           <a:solidFill>
             <a:schemeClr val="tx1"/>
           </a:solidFill>
@@ -3078,16 +4080,22 @@
           <a:cs typeface="+mn-cs"/>
         </a:defRPr>
       </a:lvl2pPr>
-      <a:lvl3pPr marL="1143000" indent="-228600" algn="l" defTabSz="914400" rtl="0" eaLnBrk="1" latinLnBrk="0" hangingPunct="1">
+      <a:lvl3pPr marL="731520" indent="-182880" algn="l" defTabSz="914400" rtl="0" eaLnBrk="1" latinLnBrk="0" hangingPunct="1">
         <a:lnSpc>
-          <a:spcPct val="90000"/>
+          <a:spcPct val="110000"/>
         </a:lnSpc>
         <a:spcBef>
           <a:spcPts val="500"/>
         </a:spcBef>
-        <a:buFont typeface="Arial" panose="020B0604020202020204" pitchFamily="34" charset="0"/>
-        <a:buChar char="•"/>
-        <a:defRPr sz="2000" kern="1200">
+        <a:buClr>
+          <a:schemeClr val="tx1">
+            <a:lumMod val="85000"/>
+            <a:lumOff val="15000"/>
+          </a:schemeClr>
+        </a:buClr>
+        <a:buFont typeface="Garamond" pitchFamily="18" charset="0"/>
+        <a:buChar char="◦"/>
+        <a:defRPr sz="1100" kern="1200">
           <a:solidFill>
             <a:schemeClr val="tx1"/>
           </a:solidFill>
@@ -3096,16 +4104,22 @@
           <a:cs typeface="+mn-cs"/>
         </a:defRPr>
       </a:lvl3pPr>
-      <a:lvl4pPr marL="1600200" indent="-228600" algn="l" defTabSz="914400" rtl="0" eaLnBrk="1" latinLnBrk="0" hangingPunct="1">
+      <a:lvl4pPr marL="1005840" indent="-182880" algn="l" defTabSz="914400" rtl="0" eaLnBrk="1" latinLnBrk="0" hangingPunct="1">
         <a:lnSpc>
-          <a:spcPct val="90000"/>
+          <a:spcPct val="110000"/>
         </a:lnSpc>
         <a:spcBef>
           <a:spcPts val="500"/>
         </a:spcBef>
-        <a:buFont typeface="Arial" panose="020B0604020202020204" pitchFamily="34" charset="0"/>
-        <a:buChar char="•"/>
-        <a:defRPr sz="1800" kern="1200">
+        <a:buClr>
+          <a:schemeClr val="tx1">
+            <a:lumMod val="85000"/>
+            <a:lumOff val="15000"/>
+          </a:schemeClr>
+        </a:buClr>
+        <a:buFont typeface="Garamond" pitchFamily="18" charset="0"/>
+        <a:buChar char="◦"/>
+        <a:defRPr sz="1100" kern="1200">
           <a:solidFill>
             <a:schemeClr val="tx1"/>
           </a:solidFill>
@@ -3114,16 +4128,22 @@
           <a:cs typeface="+mn-cs"/>
         </a:defRPr>
       </a:lvl4pPr>
-      <a:lvl5pPr marL="2057400" indent="-228600" algn="l" defTabSz="914400" rtl="0" eaLnBrk="1" latinLnBrk="0" hangingPunct="1">
+      <a:lvl5pPr marL="1280160" indent="-182880" algn="l" defTabSz="914400" rtl="0" eaLnBrk="1" latinLnBrk="0" hangingPunct="1">
         <a:lnSpc>
-          <a:spcPct val="90000"/>
+          <a:spcPct val="110000"/>
         </a:lnSpc>
         <a:spcBef>
           <a:spcPts val="500"/>
         </a:spcBef>
-        <a:buFont typeface="Arial" panose="020B0604020202020204" pitchFamily="34" charset="0"/>
-        <a:buChar char="•"/>
-        <a:defRPr sz="1800" kern="1200">
+        <a:buClr>
+          <a:schemeClr val="tx1">
+            <a:lumMod val="85000"/>
+            <a:lumOff val="15000"/>
+          </a:schemeClr>
+        </a:buClr>
+        <a:buFont typeface="Garamond" pitchFamily="18" charset="0"/>
+        <a:buChar char="◦"/>
+        <a:defRPr sz="1100" kern="1200">
           <a:solidFill>
             <a:schemeClr val="tx1"/>
           </a:solidFill>
@@ -3132,16 +4152,22 @@
           <a:cs typeface="+mn-cs"/>
         </a:defRPr>
       </a:lvl5pPr>
-      <a:lvl6pPr marL="2514600" indent="-228600" algn="l" defTabSz="914400" rtl="0" eaLnBrk="1" latinLnBrk="0" hangingPunct="1">
+      <a:lvl6pPr marL="1600000" indent="-228600" algn="l" defTabSz="914400" rtl="0" eaLnBrk="1" latinLnBrk="0" hangingPunct="1">
         <a:lnSpc>
-          <a:spcPct val="90000"/>
+          <a:spcPct val="100000"/>
         </a:lnSpc>
         <a:spcBef>
           <a:spcPts val="500"/>
         </a:spcBef>
-        <a:buFont typeface="Arial" panose="020B0604020202020204" pitchFamily="34" charset="0"/>
-        <a:buChar char="•"/>
-        <a:defRPr sz="1800" kern="1200">
+        <a:buClr>
+          <a:schemeClr val="tx1">
+            <a:lumMod val="85000"/>
+            <a:lumOff val="15000"/>
+          </a:schemeClr>
+        </a:buClr>
+        <a:buFont typeface="Garamond" pitchFamily="18" charset="0"/>
+        <a:buChar char="◦"/>
+        <a:defRPr sz="1400" kern="1200">
           <a:solidFill>
             <a:schemeClr val="tx1"/>
           </a:solidFill>
@@ -3150,16 +4176,22 @@
           <a:cs typeface="+mn-cs"/>
         </a:defRPr>
       </a:lvl6pPr>
-      <a:lvl7pPr marL="2971800" indent="-228600" algn="l" defTabSz="914400" rtl="0" eaLnBrk="1" latinLnBrk="0" hangingPunct="1">
+      <a:lvl7pPr marL="1900000" indent="-228600" algn="l" defTabSz="914400" rtl="0" eaLnBrk="1" latinLnBrk="0" hangingPunct="1">
         <a:lnSpc>
-          <a:spcPct val="90000"/>
+          <a:spcPct val="100000"/>
         </a:lnSpc>
         <a:spcBef>
           <a:spcPts val="500"/>
         </a:spcBef>
-        <a:buFont typeface="Arial" panose="020B0604020202020204" pitchFamily="34" charset="0"/>
-        <a:buChar char="•"/>
-        <a:defRPr sz="1800" kern="1200">
+        <a:buClr>
+          <a:schemeClr val="tx1">
+            <a:lumMod val="85000"/>
+            <a:lumOff val="15000"/>
+          </a:schemeClr>
+        </a:buClr>
+        <a:buFont typeface="Garamond" pitchFamily="18" charset="0"/>
+        <a:buChar char="◦"/>
+        <a:defRPr sz="1400" kern="1200">
           <a:solidFill>
             <a:schemeClr val="tx1"/>
           </a:solidFill>
@@ -3168,16 +4200,22 @@
           <a:cs typeface="+mn-cs"/>
         </a:defRPr>
       </a:lvl7pPr>
-      <a:lvl8pPr marL="3429000" indent="-228600" algn="l" defTabSz="914400" rtl="0" eaLnBrk="1" latinLnBrk="0" hangingPunct="1">
+      <a:lvl8pPr marL="2200000" indent="-228600" algn="l" defTabSz="914400" rtl="0" eaLnBrk="1" latinLnBrk="0" hangingPunct="1">
         <a:lnSpc>
-          <a:spcPct val="90000"/>
+          <a:spcPct val="100000"/>
         </a:lnSpc>
         <a:spcBef>
           <a:spcPts val="500"/>
         </a:spcBef>
-        <a:buFont typeface="Arial" panose="020B0604020202020204" pitchFamily="34" charset="0"/>
-        <a:buChar char="•"/>
-        <a:defRPr sz="1800" kern="1200">
+        <a:buClr>
+          <a:schemeClr val="tx1">
+            <a:lumMod val="85000"/>
+            <a:lumOff val="15000"/>
+          </a:schemeClr>
+        </a:buClr>
+        <a:buFont typeface="Garamond" pitchFamily="18" charset="0"/>
+        <a:buChar char="◦"/>
+        <a:defRPr sz="1400" kern="1200">
           <a:solidFill>
             <a:schemeClr val="tx1"/>
           </a:solidFill>
@@ -3186,16 +4224,22 @@
           <a:cs typeface="+mn-cs"/>
         </a:defRPr>
       </a:lvl8pPr>
-      <a:lvl9pPr marL="3886200" indent="-228600" algn="l" defTabSz="914400" rtl="0" eaLnBrk="1" latinLnBrk="0" hangingPunct="1">
+      <a:lvl9pPr marL="2500000" indent="-228600" algn="l" defTabSz="914400" rtl="0" eaLnBrk="1" latinLnBrk="0" hangingPunct="1">
         <a:lnSpc>
-          <a:spcPct val="90000"/>
+          <a:spcPct val="100000"/>
         </a:lnSpc>
         <a:spcBef>
           <a:spcPts val="500"/>
         </a:spcBef>
-        <a:buFont typeface="Arial" panose="020B0604020202020204" pitchFamily="34" charset="0"/>
-        <a:buChar char="•"/>
-        <a:defRPr sz="1800" kern="1200">
+        <a:buClr>
+          <a:schemeClr val="tx1">
+            <a:lumMod val="85000"/>
+            <a:lumOff val="15000"/>
+          </a:schemeClr>
+        </a:buClr>
+        <a:buFont typeface="Garamond" pitchFamily="18" charset="0"/>
+        <a:buChar char="◦"/>
+        <a:defRPr sz="1400" kern="1200">
           <a:solidFill>
             <a:schemeClr val="tx1"/>
           </a:solidFill>
@@ -3307,6 +4351,14 @@
 <file path=ppt/slides/slide1.xml><?xml version="1.0" encoding="utf-8"?>
 <p:sld xmlns:a="http://schemas.openxmlformats.org/drawingml/2006/main" xmlns:r="http://schemas.openxmlformats.org/officeDocument/2006/relationships" xmlns:p="http://schemas.openxmlformats.org/presentationml/2006/main">
   <p:cSld>
+    <p:bg>
+      <p:bgPr>
+        <a:solidFill>
+          <a:schemeClr val="bg1"/>
+        </a:solidFill>
+        <a:effectLst/>
+      </p:bgPr>
+    </p:bg>
     <p:spTree>
       <p:nvGrpSpPr>
         <p:cNvPr id="1" name=""/>
@@ -3323,28 +4375,166 @@
       </p:grpSpPr>
       <p:sp>
         <p:nvSpPr>
-          <p:cNvPr id="2" name="Title 1">
+          <p:cNvPr id="10" name="Rectangle 9">
             <a:extLst>
               <a:ext uri="{FF2B5EF4-FFF2-40B4-BE49-F238E27FC236}">
-                <a16:creationId xmlns:a16="http://schemas.microsoft.com/office/drawing/2014/main" id="{B9C89E5B-94C3-B348-2695-2D4EEB462921}"/>
+                <a16:creationId xmlns:a16="http://schemas.microsoft.com/office/drawing/2014/main" id="{56F7F177-4AE8-4934-A7F6-B3910259F21E}"/>
+              </a:ext>
+              <a:ext uri="{C183D7F6-B498-43B3-948B-1728B52AA6E4}">
+                <adec:decorative xmlns:adec="http://schemas.microsoft.com/office/drawing/2017/decorative" val="1"/>
               </a:ext>
             </a:extLst>
           </p:cNvPr>
           <p:cNvSpPr>
-            <a:spLocks noGrp="1"/>
-          </p:cNvSpPr>
-          <p:nvPr>
-            <p:ph type="ctrTitle"/>
-          </p:nvPr>
-        </p:nvSpPr>
-        <p:spPr/>
-        <p:txBody>
-          <a:bodyPr/>
+            <a:spLocks noGrp="1" noRot="1" noChangeAspect="1" noMove="1" noResize="1" noEditPoints="1" noAdjustHandles="1" noChangeArrowheads="1" noChangeShapeType="1" noTextEdit="1"/>
+          </p:cNvSpPr>
+          <p:nvPr>
+            <p:extLst>
+              <p:ext uri="{386F3935-93C4-4BCD-93E2-E3B085C9AB24}">
+                <p16:designElem xmlns:p16="http://schemas.microsoft.com/office/powerpoint/2015/main" val="1"/>
+              </p:ext>
+            </p:extLst>
+          </p:nvPr>
+        </p:nvSpPr>
+        <p:spPr>
+          <a:xfrm>
+            <a:off x="-1866" y="0"/>
+            <a:ext cx="12193866" cy="6858000"/>
+          </a:xfrm>
+          <a:prstGeom prst="rect">
+            <a:avLst/>
+          </a:prstGeom>
+          <a:solidFill>
+            <a:schemeClr val="bg1">
+              <a:lumMod val="85000"/>
+            </a:schemeClr>
+          </a:solidFill>
+          <a:ln>
+            <a:noFill/>
+          </a:ln>
+        </p:spPr>
+        <p:style>
+          <a:lnRef idx="2">
+            <a:schemeClr val="accent1">
+              <a:shade val="50000"/>
+            </a:schemeClr>
+          </a:lnRef>
+          <a:fillRef idx="1">
+            <a:schemeClr val="accent1"/>
+          </a:fillRef>
+          <a:effectRef idx="0">
+            <a:schemeClr val="accent1"/>
+          </a:effectRef>
+          <a:fontRef idx="minor">
+            <a:schemeClr val="lt1"/>
+          </a:fontRef>
+        </p:style>
+        <p:txBody>
+          <a:bodyPr rtlCol="0" anchor="ctr"/>
           <a:lstStyle/>
           <a:p>
+            <a:pPr algn="ctr"/>
             <a:endParaRPr lang="en-US"/>
           </a:p>
         </p:txBody>
+      </p:sp>
+      <p:sp>
+        <p:nvSpPr>
+          <p:cNvPr id="12" name="Rectangle 11">
+            <a:extLst>
+              <a:ext uri="{FF2B5EF4-FFF2-40B4-BE49-F238E27FC236}">
+                <a16:creationId xmlns:a16="http://schemas.microsoft.com/office/drawing/2014/main" id="{1DAC2350-FA6C-4B24-9A17-926C160E8CD9}"/>
+              </a:ext>
+              <a:ext uri="{C183D7F6-B498-43B3-948B-1728B52AA6E4}">
+                <adec:decorative xmlns:adec="http://schemas.microsoft.com/office/drawing/2017/decorative" val="1"/>
+              </a:ext>
+            </a:extLst>
+          </p:cNvPr>
+          <p:cNvSpPr>
+            <a:spLocks noGrp="1" noRot="1" noChangeAspect="1" noMove="1" noResize="1" noEditPoints="1" noAdjustHandles="1" noChangeArrowheads="1" noChangeShapeType="1" noTextEdit="1"/>
+          </p:cNvSpPr>
+          <p:nvPr>
+            <p:extLst>
+              <p:ext uri="{386F3935-93C4-4BCD-93E2-E3B085C9AB24}">
+                <p16:designElem xmlns:p16="http://schemas.microsoft.com/office/powerpoint/2015/main" val="1"/>
+              </p:ext>
+            </p:extLst>
+          </p:nvPr>
+        </p:nvSpPr>
+        <p:spPr>
+          <a:xfrm>
+            <a:off x="453190" y="457200"/>
+            <a:ext cx="11281609" cy="5943603"/>
+          </a:xfrm>
+          <a:prstGeom prst="rect">
+            <a:avLst/>
+          </a:prstGeom>
+          <a:solidFill>
+            <a:srgbClr val="FFFFFF"/>
+          </a:solidFill>
+          <a:ln w="6350" cap="flat" cmpd="sng" algn="ctr">
+            <a:noFill/>
+            <a:prstDash val="solid"/>
+          </a:ln>
+          <a:effectLst>
+            <a:outerShdw blurRad="50800" algn="ctr" rotWithShape="0">
+              <a:prstClr val="black">
+                <a:alpha val="66000"/>
+              </a:prstClr>
+            </a:outerShdw>
+            <a:softEdge rad="0"/>
+          </a:effectLst>
+        </p:spPr>
+      </p:sp>
+      <p:sp>
+        <p:nvSpPr>
+          <p:cNvPr id="14" name="Rectangle 13">
+            <a:extLst>
+              <a:ext uri="{FF2B5EF4-FFF2-40B4-BE49-F238E27FC236}">
+                <a16:creationId xmlns:a16="http://schemas.microsoft.com/office/drawing/2014/main" id="{2A637C44-0146-4C54-A1A1-57BC8E6C3C2B}"/>
+              </a:ext>
+              <a:ext uri="{C183D7F6-B498-43B3-948B-1728B52AA6E4}">
+                <adec:decorative xmlns:adec="http://schemas.microsoft.com/office/drawing/2017/decorative" val="1"/>
+              </a:ext>
+            </a:extLst>
+          </p:cNvPr>
+          <p:cNvSpPr>
+            <a:spLocks noGrp="1" noRot="1" noChangeAspect="1" noMove="1" noResize="1" noEditPoints="1" noAdjustHandles="1" noChangeArrowheads="1" noChangeShapeType="1" noTextEdit="1"/>
+          </p:cNvSpPr>
+          <p:nvPr>
+            <p:extLst>
+              <p:ext uri="{386F3935-93C4-4BCD-93E2-E3B085C9AB24}">
+                <p16:designElem xmlns:p16="http://schemas.microsoft.com/office/powerpoint/2015/main" val="1"/>
+              </p:ext>
+            </p:extLst>
+          </p:nvPr>
+        </p:nvSpPr>
+        <p:spPr>
+          <a:xfrm>
+            <a:off x="616738" y="621793"/>
+            <a:ext cx="10954512" cy="5614416"/>
+          </a:xfrm>
+          <a:prstGeom prst="rect">
+            <a:avLst/>
+          </a:prstGeom>
+          <a:solidFill>
+            <a:schemeClr val="bg1">
+              <a:lumMod val="75000"/>
+              <a:lumOff val="25000"/>
+            </a:schemeClr>
+          </a:solidFill>
+          <a:ln w="6350" cap="sq" cmpd="sng" algn="ctr">
+            <a:solidFill>
+              <a:schemeClr val="tx1">
+                <a:lumMod val="75000"/>
+                <a:lumOff val="25000"/>
+              </a:schemeClr>
+            </a:solidFill>
+            <a:prstDash val="solid"/>
+            <a:miter lim="800000"/>
+          </a:ln>
+          <a:effectLst/>
+        </p:spPr>
       </p:sp>
       <p:sp>
         <p:nvSpPr>
@@ -3362,12 +4552,390 @@
             <p:ph type="subTitle" idx="1"/>
           </p:nvPr>
         </p:nvSpPr>
-        <p:spPr/>
-        <p:txBody>
-          <a:bodyPr/>
+        <p:spPr>
+          <a:xfrm>
+            <a:off x="1364301" y="3049074"/>
+            <a:ext cx="5052750" cy="1780331"/>
+          </a:xfrm>
+        </p:spPr>
+        <p:txBody>
+          <a:bodyPr>
+            <a:normAutofit fontScale="92500" lnSpcReduction="10000"/>
+          </a:bodyPr>
           <a:lstStyle/>
           <a:p>
-            <a:endParaRPr lang="en-US"/>
+            <a:r>
+              <a:rPr lang="en-US" sz="2800" b="1" dirty="0">
+                <a:solidFill>
+                  <a:srgbClr val="4D7D64"/>
+                </a:solidFill>
+              </a:rPr>
+              <a:t>Take Home Project for Data Analysis</a:t>
+            </a:r>
+          </a:p>
+          <a:p>
+            <a:endParaRPr lang="en-US" sz="2400" b="1" dirty="0">
+              <a:solidFill>
+                <a:schemeClr val="accent3">
+                  <a:lumMod val="75000"/>
+                </a:schemeClr>
+              </a:solidFill>
+            </a:endParaRPr>
+          </a:p>
+          <a:p>
+            <a:r>
+              <a:rPr lang="en-US" b="1" dirty="0">
+                <a:solidFill>
+                  <a:schemeClr val="accent3">
+                    <a:lumMod val="75000"/>
+                  </a:schemeClr>
+                </a:solidFill>
+              </a:rPr>
+              <a:t>Using </a:t>
+            </a:r>
+            <a:r>
+              <a:rPr lang="en-US" b="1" dirty="0" err="1">
+                <a:solidFill>
+                  <a:schemeClr val="accent3">
+                    <a:lumMod val="75000"/>
+                  </a:schemeClr>
+                </a:solidFill>
+              </a:rPr>
+              <a:t>Jupyter</a:t>
+            </a:r>
+            <a:r>
+              <a:rPr lang="en-US" b="1" dirty="0">
+                <a:solidFill>
+                  <a:schemeClr val="accent3">
+                    <a:lumMod val="75000"/>
+                  </a:schemeClr>
+                </a:solidFill>
+              </a:rPr>
+              <a:t> Notebook and Python libraries like – Pandas, NumPy and Matplotlib</a:t>
+            </a:r>
+          </a:p>
+        </p:txBody>
+      </p:sp>
+      <p:sp>
+        <p:nvSpPr>
+          <p:cNvPr id="16" name="Rectangle 15">
+            <a:extLst>
+              <a:ext uri="{FF2B5EF4-FFF2-40B4-BE49-F238E27FC236}">
+                <a16:creationId xmlns:a16="http://schemas.microsoft.com/office/drawing/2014/main" id="{6AB310E7-DE5C-4964-8CBB-E87A22B5BD59}"/>
+              </a:ext>
+              <a:ext uri="{C183D7F6-B498-43B3-948B-1728B52AA6E4}">
+                <adec:decorative xmlns:adec="http://schemas.microsoft.com/office/drawing/2017/decorative" val="1"/>
+              </a:ext>
+            </a:extLst>
+          </p:cNvPr>
+          <p:cNvSpPr>
+            <a:spLocks noGrp="1" noRot="1" noChangeAspect="1" noMove="1" noResize="1" noEditPoints="1" noAdjustHandles="1" noChangeArrowheads="1" noChangeShapeType="1" noTextEdit="1"/>
+          </p:cNvSpPr>
+          <p:nvPr>
+            <p:extLst>
+              <p:ext uri="{386F3935-93C4-4BCD-93E2-E3B085C9AB24}">
+                <p16:designElem xmlns:p16="http://schemas.microsoft.com/office/powerpoint/2015/main" val="1"/>
+              </p:ext>
+            </p:extLst>
+          </p:nvPr>
+        </p:nvSpPr>
+        <p:spPr>
+          <a:xfrm>
+            <a:off x="5135880" y="446824"/>
+            <a:ext cx="1920240" cy="731520"/>
+          </a:xfrm>
+          <a:prstGeom prst="rect">
+            <a:avLst/>
+          </a:prstGeom>
+          <a:solidFill>
+            <a:schemeClr val="accent1"/>
+          </a:solidFill>
+          <a:ln>
+            <a:noFill/>
+          </a:ln>
+        </p:spPr>
+        <p:style>
+          <a:lnRef idx="2">
+            <a:schemeClr val="accent1">
+              <a:shade val="50000"/>
+            </a:schemeClr>
+          </a:lnRef>
+          <a:fillRef idx="1">
+            <a:schemeClr val="accent1"/>
+          </a:fillRef>
+          <a:effectRef idx="0">
+            <a:schemeClr val="accent1"/>
+          </a:effectRef>
+          <a:fontRef idx="minor">
+            <a:schemeClr val="lt1"/>
+          </a:fontRef>
+        </p:style>
+      </p:sp>
+      <p:cxnSp>
+        <p:nvCxnSpPr>
+          <p:cNvPr id="18" name="Straight Connector 17">
+            <a:extLst>
+              <a:ext uri="{FF2B5EF4-FFF2-40B4-BE49-F238E27FC236}">
+                <a16:creationId xmlns:a16="http://schemas.microsoft.com/office/drawing/2014/main" id="{BC6D0BA2-2FCA-496D-A55A-C56A7B3E09D8}"/>
+              </a:ext>
+              <a:ext uri="{C183D7F6-B498-43B3-948B-1728B52AA6E4}">
+                <adec:decorative xmlns:adec="http://schemas.microsoft.com/office/drawing/2017/decorative" val="1"/>
+              </a:ext>
+            </a:extLst>
+          </p:cNvPr>
+          <p:cNvCxnSpPr>
+            <a:cxnSpLocks noGrp="1" noRot="1" noChangeAspect="1" noMove="1" noResize="1" noEditPoints="1" noAdjustHandles="1" noChangeArrowheads="1" noChangeShapeType="1"/>
+          </p:cNvCxnSpPr>
+          <p:nvPr>
+            <p:extLst>
+              <p:ext uri="{386F3935-93C4-4BCD-93E2-E3B085C9AB24}">
+                <p16:designElem xmlns:p16="http://schemas.microsoft.com/office/powerpoint/2015/main" val="1"/>
+              </p:ext>
+            </p:extLst>
+          </p:nvPr>
+        </p:nvCxnSpPr>
+        <p:spPr>
+          <a:xfrm>
+            <a:off x="5250180" y="446823"/>
+            <a:ext cx="0" cy="640080"/>
+          </a:xfrm>
+          <a:prstGeom prst="line">
+            <a:avLst/>
+          </a:prstGeom>
+          <a:solidFill>
+            <a:schemeClr val="tx1">
+              <a:lumMod val="85000"/>
+              <a:lumOff val="15000"/>
+            </a:schemeClr>
+          </a:solidFill>
+          <a:ln>
+            <a:solidFill>
+              <a:srgbClr val="FFFFFF"/>
+            </a:solidFill>
+            <a:miter lim="800000"/>
+          </a:ln>
+        </p:spPr>
+        <p:style>
+          <a:lnRef idx="1">
+            <a:schemeClr val="accent1"/>
+          </a:lnRef>
+          <a:fillRef idx="0">
+            <a:schemeClr val="accent1"/>
+          </a:fillRef>
+          <a:effectRef idx="0">
+            <a:schemeClr val="accent1"/>
+          </a:effectRef>
+          <a:fontRef idx="minor">
+            <a:schemeClr val="tx1"/>
+          </a:fontRef>
+        </p:style>
+      </p:cxnSp>
+      <p:cxnSp>
+        <p:nvCxnSpPr>
+          <p:cNvPr id="20" name="Straight Connector 19">
+            <a:extLst>
+              <a:ext uri="{FF2B5EF4-FFF2-40B4-BE49-F238E27FC236}">
+                <a16:creationId xmlns:a16="http://schemas.microsoft.com/office/drawing/2014/main" id="{EA158404-99A1-4EB0-B63C-8744C273AC0A}"/>
+              </a:ext>
+              <a:ext uri="{C183D7F6-B498-43B3-948B-1728B52AA6E4}">
+                <adec:decorative xmlns:adec="http://schemas.microsoft.com/office/drawing/2017/decorative" val="1"/>
+              </a:ext>
+            </a:extLst>
+          </p:cNvPr>
+          <p:cNvCxnSpPr>
+            <a:cxnSpLocks noGrp="1" noRot="1" noChangeAspect="1" noMove="1" noResize="1" noEditPoints="1" noAdjustHandles="1" noChangeArrowheads="1" noChangeShapeType="1"/>
+          </p:cNvCxnSpPr>
+          <p:nvPr>
+            <p:extLst>
+              <p:ext uri="{386F3935-93C4-4BCD-93E2-E3B085C9AB24}">
+                <p16:designElem xmlns:p16="http://schemas.microsoft.com/office/powerpoint/2015/main" val="1"/>
+              </p:ext>
+            </p:extLst>
+          </p:nvPr>
+        </p:nvCxnSpPr>
+        <p:spPr>
+          <a:xfrm>
+            <a:off x="6941820" y="446823"/>
+            <a:ext cx="0" cy="640080"/>
+          </a:xfrm>
+          <a:prstGeom prst="line">
+            <a:avLst/>
+          </a:prstGeom>
+          <a:solidFill>
+            <a:schemeClr val="tx1">
+              <a:lumMod val="85000"/>
+              <a:lumOff val="15000"/>
+            </a:schemeClr>
+          </a:solidFill>
+          <a:ln>
+            <a:solidFill>
+              <a:srgbClr val="FFFFFF"/>
+            </a:solidFill>
+            <a:miter lim="800000"/>
+          </a:ln>
+        </p:spPr>
+        <p:style>
+          <a:lnRef idx="1">
+            <a:schemeClr val="accent1"/>
+          </a:lnRef>
+          <a:fillRef idx="0">
+            <a:schemeClr val="accent1"/>
+          </a:fillRef>
+          <a:effectRef idx="0">
+            <a:schemeClr val="accent1"/>
+          </a:effectRef>
+          <a:fontRef idx="minor">
+            <a:schemeClr val="tx1"/>
+          </a:fontRef>
+        </p:style>
+      </p:cxnSp>
+      <p:cxnSp>
+        <p:nvCxnSpPr>
+          <p:cNvPr id="22" name="Straight Connector 21">
+            <a:extLst>
+              <a:ext uri="{FF2B5EF4-FFF2-40B4-BE49-F238E27FC236}">
+                <a16:creationId xmlns:a16="http://schemas.microsoft.com/office/drawing/2014/main" id="{B1848EA8-FE52-4762-AE9B-5D1DD4C33621}"/>
+              </a:ext>
+              <a:ext uri="{C183D7F6-B498-43B3-948B-1728B52AA6E4}">
+                <adec:decorative xmlns:adec="http://schemas.microsoft.com/office/drawing/2017/decorative" val="1"/>
+              </a:ext>
+            </a:extLst>
+          </p:cNvPr>
+          <p:cNvCxnSpPr>
+            <a:cxnSpLocks noGrp="1" noRot="1" noChangeAspect="1" noMove="1" noResize="1" noEditPoints="1" noAdjustHandles="1" noChangeArrowheads="1" noChangeShapeType="1"/>
+          </p:cNvCxnSpPr>
+          <p:nvPr>
+            <p:extLst>
+              <p:ext uri="{386F3935-93C4-4BCD-93E2-E3B085C9AB24}">
+                <p16:designElem xmlns:p16="http://schemas.microsoft.com/office/powerpoint/2015/main" val="1"/>
+              </p:ext>
+            </p:extLst>
+          </p:nvPr>
+        </p:nvCxnSpPr>
+        <p:spPr>
+          <a:xfrm>
+            <a:off x="5250180" y="1092118"/>
+            <a:ext cx="1691640" cy="0"/>
+          </a:xfrm>
+          <a:prstGeom prst="line">
+            <a:avLst/>
+          </a:prstGeom>
+          <a:solidFill>
+            <a:schemeClr val="tx1">
+              <a:lumMod val="85000"/>
+              <a:lumOff val="15000"/>
+            </a:schemeClr>
+          </a:solidFill>
+          <a:ln>
+            <a:solidFill>
+              <a:srgbClr val="FFFFFF"/>
+            </a:solidFill>
+            <a:miter lim="800000"/>
+          </a:ln>
+        </p:spPr>
+        <p:style>
+          <a:lnRef idx="1">
+            <a:schemeClr val="accent1"/>
+          </a:lnRef>
+          <a:fillRef idx="0">
+            <a:schemeClr val="accent1"/>
+          </a:fillRef>
+          <a:effectRef idx="0">
+            <a:schemeClr val="accent1"/>
+          </a:effectRef>
+          <a:fontRef idx="minor">
+            <a:schemeClr val="tx1"/>
+          </a:fontRef>
+        </p:style>
+      </p:cxnSp>
+      <p:pic>
+        <p:nvPicPr>
+          <p:cNvPr id="5" name="Picture 4">
+            <a:extLst>
+              <a:ext uri="{FF2B5EF4-FFF2-40B4-BE49-F238E27FC236}">
+                <a16:creationId xmlns:a16="http://schemas.microsoft.com/office/drawing/2014/main" id="{11ACA309-86C9-3FF7-BE07-A90F7A9F460B}"/>
+              </a:ext>
+            </a:extLst>
+          </p:cNvPr>
+          <p:cNvPicPr>
+            <a:picLocks noChangeAspect="1"/>
+          </p:cNvPicPr>
+          <p:nvPr/>
+        </p:nvPicPr>
+        <p:blipFill>
+          <a:blip r:embed="rId2">
+            <a:extLst>
+              <a:ext uri="{28A0092B-C50C-407E-A947-70E740481C1C}">
+                <a14:useLocalDpi xmlns:a14="http://schemas.microsoft.com/office/drawing/2010/main" val="0"/>
+              </a:ext>
+            </a:extLst>
+          </a:blip>
+          <a:stretch>
+            <a:fillRect/>
+          </a:stretch>
+        </p:blipFill>
+        <p:spPr>
+          <a:xfrm>
+            <a:off x="1364301" y="1648669"/>
+            <a:ext cx="9459385" cy="945938"/>
+          </a:xfrm>
+          <a:prstGeom prst="rect">
+            <a:avLst/>
+          </a:prstGeom>
+        </p:spPr>
+      </p:pic>
+      <p:sp>
+        <p:nvSpPr>
+          <p:cNvPr id="7" name="TextBox 6">
+            <a:extLst>
+              <a:ext uri="{FF2B5EF4-FFF2-40B4-BE49-F238E27FC236}">
+                <a16:creationId xmlns:a16="http://schemas.microsoft.com/office/drawing/2014/main" id="{A06FA11A-2D2C-1DD4-C114-A644DB47A4F8}"/>
+              </a:ext>
+            </a:extLst>
+          </p:cNvPr>
+          <p:cNvSpPr txBox="1"/>
+          <p:nvPr/>
+        </p:nvSpPr>
+        <p:spPr>
+          <a:xfrm>
+            <a:off x="9722303" y="5495311"/>
+            <a:ext cx="1700981" cy="646331"/>
+          </a:xfrm>
+          <a:prstGeom prst="rect">
+            <a:avLst/>
+          </a:prstGeom>
+          <a:noFill/>
+        </p:spPr>
+        <p:txBody>
+          <a:bodyPr wrap="square">
+            <a:spAutoFit/>
+          </a:bodyPr>
+          <a:lstStyle/>
+          <a:p>
+            <a:pPr algn="r"/>
+            <a:r>
+              <a:rPr lang="en-US" b="1" dirty="0">
+                <a:solidFill>
+                  <a:schemeClr val="accent3">
+                    <a:lumMod val="75000"/>
+                  </a:schemeClr>
+                </a:solidFill>
+              </a:rPr>
+              <a:t>Performed by </a:t>
+            </a:r>
+          </a:p>
+          <a:p>
+            <a:pPr algn="r"/>
+            <a:r>
+              <a:rPr lang="en-US" b="1" dirty="0">
+                <a:solidFill>
+                  <a:schemeClr val="accent3">
+                    <a:lumMod val="75000"/>
+                  </a:schemeClr>
+                </a:solidFill>
+              </a:rPr>
+              <a:t>K. Polishchuk</a:t>
+            </a:r>
           </a:p>
         </p:txBody>
       </p:sp>
@@ -3384,10 +4952,331 @@
 </p:sld>
 </file>
 
+<file path=ppt/slides/slide2.xml><?xml version="1.0" encoding="utf-8"?>
+<p:sld xmlns:a="http://schemas.openxmlformats.org/drawingml/2006/main" xmlns:r="http://schemas.openxmlformats.org/officeDocument/2006/relationships" xmlns:p="http://schemas.openxmlformats.org/presentationml/2006/main">
+  <p:cSld>
+    <p:spTree>
+      <p:nvGrpSpPr>
+        <p:cNvPr id="1" name=""/>
+        <p:cNvGrpSpPr/>
+        <p:nvPr/>
+      </p:nvGrpSpPr>
+      <p:grpSpPr>
+        <a:xfrm>
+          <a:off x="0" y="0"/>
+          <a:ext cx="0" cy="0"/>
+          <a:chOff x="0" y="0"/>
+          <a:chExt cx="0" cy="0"/>
+        </a:xfrm>
+      </p:grpSpPr>
+      <p:sp>
+        <p:nvSpPr>
+          <p:cNvPr id="2" name="Title 1">
+            <a:extLst>
+              <a:ext uri="{FF2B5EF4-FFF2-40B4-BE49-F238E27FC236}">
+                <a16:creationId xmlns:a16="http://schemas.microsoft.com/office/drawing/2014/main" id="{942737BE-D5F0-8A25-C4C5-ACE297A0DD8B}"/>
+              </a:ext>
+            </a:extLst>
+          </p:cNvPr>
+          <p:cNvSpPr>
+            <a:spLocks noGrp="1"/>
+          </p:cNvSpPr>
+          <p:nvPr>
+            <p:ph type="title"/>
+          </p:nvPr>
+        </p:nvSpPr>
+        <p:spPr>
+          <a:xfrm>
+            <a:off x="1066800" y="642594"/>
+            <a:ext cx="10058400" cy="714258"/>
+          </a:xfrm>
+        </p:spPr>
+        <p:txBody>
+          <a:bodyPr/>
+          <a:lstStyle/>
+          <a:p>
+            <a:r>
+              <a:rPr lang="en-US" dirty="0">
+                <a:solidFill>
+                  <a:schemeClr val="accent2">
+                    <a:lumMod val="50000"/>
+                  </a:schemeClr>
+                </a:solidFill>
+              </a:rPr>
+              <a:t>1. Short Project Overview</a:t>
+            </a:r>
+          </a:p>
+        </p:txBody>
+      </p:sp>
+      <p:sp>
+        <p:nvSpPr>
+          <p:cNvPr id="3" name="Content Placeholder 2">
+            <a:extLst>
+              <a:ext uri="{FF2B5EF4-FFF2-40B4-BE49-F238E27FC236}">
+                <a16:creationId xmlns:a16="http://schemas.microsoft.com/office/drawing/2014/main" id="{B80D913F-F674-E1AF-AB7B-FECFD983FA58}"/>
+              </a:ext>
+            </a:extLst>
+          </p:cNvPr>
+          <p:cNvSpPr>
+            <a:spLocks noGrp="1"/>
+          </p:cNvSpPr>
+          <p:nvPr>
+            <p:ph idx="1"/>
+          </p:nvPr>
+        </p:nvSpPr>
+        <p:spPr>
+          <a:xfrm>
+            <a:off x="1066800" y="1356852"/>
+            <a:ext cx="10058400" cy="4729316"/>
+          </a:xfrm>
+        </p:spPr>
+        <p:txBody>
+          <a:bodyPr>
+            <a:normAutofit fontScale="92500" lnSpcReduction="20000"/>
+          </a:bodyPr>
+          <a:lstStyle/>
+          <a:p>
+            <a:pPr marL="0" indent="0" algn="l">
+              <a:buNone/>
+            </a:pPr>
+            <a:r>
+              <a:rPr lang="en-US" sz="1800" b="0" i="0" dirty="0">
+                <a:solidFill>
+                  <a:schemeClr val="bg2">
+                    <a:lumMod val="50000"/>
+                  </a:schemeClr>
+                </a:solidFill>
+                <a:effectLst/>
+                <a:latin typeface="-apple-system"/>
+              </a:rPr>
+              <a:t>For this project, you will interpret data from the National Parks Service about endangered species in different parks.</a:t>
+            </a:r>
+          </a:p>
+          <a:p>
+            <a:pPr marL="0" indent="0" algn="l">
+              <a:buNone/>
+            </a:pPr>
+            <a:r>
+              <a:rPr lang="en-US" sz="1800" b="0" i="0" dirty="0">
+                <a:solidFill>
+                  <a:schemeClr val="bg2">
+                    <a:lumMod val="50000"/>
+                  </a:schemeClr>
+                </a:solidFill>
+                <a:effectLst/>
+                <a:latin typeface="-apple-system"/>
+              </a:rPr>
+              <a:t>You will perform some data analysis on the conservation statuses of these species and investigate if there are any patterns or themes to the types of species that become endangered. During this project, you will analyze, clean up, and plot data as well as pose questions and seek to answer them in a meaningful way.</a:t>
+            </a:r>
+          </a:p>
+          <a:p>
+            <a:pPr marL="0" indent="0" algn="l">
+              <a:buNone/>
+            </a:pPr>
+            <a:r>
+              <a:rPr lang="en-US" sz="1800" b="0" i="0" dirty="0">
+                <a:solidFill>
+                  <a:schemeClr val="bg2">
+                    <a:lumMod val="50000"/>
+                  </a:schemeClr>
+                </a:solidFill>
+                <a:effectLst/>
+                <a:latin typeface="-apple-system"/>
+              </a:rPr>
+              <a:t>After you perform your analysis, you will share your findings about the National Park Service.</a:t>
+            </a:r>
+          </a:p>
+          <a:p>
+            <a:pPr marL="0" indent="0" algn="l">
+              <a:buNone/>
+            </a:pPr>
+            <a:r>
+              <a:rPr lang="en-US" sz="1800" b="0" i="0" dirty="0">
+                <a:solidFill>
+                  <a:schemeClr val="bg2">
+                    <a:lumMod val="50000"/>
+                  </a:schemeClr>
+                </a:solidFill>
+                <a:effectLst/>
+                <a:latin typeface="-apple-system"/>
+              </a:rPr>
+              <a:t>Project Objectives:</a:t>
+            </a:r>
+          </a:p>
+          <a:p>
+            <a:pPr algn="l">
+              <a:buFont typeface="Arial" panose="020B0604020202020204" pitchFamily="34" charset="0"/>
+              <a:buChar char="•"/>
+            </a:pPr>
+            <a:r>
+              <a:rPr lang="en-US" sz="1800" b="0" i="0" dirty="0">
+                <a:solidFill>
+                  <a:schemeClr val="bg2">
+                    <a:lumMod val="50000"/>
+                  </a:schemeClr>
+                </a:solidFill>
+                <a:effectLst/>
+                <a:latin typeface="-apple-system"/>
+              </a:rPr>
+              <a:t>Complete a project to add to your portfolio</a:t>
+            </a:r>
+          </a:p>
+          <a:p>
+            <a:pPr algn="l">
+              <a:buFont typeface="Arial" panose="020B0604020202020204" pitchFamily="34" charset="0"/>
+              <a:buChar char="•"/>
+            </a:pPr>
+            <a:r>
+              <a:rPr lang="en-US" sz="1800" b="0" i="0" dirty="0">
+                <a:solidFill>
+                  <a:schemeClr val="bg2">
+                    <a:lumMod val="50000"/>
+                  </a:schemeClr>
+                </a:solidFill>
+                <a:effectLst/>
+                <a:latin typeface="-apple-system"/>
+              </a:rPr>
+              <a:t>Use </a:t>
+            </a:r>
+            <a:r>
+              <a:rPr lang="en-US" sz="1800" b="0" i="0" dirty="0" err="1">
+                <a:solidFill>
+                  <a:schemeClr val="bg2">
+                    <a:lumMod val="50000"/>
+                  </a:schemeClr>
+                </a:solidFill>
+                <a:effectLst/>
+                <a:latin typeface="-apple-system"/>
+              </a:rPr>
+              <a:t>Jupyter</a:t>
+            </a:r>
+            <a:r>
+              <a:rPr lang="en-US" sz="1800" b="0" i="0" dirty="0">
+                <a:solidFill>
+                  <a:schemeClr val="bg2">
+                    <a:lumMod val="50000"/>
+                  </a:schemeClr>
+                </a:solidFill>
+                <a:effectLst/>
+                <a:latin typeface="-apple-system"/>
+              </a:rPr>
+              <a:t> Notebook to communicate findings</a:t>
+            </a:r>
+          </a:p>
+          <a:p>
+            <a:pPr algn="l">
+              <a:buFont typeface="Arial" panose="020B0604020202020204" pitchFamily="34" charset="0"/>
+              <a:buChar char="•"/>
+            </a:pPr>
+            <a:r>
+              <a:rPr lang="en-US" sz="1800" b="0" i="0" dirty="0">
+                <a:solidFill>
+                  <a:schemeClr val="bg2">
+                    <a:lumMod val="50000"/>
+                  </a:schemeClr>
+                </a:solidFill>
+                <a:effectLst/>
+                <a:latin typeface="-apple-system"/>
+              </a:rPr>
+              <a:t>Run an analysis on a set of data</a:t>
+            </a:r>
+          </a:p>
+          <a:p>
+            <a:pPr algn="l">
+              <a:buFont typeface="Arial" panose="020B0604020202020204" pitchFamily="34" charset="0"/>
+              <a:buChar char="•"/>
+            </a:pPr>
+            <a:r>
+              <a:rPr lang="en-US" sz="1800" b="0" i="0" dirty="0">
+                <a:solidFill>
+                  <a:schemeClr val="bg2">
+                    <a:lumMod val="50000"/>
+                  </a:schemeClr>
+                </a:solidFill>
+                <a:effectLst/>
+                <a:latin typeface="-apple-system"/>
+              </a:rPr>
+              <a:t>Become familiar with data analysis workflow</a:t>
+            </a:r>
+          </a:p>
+          <a:p>
+            <a:pPr marL="0" indent="0" algn="l">
+              <a:buNone/>
+            </a:pPr>
+            <a:r>
+              <a:rPr lang="en-US" sz="1800" b="0" i="0" dirty="0">
+                <a:solidFill>
+                  <a:schemeClr val="bg2">
+                    <a:lumMod val="50000"/>
+                  </a:schemeClr>
+                </a:solidFill>
+                <a:effectLst/>
+                <a:latin typeface="-apple-system"/>
+              </a:rPr>
+              <a:t>Prerequisites:</a:t>
+            </a:r>
+          </a:p>
+          <a:p>
+            <a:pPr algn="l">
+              <a:buFont typeface="Arial" panose="020B0604020202020204" pitchFamily="34" charset="0"/>
+              <a:buChar char="•"/>
+            </a:pPr>
+            <a:r>
+              <a:rPr lang="en-US" sz="1800" b="0" i="0" dirty="0">
+                <a:solidFill>
+                  <a:schemeClr val="bg2">
+                    <a:lumMod val="50000"/>
+                  </a:schemeClr>
+                </a:solidFill>
+                <a:effectLst/>
+                <a:latin typeface="-apple-system"/>
+              </a:rPr>
+              <a:t>Data Visualization</a:t>
+            </a:r>
+          </a:p>
+          <a:p>
+            <a:pPr algn="l">
+              <a:buFont typeface="Arial" panose="020B0604020202020204" pitchFamily="34" charset="0"/>
+              <a:buChar char="•"/>
+            </a:pPr>
+            <a:r>
+              <a:rPr lang="en-US" sz="1800" b="0" i="0" dirty="0">
+                <a:solidFill>
+                  <a:schemeClr val="bg2">
+                    <a:lumMod val="50000"/>
+                  </a:schemeClr>
+                </a:solidFill>
+                <a:effectLst/>
+                <a:latin typeface="-apple-system"/>
+              </a:rPr>
+              <a:t>Communicating Data Science Findings</a:t>
+            </a:r>
+          </a:p>
+          <a:p>
+            <a:pPr marL="0" indent="0">
+              <a:buNone/>
+            </a:pPr>
+            <a:endParaRPr lang="en-US" dirty="0"/>
+          </a:p>
+        </p:txBody>
+      </p:sp>
+    </p:spTree>
+    <p:extLst>
+      <p:ext uri="{BB962C8B-B14F-4D97-AF65-F5344CB8AC3E}">
+        <p14:creationId xmlns:p14="http://schemas.microsoft.com/office/powerpoint/2010/main" val="920116810"/>
+      </p:ext>
+    </p:extLst>
+  </p:cSld>
+  <p:clrMapOvr>
+    <a:masterClrMapping/>
+  </p:clrMapOvr>
+</p:sld>
+</file>
+
 <file path=ppt/theme/theme1.xml><?xml version="1.0" encoding="utf-8"?>
-<a:theme xmlns:a="http://schemas.openxmlformats.org/drawingml/2006/main" name="Office Theme">
+<a:theme xmlns:a="http://schemas.openxmlformats.org/drawingml/2006/main" name="SavonVTI">
   <a:themeElements>
-    <a:clrScheme name="Office">
+    <a:clrScheme name="Custom 8">
       <a:dk1>
         <a:sysClr val="windowText" lastClr="000000"/>
       </a:dk1>
@@ -3395,100 +5284,48 @@
         <a:sysClr val="window" lastClr="FFFFFF"/>
       </a:lt1>
       <a:dk2>
-        <a:srgbClr val="44546A"/>
+        <a:srgbClr val="696464"/>
       </a:dk2>
       <a:lt2>
-        <a:srgbClr val="E7E6E6"/>
+        <a:srgbClr val="E9E5DC"/>
       </a:lt2>
       <a:accent1>
-        <a:srgbClr val="4472C4"/>
+        <a:srgbClr val="96A9A9"/>
       </a:accent1>
       <a:accent2>
-        <a:srgbClr val="ED7D31"/>
+        <a:srgbClr val="CB581F"/>
       </a:accent2>
       <a:accent3>
-        <a:srgbClr val="A5A5A5"/>
+        <a:srgbClr val="A28E6A"/>
       </a:accent3>
       <a:accent4>
-        <a:srgbClr val="FFC000"/>
+        <a:srgbClr val="956251"/>
       </a:accent4>
       <a:accent5>
-        <a:srgbClr val="5B9BD5"/>
+        <a:srgbClr val="918485"/>
       </a:accent5>
       <a:accent6>
-        <a:srgbClr val="70AD47"/>
+        <a:srgbClr val="855D5D"/>
       </a:accent6>
       <a:hlink>
-        <a:srgbClr val="0563C1"/>
+        <a:srgbClr val="D0690C"/>
       </a:hlink>
       <a:folHlink>
-        <a:srgbClr val="954F72"/>
+        <a:srgbClr val="9696A0"/>
       </a:folHlink>
     </a:clrScheme>
-    <a:fontScheme name="Office">
+    <a:fontScheme name="Savon">
       <a:majorFont>
-        <a:latin typeface="Calibri Light" panose="020F0302020204030204"/>
+        <a:latin typeface="Speak Pro" panose="02020404030301010803"/>
         <a:ea typeface=""/>
         <a:cs typeface=""/>
-        <a:font script="Jpan" typeface="游ゴシック Light"/>
+        <a:font script="Jpan" typeface="ＭＳ ゴシック"/>
         <a:font script="Hang" typeface="맑은 고딕"/>
-        <a:font script="Hans" typeface="等线 Light"/>
+        <a:font script="Hans" typeface="宋体"/>
         <a:font script="Hant" typeface="新細明體"/>
-        <a:font script="Arab" typeface="Times New Roman"/>
-        <a:font script="Hebr" typeface="Times New Roman"/>
-        <a:font script="Thai" typeface="Angsana New"/>
-        <a:font script="Ethi" typeface="Nyala"/>
-        <a:font script="Beng" typeface="Vrinda"/>
-        <a:font script="Gujr" typeface="Shruti"/>
-        <a:font script="Khmr" typeface="MoolBoran"/>
-        <a:font script="Knda" typeface="Tunga"/>
-        <a:font script="Guru" typeface="Raavi"/>
-        <a:font script="Cans" typeface="Euphemia"/>
-        <a:font script="Cher" typeface="Plantagenet Cherokee"/>
-        <a:font script="Yiii" typeface="Microsoft Yi Baiti"/>
-        <a:font script="Tibt" typeface="Microsoft Himalaya"/>
-        <a:font script="Thaa" typeface="MV Boli"/>
-        <a:font script="Deva" typeface="Mangal"/>
-        <a:font script="Telu" typeface="Gautami"/>
-        <a:font script="Taml" typeface="Latha"/>
-        <a:font script="Syrc" typeface="Estrangelo Edessa"/>
-        <a:font script="Orya" typeface="Kalinga"/>
-        <a:font script="Mlym" typeface="Kartika"/>
-        <a:font script="Laoo" typeface="DokChampa"/>
-        <a:font script="Sinh" typeface="Iskoola Pota"/>
-        <a:font script="Mong" typeface="Mongolian Baiti"/>
-        <a:font script="Viet" typeface="Times New Roman"/>
-        <a:font script="Uigh" typeface="Microsoft Uighur"/>
-        <a:font script="Geor" typeface="Sylfaen"/>
-        <a:font script="Armn" typeface="Arial"/>
-        <a:font script="Bugi" typeface="Leelawadee UI"/>
-        <a:font script="Bopo" typeface="Microsoft JhengHei"/>
-        <a:font script="Java" typeface="Javanese Text"/>
-        <a:font script="Lisu" typeface="Segoe UI"/>
-        <a:font script="Mymr" typeface="Myanmar Text"/>
-        <a:font script="Nkoo" typeface="Ebrima"/>
-        <a:font script="Olck" typeface="Nirmala UI"/>
-        <a:font script="Osma" typeface="Ebrima"/>
-        <a:font script="Phag" typeface="Phagspa"/>
-        <a:font script="Syrn" typeface="Estrangelo Edessa"/>
-        <a:font script="Syrj" typeface="Estrangelo Edessa"/>
-        <a:font script="Syre" typeface="Estrangelo Edessa"/>
-        <a:font script="Sora" typeface="Nirmala UI"/>
-        <a:font script="Tale" typeface="Microsoft Tai Le"/>
-        <a:font script="Talu" typeface="Microsoft New Tai Lue"/>
-        <a:font script="Tfng" typeface="Ebrima"/>
-      </a:majorFont>
-      <a:minorFont>
-        <a:latin typeface="Calibri" panose="020F0502020204030204"/>
-        <a:ea typeface=""/>
-        <a:cs typeface=""/>
-        <a:font script="Jpan" typeface="游ゴシック"/>
-        <a:font script="Hang" typeface="맑은 고딕"/>
-        <a:font script="Hans" typeface="等线"/>
-        <a:font script="Hant" typeface="新細明體"/>
-        <a:font script="Arab" typeface="Arial"/>
-        <a:font script="Hebr" typeface="Arial"/>
-        <a:font script="Thai" typeface="Cordia New"/>
+        <a:font script="Arab" typeface="Tahoma"/>
+        <a:font script="Hebr" typeface="Gisha"/>
+        <a:font script="Thai" typeface="DilleniaUPC"/>
         <a:font script="Ethi" typeface="Nyala"/>
         <a:font script="Beng" typeface="Vrinda"/>
         <a:font script="Gujr" typeface="Shruti"/>
@@ -3509,29 +5346,47 @@
         <a:font script="Laoo" typeface="DokChampa"/>
         <a:font script="Sinh" typeface="Iskoola Pota"/>
         <a:font script="Mong" typeface="Mongolian Baiti"/>
-        <a:font script="Viet" typeface="Arial"/>
+        <a:font script="Viet" typeface="Tahoma"/>
         <a:font script="Uigh" typeface="Microsoft Uighur"/>
         <a:font script="Geor" typeface="Sylfaen"/>
-        <a:font script="Armn" typeface="Arial"/>
-        <a:font script="Bugi" typeface="Leelawadee UI"/>
-        <a:font script="Bopo" typeface="Microsoft JhengHei"/>
-        <a:font script="Java" typeface="Javanese Text"/>
-        <a:font script="Lisu" typeface="Segoe UI"/>
-        <a:font script="Mymr" typeface="Myanmar Text"/>
-        <a:font script="Nkoo" typeface="Ebrima"/>
-        <a:font script="Olck" typeface="Nirmala UI"/>
-        <a:font script="Osma" typeface="Ebrima"/>
-        <a:font script="Phag" typeface="Phagspa"/>
-        <a:font script="Syrn" typeface="Estrangelo Edessa"/>
-        <a:font script="Syrj" typeface="Estrangelo Edessa"/>
-        <a:font script="Syre" typeface="Estrangelo Edessa"/>
-        <a:font script="Sora" typeface="Nirmala UI"/>
-        <a:font script="Tale" typeface="Microsoft Tai Le"/>
-        <a:font script="Talu" typeface="Microsoft New Tai Lue"/>
-        <a:font script="Tfng" typeface="Ebrima"/>
+      </a:majorFont>
+      <a:minorFont>
+        <a:latin typeface="Selawik Light" panose="02020404030301010803"/>
+        <a:ea typeface=""/>
+        <a:cs typeface=""/>
+        <a:font script="Jpan" typeface="ＭＳ ゴシック"/>
+        <a:font script="Hang" typeface="맑은 고딕"/>
+        <a:font script="Hans" typeface="宋体"/>
+        <a:font script="Hant" typeface="新細明體"/>
+        <a:font script="Arab" typeface="Tahoma"/>
+        <a:font script="Hebr" typeface="Gisha"/>
+        <a:font script="Thai" typeface="DilleniaUPC"/>
+        <a:font script="Ethi" typeface="Nyala"/>
+        <a:font script="Beng" typeface="Vrinda"/>
+        <a:font script="Gujr" typeface="Shruti"/>
+        <a:font script="Khmr" typeface="DaunPenh"/>
+        <a:font script="Knda" typeface="Tunga"/>
+        <a:font script="Guru" typeface="Raavi"/>
+        <a:font script="Cans" typeface="Euphemia"/>
+        <a:font script="Cher" typeface="Plantagenet Cherokee"/>
+        <a:font script="Yiii" typeface="Microsoft Yi Baiti"/>
+        <a:font script="Tibt" typeface="Microsoft Himalaya"/>
+        <a:font script="Thaa" typeface="MV Boli"/>
+        <a:font script="Deva" typeface="Mangal"/>
+        <a:font script="Telu" typeface="Gautami"/>
+        <a:font script="Taml" typeface="Latha"/>
+        <a:font script="Syrc" typeface="Estrangelo Edessa"/>
+        <a:font script="Orya" typeface="Kalinga"/>
+        <a:font script="Mlym" typeface="Kartika"/>
+        <a:font script="Laoo" typeface="DokChampa"/>
+        <a:font script="Sinh" typeface="Iskoola Pota"/>
+        <a:font script="Mong" typeface="Mongolian Baiti"/>
+        <a:font script="Viet" typeface="Verdana"/>
+        <a:font script="Uigh" typeface="Microsoft Uighur"/>
+        <a:font script="Geor" typeface="Sylfaen"/>
       </a:minorFont>
     </a:fontScheme>
-    <a:fmtScheme name="Office">
+    <a:fmtScheme name="Savon">
       <a:fillStyleLst>
         <a:solidFill>
           <a:schemeClr val="phClr"/>
@@ -3540,23 +5395,23 @@
           <a:gsLst>
             <a:gs pos="0">
               <a:schemeClr val="phClr">
-                <a:lumMod val="110000"/>
+                <a:tint val="60000"/>
                 <a:satMod val="105000"/>
-                <a:tint val="67000"/>
-              </a:schemeClr>
-            </a:gs>
-            <a:gs pos="50000">
-              <a:schemeClr val="phClr">
                 <a:lumMod val="105000"/>
-                <a:satMod val="103000"/>
-                <a:tint val="73000"/>
               </a:schemeClr>
             </a:gs>
             <a:gs pos="100000">
               <a:schemeClr val="phClr">
-                <a:lumMod val="105000"/>
-                <a:satMod val="109000"/>
-                <a:tint val="81000"/>
+                <a:tint val="65000"/>
+                <a:satMod val="100000"/>
+                <a:lumMod val="100000"/>
+              </a:schemeClr>
+            </a:gs>
+            <a:gs pos="100000">
+              <a:schemeClr val="phClr">
+                <a:tint val="70000"/>
+                <a:satMod val="100000"/>
+                <a:lumMod val="100000"/>
               </a:schemeClr>
             </a:gs>
           </a:gsLst>
@@ -3566,23 +5421,22 @@
           <a:gsLst>
             <a:gs pos="0">
               <a:schemeClr val="phClr">
-                <a:satMod val="103000"/>
-                <a:lumMod val="102000"/>
-                <a:tint val="94000"/>
+                <a:satMod val="100000"/>
+                <a:lumMod val="100000"/>
               </a:schemeClr>
             </a:gs>
             <a:gs pos="50000">
               <a:schemeClr val="phClr">
-                <a:satMod val="110000"/>
+                <a:shade val="99000"/>
+                <a:satMod val="105000"/>
                 <a:lumMod val="100000"/>
-                <a:shade val="100000"/>
               </a:schemeClr>
             </a:gs>
             <a:gs pos="100000">
               <a:schemeClr val="phClr">
-                <a:lumMod val="99000"/>
-                <a:satMod val="120000"/>
-                <a:shade val="78000"/>
+                <a:shade val="98000"/>
+                <a:satMod val="105000"/>
+                <a:lumMod val="100000"/>
               </a:schemeClr>
             </a:gs>
           </a:gsLst>
@@ -3595,21 +5449,18 @@
             <a:schemeClr val="phClr"/>
           </a:solidFill>
           <a:prstDash val="solid"/>
-          <a:miter lim="800000"/>
         </a:ln>
         <a:ln w="12700" cap="flat" cmpd="sng" algn="ctr">
           <a:solidFill>
             <a:schemeClr val="phClr"/>
           </a:solidFill>
           <a:prstDash val="solid"/>
-          <a:miter lim="800000"/>
         </a:ln>
         <a:ln w="19050" cap="flat" cmpd="sng" algn="ctr">
           <a:solidFill>
             <a:schemeClr val="phClr"/>
           </a:solidFill>
           <a:prstDash val="solid"/>
-          <a:miter lim="800000"/>
         </a:ln>
       </a:lnStyleLst>
       <a:effectStyleLst>
@@ -3617,7 +5468,13 @@
           <a:effectLst/>
         </a:effectStyle>
         <a:effectStyle>
-          <a:effectLst/>
+          <a:effectLst>
+            <a:outerShdw blurRad="38100" dist="12700" dir="5400000" algn="ctr" rotWithShape="0">
+              <a:srgbClr val="000000">
+                <a:alpha val="63000"/>
+              </a:srgbClr>
+            </a:outerShdw>
+          </a:effectLst>
         </a:effectStyle>
         <a:effectStyle>
           <a:effectLst>
@@ -3627,45 +5484,58 @@
               </a:srgbClr>
             </a:outerShdw>
           </a:effectLst>
+          <a:scene3d>
+            <a:camera prst="orthographicFront">
+              <a:rot lat="0" lon="0" rev="0"/>
+            </a:camera>
+            <a:lightRig rig="flat" dir="tl">
+              <a:rot lat="0" lon="0" rev="4200000"/>
+            </a:lightRig>
+          </a:scene3d>
+          <a:sp3d prstMaterial="flat">
+            <a:bevelT w="50800" h="63500" prst="riblet"/>
+          </a:sp3d>
         </a:effectStyle>
       </a:effectStyleLst>
       <a:bgFillStyleLst>
         <a:solidFill>
           <a:schemeClr val="phClr"/>
         </a:solidFill>
-        <a:solidFill>
-          <a:schemeClr val="phClr">
-            <a:tint val="95000"/>
-            <a:satMod val="170000"/>
-          </a:schemeClr>
-        </a:solidFill>
         <a:gradFill rotWithShape="1">
           <a:gsLst>
             <a:gs pos="0">
               <a:schemeClr val="phClr">
-                <a:tint val="93000"/>
-                <a:satMod val="150000"/>
-                <a:shade val="98000"/>
-                <a:lumMod val="102000"/>
-              </a:schemeClr>
-            </a:gs>
-            <a:gs pos="50000">
-              <a:schemeClr val="phClr">
-                <a:tint val="98000"/>
-                <a:satMod val="130000"/>
-                <a:shade val="90000"/>
-                <a:lumMod val="103000"/>
+                <a:tint val="80000"/>
+                <a:shade val="100000"/>
+                <a:satMod val="300000"/>
               </a:schemeClr>
             </a:gs>
             <a:gs pos="100000">
               <a:schemeClr val="phClr">
-                <a:shade val="63000"/>
-                <a:satMod val="120000"/>
+                <a:tint val="100000"/>
+                <a:shade val="30000"/>
+                <a:satMod val="200000"/>
               </a:schemeClr>
             </a:gs>
           </a:gsLst>
-          <a:lin ang="5400000" scaled="0"/>
+          <a:path path="circle">
+            <a:fillToRect l="50000" t="50000" r="50000" b="50000"/>
+          </a:path>
         </a:gradFill>
+        <a:blipFill rotWithShape="1">
+          <a:blip xmlns:r="http://schemas.openxmlformats.org/officeDocument/2006/relationships" r:embed="rId1">
+            <a:duotone>
+              <a:schemeClr val="phClr">
+                <a:tint val="95000"/>
+              </a:schemeClr>
+              <a:schemeClr val="phClr">
+                <a:shade val="92000"/>
+                <a:satMod val="115000"/>
+              </a:schemeClr>
+            </a:duotone>
+          </a:blip>
+          <a:tile tx="0" ty="0" sx="60000" sy="60000" flip="none" algn="tl"/>
+        </a:blipFill>
       </a:bgFillStyleLst>
     </a:fmtScheme>
   </a:themeElements>
@@ -3673,7 +5543,7 @@
   <a:extraClrSchemeLst/>
   <a:extLst>
     <a:ext uri="{05A4C25C-085E-4340-85A3-A5531E510DB2}">
-      <thm15:themeFamily xmlns:thm15="http://schemas.microsoft.com/office/thememl/2012/main" name="Office Theme" id="{62F939B6-93AF-4DB8-9C6B-D6C7DFDC589F}" vid="{4A3C46E8-61CC-4603-A589-7422A47A8E4A}"/>
+      <thm15:themeFamily xmlns:thm15="http://schemas.microsoft.com/office/thememl/2012/main" name="SavonVTI" id="{A72E8C35-66DD-49F8-AF66-813F19B983AE}" vid="{93CCBC76-B7A1-4C3D-93EA-5CE34C4670F9}"/>
     </a:ext>
   </a:extLst>
 </a:theme>

--- a/Project Presentation.pptx
+++ b/Project Presentation.pptx
@@ -7,6 +7,11 @@
   <p:sldIdLst>
     <p:sldId id="256" r:id="rId2"/>
     <p:sldId id="257" r:id="rId3"/>
+    <p:sldId id="258" r:id="rId4"/>
+    <p:sldId id="259" r:id="rId5"/>
+    <p:sldId id="260" r:id="rId6"/>
+    <p:sldId id="261" r:id="rId7"/>
+    <p:sldId id="262" r:id="rId8"/>
   </p:sldIdLst>
   <p:sldSz cx="12192000" cy="6858000"/>
   <p:notesSz cx="6858000" cy="9144000"/>
@@ -582,7 +587,7 @@
           <a:p>
             <a:fld id="{EA0C0817-A112-4847-8014-A94B7D2A4EA3}" type="datetime1">
               <a:rPr lang="en-US" smtClean="0"/>
-              <a:t>7/12/2023</a:t>
+              <a:t>7/15/2023</a:t>
             </a:fld>
             <a:endParaRPr lang="en-US" dirty="0"/>
           </a:p>
@@ -784,7 +789,7 @@
           <a:p>
             <a:fld id="{134F40B7-36AB-4376-BE14-EF7004D79BB9}" type="datetime1">
               <a:rPr lang="en-US" smtClean="0"/>
-              <a:t>7/12/2023</a:t>
+              <a:t>7/15/2023</a:t>
             </a:fld>
             <a:endParaRPr lang="en-US"/>
           </a:p>
@@ -964,7 +969,7 @@
           <a:p>
             <a:fld id="{FF87CAB8-DCAE-46A5-AADA-B3FAD11A54E0}" type="datetime1">
               <a:rPr lang="en-US" smtClean="0"/>
-              <a:t>7/12/2023</a:t>
+              <a:t>7/15/2023</a:t>
             </a:fld>
             <a:endParaRPr lang="en-US"/>
           </a:p>
@@ -1134,7 +1139,7 @@
           <a:p>
             <a:fld id="{7332B432-ACDA-4023-A761-2BAB76577B62}" type="datetime1">
               <a:rPr lang="en-US" smtClean="0"/>
-              <a:t>7/12/2023</a:t>
+              <a:t>7/15/2023</a:t>
             </a:fld>
             <a:endParaRPr lang="en-US"/>
           </a:p>
@@ -1733,7 +1738,7 @@
           <a:p>
             <a:fld id="{D9C646AA-F36E-4540-911D-FFFC0A0EF24A}" type="datetime1">
               <a:rPr lang="en-US" smtClean="0"/>
-              <a:t>7/12/2023</a:t>
+              <a:t>7/15/2023</a:t>
             </a:fld>
             <a:endParaRPr lang="en-US" dirty="0"/>
           </a:p>
@@ -2053,7 +2058,7 @@
           <a:p>
             <a:fld id="{69186D26-FA5F-4637-B602-B7C2DC34CFD4}" type="datetime1">
               <a:rPr lang="en-US" smtClean="0"/>
-              <a:t>7/12/2023</a:t>
+              <a:t>7/15/2023</a:t>
             </a:fld>
             <a:endParaRPr lang="en-US"/>
           </a:p>
@@ -2488,7 +2493,7 @@
           <a:p>
             <a:fld id="{8A7F15D8-96D1-4781-BC50-CA8A088B2FE4}" type="datetime1">
               <a:rPr lang="en-US" smtClean="0"/>
-              <a:t>7/12/2023</a:t>
+              <a:t>7/15/2023</a:t>
             </a:fld>
             <a:endParaRPr lang="en-US"/>
           </a:p>
@@ -2606,7 +2611,7 @@
           <a:p>
             <a:fld id="{F9A96C99-B8F8-4528-BD05-0E16E943DC09}" type="datetime1">
               <a:rPr lang="en-US" smtClean="0"/>
-              <a:t>7/12/2023</a:t>
+              <a:t>7/15/2023</a:t>
             </a:fld>
             <a:endParaRPr lang="en-US"/>
           </a:p>
@@ -2701,7 +2706,7 @@
           <a:p>
             <a:fld id="{03636942-C211-4B28-8DBD-C953E00AF71B}" type="datetime1">
               <a:rPr lang="en-US" smtClean="0"/>
-              <a:t>7/12/2023</a:t>
+              <a:t>7/15/2023</a:t>
             </a:fld>
             <a:endParaRPr lang="en-US"/>
           </a:p>
@@ -3118,7 +3123,7 @@
           <a:p>
             <a:fld id="{7E8D12A6-918A-48BD-8CB9-CA713993B0EA}" type="datetime1">
               <a:rPr lang="en-US" smtClean="0"/>
-              <a:t>7/12/2023</a:t>
+              <a:t>7/15/2023</a:t>
             </a:fld>
             <a:endParaRPr lang="en-US"/>
           </a:p>
@@ -3380,7 +3385,7 @@
             <a:fld id="{E778CE86-875F-4587-BCF6-FA054AFC0D53}" type="datetime1">
               <a:rPr lang="en-US" smtClean="0"/>
               <a:pPr/>
-              <a:t>7/12/2023</a:t>
+              <a:t>7/15/2023</a:t>
             </a:fld>
             <a:endParaRPr lang="en-US" dirty="0"/>
           </a:p>
@@ -3896,7 +3901,7 @@
           <a:p>
             <a:fld id="{F6FA2B21-3FCD-4721-B95C-427943F61125}" type="datetime1">
               <a:rPr lang="en-US" smtClean="0"/>
-              <a:t>7/12/2023</a:t>
+              <a:t>7/15/2023</a:t>
             </a:fld>
             <a:endParaRPr lang="en-US"/>
           </a:p>
@@ -5273,6 +5278,1572 @@
 </p:sld>
 </file>
 
+<file path=ppt/slides/slide3.xml><?xml version="1.0" encoding="utf-8"?>
+<p:sld xmlns:a="http://schemas.openxmlformats.org/drawingml/2006/main" xmlns:r="http://schemas.openxmlformats.org/officeDocument/2006/relationships" xmlns:p="http://schemas.openxmlformats.org/presentationml/2006/main">
+  <p:cSld>
+    <p:spTree>
+      <p:nvGrpSpPr>
+        <p:cNvPr id="1" name=""/>
+        <p:cNvGrpSpPr/>
+        <p:nvPr/>
+      </p:nvGrpSpPr>
+      <p:grpSpPr>
+        <a:xfrm>
+          <a:off x="0" y="0"/>
+          <a:ext cx="0" cy="0"/>
+          <a:chOff x="0" y="0"/>
+          <a:chExt cx="0" cy="0"/>
+        </a:xfrm>
+      </p:grpSpPr>
+      <p:sp>
+        <p:nvSpPr>
+          <p:cNvPr id="2" name="Title 1">
+            <a:extLst>
+              <a:ext uri="{FF2B5EF4-FFF2-40B4-BE49-F238E27FC236}">
+                <a16:creationId xmlns:a16="http://schemas.microsoft.com/office/drawing/2014/main" id="{7948A06D-082D-AB65-D415-B253FCD68525}"/>
+              </a:ext>
+            </a:extLst>
+          </p:cNvPr>
+          <p:cNvSpPr>
+            <a:spLocks noGrp="1"/>
+          </p:cNvSpPr>
+          <p:nvPr>
+            <p:ph type="title"/>
+          </p:nvPr>
+        </p:nvSpPr>
+        <p:spPr>
+          <a:xfrm>
+            <a:off x="1066800" y="642594"/>
+            <a:ext cx="10058400" cy="842077"/>
+          </a:xfrm>
+        </p:spPr>
+        <p:txBody>
+          <a:bodyPr/>
+          <a:lstStyle/>
+          <a:p>
+            <a:r>
+              <a:rPr lang="en-US" dirty="0">
+                <a:solidFill>
+                  <a:schemeClr val="accent2">
+                    <a:lumMod val="50000"/>
+                  </a:schemeClr>
+                </a:solidFill>
+              </a:rPr>
+              <a:t>2. Available Data. </a:t>
+            </a:r>
+          </a:p>
+        </p:txBody>
+      </p:sp>
+      <p:sp>
+        <p:nvSpPr>
+          <p:cNvPr id="3" name="Content Placeholder 2">
+            <a:extLst>
+              <a:ext uri="{FF2B5EF4-FFF2-40B4-BE49-F238E27FC236}">
+                <a16:creationId xmlns:a16="http://schemas.microsoft.com/office/drawing/2014/main" id="{7E2C59A8-6797-62D4-4873-B5A685D0A134}"/>
+              </a:ext>
+            </a:extLst>
+          </p:cNvPr>
+          <p:cNvSpPr>
+            <a:spLocks noGrp="1"/>
+          </p:cNvSpPr>
+          <p:nvPr>
+            <p:ph idx="1"/>
+          </p:nvPr>
+        </p:nvSpPr>
+        <p:spPr>
+          <a:xfrm>
+            <a:off x="1066800" y="1396181"/>
+            <a:ext cx="10058400" cy="4556563"/>
+          </a:xfrm>
+        </p:spPr>
+        <p:txBody>
+          <a:bodyPr>
+            <a:normAutofit/>
+          </a:bodyPr>
+          <a:lstStyle/>
+          <a:p>
+            <a:pPr marL="0" indent="0">
+              <a:buNone/>
+            </a:pPr>
+            <a:r>
+              <a:rPr lang="en-US" sz="1800" dirty="0">
+                <a:solidFill>
+                  <a:schemeClr val="bg2">
+                    <a:lumMod val="50000"/>
+                  </a:schemeClr>
+                </a:solidFill>
+                <a:latin typeface="-apple-system"/>
+              </a:rPr>
+              <a:t>The species_info.csv contains information on the different species in the USA National Parks. The columns in the data set include:</a:t>
+            </a:r>
+          </a:p>
+          <a:p>
+            <a:r>
+              <a:rPr lang="en-US" sz="1800" dirty="0">
+                <a:solidFill>
+                  <a:schemeClr val="bg2">
+                    <a:lumMod val="50000"/>
+                  </a:schemeClr>
+                </a:solidFill>
+                <a:latin typeface="-apple-system"/>
+              </a:rPr>
+              <a:t>category - The class of animal</a:t>
+            </a:r>
+          </a:p>
+          <a:p>
+            <a:r>
+              <a:rPr lang="en-US" sz="1800" dirty="0" err="1">
+                <a:solidFill>
+                  <a:schemeClr val="bg2">
+                    <a:lumMod val="50000"/>
+                  </a:schemeClr>
+                </a:solidFill>
+                <a:latin typeface="-apple-system"/>
+              </a:rPr>
+              <a:t>scientific_name</a:t>
+            </a:r>
+            <a:r>
+              <a:rPr lang="en-US" sz="1800" dirty="0">
+                <a:solidFill>
+                  <a:schemeClr val="bg2">
+                    <a:lumMod val="50000"/>
+                  </a:schemeClr>
+                </a:solidFill>
+                <a:latin typeface="-apple-system"/>
+              </a:rPr>
+              <a:t> - The scientific name of each species</a:t>
+            </a:r>
+          </a:p>
+          <a:p>
+            <a:r>
+              <a:rPr lang="en-US" sz="1800" dirty="0" err="1">
+                <a:solidFill>
+                  <a:schemeClr val="bg2">
+                    <a:lumMod val="50000"/>
+                  </a:schemeClr>
+                </a:solidFill>
+                <a:latin typeface="-apple-system"/>
+              </a:rPr>
+              <a:t>common_names</a:t>
+            </a:r>
+            <a:r>
+              <a:rPr lang="en-US" sz="1800" dirty="0">
+                <a:solidFill>
+                  <a:schemeClr val="bg2">
+                    <a:lumMod val="50000"/>
+                  </a:schemeClr>
+                </a:solidFill>
+                <a:latin typeface="-apple-system"/>
+              </a:rPr>
+              <a:t> - The common names of each species</a:t>
+            </a:r>
+          </a:p>
+          <a:p>
+            <a:r>
+              <a:rPr lang="en-US" sz="1800" dirty="0" err="1">
+                <a:solidFill>
+                  <a:schemeClr val="bg2">
+                    <a:lumMod val="50000"/>
+                  </a:schemeClr>
+                </a:solidFill>
+                <a:latin typeface="-apple-system"/>
+              </a:rPr>
+              <a:t>Conservation_status</a:t>
+            </a:r>
+            <a:r>
+              <a:rPr lang="en-US" sz="1800" dirty="0">
+                <a:solidFill>
+                  <a:schemeClr val="bg2">
+                    <a:lumMod val="50000"/>
+                  </a:schemeClr>
+                </a:solidFill>
+                <a:latin typeface="-apple-system"/>
+              </a:rPr>
+              <a:t> - Each species’ current conservation status </a:t>
+            </a:r>
+          </a:p>
+          <a:p>
+            <a:pPr marL="0" indent="0">
+              <a:buNone/>
+            </a:pPr>
+            <a:r>
+              <a:rPr lang="en-US" sz="1800" dirty="0">
+                <a:solidFill>
+                  <a:schemeClr val="bg2">
+                    <a:lumMod val="50000"/>
+                  </a:schemeClr>
+                </a:solidFill>
+                <a:latin typeface="-apple-system"/>
+              </a:rPr>
+              <a:t>The observations.csv contains information about number of time each species are observed in the certain National Park. The columns in the data set include:</a:t>
+            </a:r>
+          </a:p>
+          <a:p>
+            <a:r>
+              <a:rPr lang="en-US" sz="1800" dirty="0" err="1">
+                <a:solidFill>
+                  <a:schemeClr val="bg2">
+                    <a:lumMod val="50000"/>
+                  </a:schemeClr>
+                </a:solidFill>
+                <a:latin typeface="-apple-system"/>
+              </a:rPr>
+              <a:t>scientific_name</a:t>
+            </a:r>
+            <a:r>
+              <a:rPr lang="en-US" sz="1800" dirty="0">
+                <a:solidFill>
+                  <a:schemeClr val="bg2">
+                    <a:lumMod val="50000"/>
+                  </a:schemeClr>
+                </a:solidFill>
+                <a:latin typeface="-apple-system"/>
+              </a:rPr>
+              <a:t> - The scientific name of each species</a:t>
+            </a:r>
+          </a:p>
+          <a:p>
+            <a:r>
+              <a:rPr lang="en-US" sz="1800" dirty="0" err="1">
+                <a:solidFill>
+                  <a:schemeClr val="bg2">
+                    <a:lumMod val="50000"/>
+                  </a:schemeClr>
+                </a:solidFill>
+                <a:latin typeface="-apple-system"/>
+              </a:rPr>
+              <a:t>park_name</a:t>
+            </a:r>
+            <a:r>
+              <a:rPr lang="en-US" sz="1800" dirty="0">
+                <a:solidFill>
+                  <a:schemeClr val="bg2">
+                    <a:lumMod val="50000"/>
+                  </a:schemeClr>
+                </a:solidFill>
+                <a:latin typeface="-apple-system"/>
+              </a:rPr>
+              <a:t> - Park where species were found</a:t>
+            </a:r>
+          </a:p>
+          <a:p>
+            <a:r>
+              <a:rPr lang="en-US" sz="1800" dirty="0">
+                <a:solidFill>
+                  <a:schemeClr val="bg2">
+                    <a:lumMod val="50000"/>
+                  </a:schemeClr>
+                </a:solidFill>
+                <a:latin typeface="-apple-system"/>
+              </a:rPr>
+              <a:t>observations - The number of times each species was observed at park</a:t>
+            </a:r>
+          </a:p>
+          <a:p>
+            <a:endParaRPr lang="en-US" dirty="0">
+              <a:solidFill>
+                <a:schemeClr val="bg2">
+                  <a:lumMod val="50000"/>
+                </a:schemeClr>
+              </a:solidFill>
+              <a:latin typeface="-apple-system"/>
+            </a:endParaRPr>
+          </a:p>
+        </p:txBody>
+      </p:sp>
+    </p:spTree>
+    <p:extLst>
+      <p:ext uri="{BB962C8B-B14F-4D97-AF65-F5344CB8AC3E}">
+        <p14:creationId xmlns:p14="http://schemas.microsoft.com/office/powerpoint/2010/main" val="3839657145"/>
+      </p:ext>
+    </p:extLst>
+  </p:cSld>
+  <p:clrMapOvr>
+    <a:masterClrMapping/>
+  </p:clrMapOvr>
+</p:sld>
+</file>
+
+<file path=ppt/slides/slide4.xml><?xml version="1.0" encoding="utf-8"?>
+<p:sld xmlns:a="http://schemas.openxmlformats.org/drawingml/2006/main" xmlns:r="http://schemas.openxmlformats.org/officeDocument/2006/relationships" xmlns:p="http://schemas.openxmlformats.org/presentationml/2006/main">
+  <p:cSld>
+    <p:spTree>
+      <p:nvGrpSpPr>
+        <p:cNvPr id="1" name=""/>
+        <p:cNvGrpSpPr/>
+        <p:nvPr/>
+      </p:nvGrpSpPr>
+      <p:grpSpPr>
+        <a:xfrm>
+          <a:off x="0" y="0"/>
+          <a:ext cx="0" cy="0"/>
+          <a:chOff x="0" y="0"/>
+          <a:chExt cx="0" cy="0"/>
+        </a:xfrm>
+      </p:grpSpPr>
+      <p:sp>
+        <p:nvSpPr>
+          <p:cNvPr id="2" name="Title 1">
+            <a:extLst>
+              <a:ext uri="{FF2B5EF4-FFF2-40B4-BE49-F238E27FC236}">
+                <a16:creationId xmlns:a16="http://schemas.microsoft.com/office/drawing/2014/main" id="{DDA0A6FB-C2A5-158C-2F65-92E1ABF8BCB3}"/>
+              </a:ext>
+            </a:extLst>
+          </p:cNvPr>
+          <p:cNvSpPr>
+            <a:spLocks noGrp="1"/>
+          </p:cNvSpPr>
+          <p:nvPr>
+            <p:ph type="title"/>
+          </p:nvPr>
+        </p:nvSpPr>
+        <p:spPr>
+          <a:xfrm>
+            <a:off x="1066800" y="642594"/>
+            <a:ext cx="10058400" cy="773251"/>
+          </a:xfrm>
+        </p:spPr>
+        <p:txBody>
+          <a:bodyPr/>
+          <a:lstStyle/>
+          <a:p>
+            <a:r>
+              <a:rPr lang="en-US" dirty="0">
+                <a:solidFill>
+                  <a:schemeClr val="accent2">
+                    <a:lumMod val="50000"/>
+                  </a:schemeClr>
+                </a:solidFill>
+              </a:rPr>
+              <a:t>3. Summary of available information. </a:t>
+            </a:r>
+            <a:endParaRPr lang="en-US" dirty="0"/>
+          </a:p>
+        </p:txBody>
+      </p:sp>
+      <p:sp>
+        <p:nvSpPr>
+          <p:cNvPr id="3" name="Content Placeholder 2">
+            <a:extLst>
+              <a:ext uri="{FF2B5EF4-FFF2-40B4-BE49-F238E27FC236}">
+                <a16:creationId xmlns:a16="http://schemas.microsoft.com/office/drawing/2014/main" id="{88B4C301-B280-0F4B-9620-8953E1A7D0BC}"/>
+              </a:ext>
+            </a:extLst>
+          </p:cNvPr>
+          <p:cNvSpPr>
+            <a:spLocks noGrp="1"/>
+          </p:cNvSpPr>
+          <p:nvPr>
+            <p:ph idx="1"/>
+          </p:nvPr>
+        </p:nvSpPr>
+        <p:spPr>
+          <a:xfrm>
+            <a:off x="1066800" y="1347019"/>
+            <a:ext cx="10058400" cy="629265"/>
+          </a:xfrm>
+        </p:spPr>
+        <p:txBody>
+          <a:bodyPr>
+            <a:normAutofit fontScale="92500" lnSpcReduction="10000"/>
+          </a:bodyPr>
+          <a:lstStyle/>
+          <a:p>
+            <a:pPr marL="342900" indent="-342900">
+              <a:buAutoNum type="arabicPeriod"/>
+            </a:pPr>
+            <a:r>
+              <a:rPr lang="en-US" sz="1800" dirty="0">
+                <a:solidFill>
+                  <a:schemeClr val="bg2">
+                    <a:lumMod val="50000"/>
+                  </a:schemeClr>
+                </a:solidFill>
+                <a:latin typeface="-apple-system"/>
+              </a:rPr>
+              <a:t>At first before starting any analysis we need to review the data base. Understand which tables, columns we have, and how those information related to each other. Calculate sum of species names and categories. </a:t>
+            </a:r>
+          </a:p>
+          <a:p>
+            <a:pPr marL="0" indent="0">
+              <a:buNone/>
+            </a:pPr>
+            <a:endParaRPr lang="en-US" sz="1600" dirty="0">
+              <a:solidFill>
+                <a:schemeClr val="bg2">
+                  <a:lumMod val="50000"/>
+                </a:schemeClr>
+              </a:solidFill>
+              <a:latin typeface="-apple-system"/>
+            </a:endParaRPr>
+          </a:p>
+        </p:txBody>
+      </p:sp>
+      <p:pic>
+        <p:nvPicPr>
+          <p:cNvPr id="5" name="Picture 4">
+            <a:extLst>
+              <a:ext uri="{FF2B5EF4-FFF2-40B4-BE49-F238E27FC236}">
+                <a16:creationId xmlns:a16="http://schemas.microsoft.com/office/drawing/2014/main" id="{D660F602-B09E-F7B7-DD01-769990775C17}"/>
+              </a:ext>
+            </a:extLst>
+          </p:cNvPr>
+          <p:cNvPicPr>
+            <a:picLocks noChangeAspect="1"/>
+          </p:cNvPicPr>
+          <p:nvPr/>
+        </p:nvPicPr>
+        <p:blipFill>
+          <a:blip r:embed="rId2"/>
+          <a:stretch>
+            <a:fillRect/>
+          </a:stretch>
+        </p:blipFill>
+        <p:spPr>
+          <a:xfrm>
+            <a:off x="573036" y="1976284"/>
+            <a:ext cx="8558753" cy="1995947"/>
+          </a:xfrm>
+          <a:prstGeom prst="rect">
+            <a:avLst/>
+          </a:prstGeom>
+        </p:spPr>
+      </p:pic>
+      <p:pic>
+        <p:nvPicPr>
+          <p:cNvPr id="7" name="Picture 6">
+            <a:extLst>
+              <a:ext uri="{FF2B5EF4-FFF2-40B4-BE49-F238E27FC236}">
+                <a16:creationId xmlns:a16="http://schemas.microsoft.com/office/drawing/2014/main" id="{E9C599BB-0DB1-E03B-9F64-90CE23EA2E0D}"/>
+              </a:ext>
+            </a:extLst>
+          </p:cNvPr>
+          <p:cNvPicPr>
+            <a:picLocks noChangeAspect="1"/>
+          </p:cNvPicPr>
+          <p:nvPr/>
+        </p:nvPicPr>
+        <p:blipFill rotWithShape="1">
+          <a:blip r:embed="rId3"/>
+          <a:srcRect l="3214" t="1" r="4620" b="5714"/>
+          <a:stretch/>
+        </p:blipFill>
+        <p:spPr>
+          <a:xfrm>
+            <a:off x="9131788" y="3643922"/>
+            <a:ext cx="2487175" cy="328309"/>
+          </a:xfrm>
+          <a:prstGeom prst="rect">
+            <a:avLst/>
+          </a:prstGeom>
+        </p:spPr>
+      </p:pic>
+      <p:pic>
+        <p:nvPicPr>
+          <p:cNvPr id="9" name="Picture 8">
+            <a:extLst>
+              <a:ext uri="{FF2B5EF4-FFF2-40B4-BE49-F238E27FC236}">
+                <a16:creationId xmlns:a16="http://schemas.microsoft.com/office/drawing/2014/main" id="{30B75335-3DC4-6381-3EC0-BDDFC2B136BC}"/>
+              </a:ext>
+            </a:extLst>
+          </p:cNvPr>
+          <p:cNvPicPr>
+            <a:picLocks noChangeAspect="1"/>
+          </p:cNvPicPr>
+          <p:nvPr/>
+        </p:nvPicPr>
+        <p:blipFill>
+          <a:blip r:embed="rId4"/>
+          <a:stretch>
+            <a:fillRect/>
+          </a:stretch>
+        </p:blipFill>
+        <p:spPr>
+          <a:xfrm>
+            <a:off x="573036" y="4248805"/>
+            <a:ext cx="6506190" cy="2128796"/>
+          </a:xfrm>
+          <a:prstGeom prst="rect">
+            <a:avLst/>
+          </a:prstGeom>
+        </p:spPr>
+      </p:pic>
+      <p:pic>
+        <p:nvPicPr>
+          <p:cNvPr id="11" name="Picture 10">
+            <a:extLst>
+              <a:ext uri="{FF2B5EF4-FFF2-40B4-BE49-F238E27FC236}">
+                <a16:creationId xmlns:a16="http://schemas.microsoft.com/office/drawing/2014/main" id="{B2FDF67B-4071-E089-303C-C310776A8098}"/>
+              </a:ext>
+            </a:extLst>
+          </p:cNvPr>
+          <p:cNvPicPr>
+            <a:picLocks noChangeAspect="1"/>
+          </p:cNvPicPr>
+          <p:nvPr/>
+        </p:nvPicPr>
+        <p:blipFill>
+          <a:blip r:embed="rId5"/>
+          <a:stretch>
+            <a:fillRect/>
+          </a:stretch>
+        </p:blipFill>
+        <p:spPr>
+          <a:xfrm>
+            <a:off x="7079226" y="6036088"/>
+            <a:ext cx="3608439" cy="335669"/>
+          </a:xfrm>
+          <a:prstGeom prst="rect">
+            <a:avLst/>
+          </a:prstGeom>
+        </p:spPr>
+      </p:pic>
+    </p:spTree>
+    <p:extLst>
+      <p:ext uri="{BB962C8B-B14F-4D97-AF65-F5344CB8AC3E}">
+        <p14:creationId xmlns:p14="http://schemas.microsoft.com/office/powerpoint/2010/main" val="266687537"/>
+      </p:ext>
+    </p:extLst>
+  </p:cSld>
+  <p:clrMapOvr>
+    <a:masterClrMapping/>
+  </p:clrMapOvr>
+</p:sld>
+</file>
+
+<file path=ppt/slides/slide5.xml><?xml version="1.0" encoding="utf-8"?>
+<p:sld xmlns:a="http://schemas.openxmlformats.org/drawingml/2006/main" xmlns:r="http://schemas.openxmlformats.org/officeDocument/2006/relationships" xmlns:p="http://schemas.openxmlformats.org/presentationml/2006/main">
+  <p:cSld>
+    <p:spTree>
+      <p:nvGrpSpPr>
+        <p:cNvPr id="1" name=""/>
+        <p:cNvGrpSpPr/>
+        <p:nvPr/>
+      </p:nvGrpSpPr>
+      <p:grpSpPr>
+        <a:xfrm>
+          <a:off x="0" y="0"/>
+          <a:ext cx="0" cy="0"/>
+          <a:chOff x="0" y="0"/>
+          <a:chExt cx="0" cy="0"/>
+        </a:xfrm>
+      </p:grpSpPr>
+      <p:pic>
+        <p:nvPicPr>
+          <p:cNvPr id="5" name="Picture 4">
+            <a:extLst>
+              <a:ext uri="{FF2B5EF4-FFF2-40B4-BE49-F238E27FC236}">
+                <a16:creationId xmlns:a16="http://schemas.microsoft.com/office/drawing/2014/main" id="{E9CFE021-B5E3-3188-FDC1-CABDFD2DB094}"/>
+              </a:ext>
+            </a:extLst>
+          </p:cNvPr>
+          <p:cNvPicPr>
+            <a:picLocks noChangeAspect="1"/>
+          </p:cNvPicPr>
+          <p:nvPr/>
+        </p:nvPicPr>
+        <p:blipFill>
+          <a:blip r:embed="rId2"/>
+          <a:stretch>
+            <a:fillRect/>
+          </a:stretch>
+        </p:blipFill>
+        <p:spPr>
+          <a:xfrm>
+            <a:off x="744332" y="536011"/>
+            <a:ext cx="8658225" cy="771525"/>
+          </a:xfrm>
+          <a:prstGeom prst="rect">
+            <a:avLst/>
+          </a:prstGeom>
+        </p:spPr>
+      </p:pic>
+      <p:pic>
+        <p:nvPicPr>
+          <p:cNvPr id="7" name="Picture 6">
+            <a:extLst>
+              <a:ext uri="{FF2B5EF4-FFF2-40B4-BE49-F238E27FC236}">
+                <a16:creationId xmlns:a16="http://schemas.microsoft.com/office/drawing/2014/main" id="{84097417-2A1C-8510-3CDC-C957257565A8}"/>
+              </a:ext>
+            </a:extLst>
+          </p:cNvPr>
+          <p:cNvPicPr>
+            <a:picLocks noChangeAspect="1"/>
+          </p:cNvPicPr>
+          <p:nvPr/>
+        </p:nvPicPr>
+        <p:blipFill>
+          <a:blip r:embed="rId3"/>
+          <a:stretch>
+            <a:fillRect/>
+          </a:stretch>
+        </p:blipFill>
+        <p:spPr>
+          <a:xfrm>
+            <a:off x="744332" y="1503567"/>
+            <a:ext cx="3028950" cy="2238375"/>
+          </a:xfrm>
+          <a:prstGeom prst="rect">
+            <a:avLst/>
+          </a:prstGeom>
+        </p:spPr>
+      </p:pic>
+      <p:sp>
+        <p:nvSpPr>
+          <p:cNvPr id="10" name="Content Placeholder 2">
+            <a:extLst>
+              <a:ext uri="{FF2B5EF4-FFF2-40B4-BE49-F238E27FC236}">
+                <a16:creationId xmlns:a16="http://schemas.microsoft.com/office/drawing/2014/main" id="{C211D0E7-DD36-83BD-520F-4D8951F2CE80}"/>
+              </a:ext>
+            </a:extLst>
+          </p:cNvPr>
+          <p:cNvSpPr>
+            <a:spLocks noGrp="1"/>
+          </p:cNvSpPr>
+          <p:nvPr>
+            <p:ph idx="1"/>
+          </p:nvPr>
+        </p:nvSpPr>
+        <p:spPr>
+          <a:xfrm>
+            <a:off x="744332" y="3937973"/>
+            <a:ext cx="10071152" cy="398053"/>
+          </a:xfrm>
+        </p:spPr>
+        <p:txBody>
+          <a:bodyPr>
+            <a:normAutofit fontScale="92500"/>
+          </a:bodyPr>
+          <a:lstStyle/>
+          <a:p>
+            <a:pPr marL="0" indent="0">
+              <a:buNone/>
+            </a:pPr>
+            <a:r>
+              <a:rPr lang="en-US" sz="1800" dirty="0">
+                <a:solidFill>
+                  <a:schemeClr val="bg2">
+                    <a:lumMod val="50000"/>
+                  </a:schemeClr>
+                </a:solidFill>
+                <a:latin typeface="-apple-system"/>
+              </a:rPr>
+              <a:t>And one of the main questions of this project it is endangered species, how many, which species in which parks. </a:t>
+            </a:r>
+          </a:p>
+          <a:p>
+            <a:pPr marL="0" indent="0">
+              <a:buNone/>
+            </a:pPr>
+            <a:endParaRPr lang="en-US" sz="1600" dirty="0">
+              <a:solidFill>
+                <a:schemeClr val="bg2">
+                  <a:lumMod val="50000"/>
+                </a:schemeClr>
+              </a:solidFill>
+              <a:latin typeface="-apple-system"/>
+            </a:endParaRPr>
+          </a:p>
+        </p:txBody>
+      </p:sp>
+      <p:pic>
+        <p:nvPicPr>
+          <p:cNvPr id="12" name="Picture 11">
+            <a:extLst>
+              <a:ext uri="{FF2B5EF4-FFF2-40B4-BE49-F238E27FC236}">
+                <a16:creationId xmlns:a16="http://schemas.microsoft.com/office/drawing/2014/main" id="{E6DC23D5-3781-5B79-1ECC-4BDD21D278DB}"/>
+              </a:ext>
+            </a:extLst>
+          </p:cNvPr>
+          <p:cNvPicPr>
+            <a:picLocks noChangeAspect="1"/>
+          </p:cNvPicPr>
+          <p:nvPr/>
+        </p:nvPicPr>
+        <p:blipFill>
+          <a:blip r:embed="rId4"/>
+          <a:stretch>
+            <a:fillRect/>
+          </a:stretch>
+        </p:blipFill>
+        <p:spPr>
+          <a:xfrm>
+            <a:off x="744332" y="4461694"/>
+            <a:ext cx="10344150" cy="628650"/>
+          </a:xfrm>
+          <a:prstGeom prst="rect">
+            <a:avLst/>
+          </a:prstGeom>
+        </p:spPr>
+      </p:pic>
+    </p:spTree>
+    <p:extLst>
+      <p:ext uri="{BB962C8B-B14F-4D97-AF65-F5344CB8AC3E}">
+        <p14:creationId xmlns:p14="http://schemas.microsoft.com/office/powerpoint/2010/main" val="4257626197"/>
+      </p:ext>
+    </p:extLst>
+  </p:cSld>
+  <p:clrMapOvr>
+    <a:masterClrMapping/>
+  </p:clrMapOvr>
+</p:sld>
+</file>
+
+<file path=ppt/slides/slide6.xml><?xml version="1.0" encoding="utf-8"?>
+<p:sld xmlns:a="http://schemas.openxmlformats.org/drawingml/2006/main" xmlns:r="http://schemas.openxmlformats.org/officeDocument/2006/relationships" xmlns:p="http://schemas.openxmlformats.org/presentationml/2006/main">
+  <p:cSld>
+    <p:spTree>
+      <p:nvGrpSpPr>
+        <p:cNvPr id="1" name=""/>
+        <p:cNvGrpSpPr/>
+        <p:nvPr/>
+      </p:nvGrpSpPr>
+      <p:grpSpPr>
+        <a:xfrm>
+          <a:off x="0" y="0"/>
+          <a:ext cx="0" cy="0"/>
+          <a:chOff x="0" y="0"/>
+          <a:chExt cx="0" cy="0"/>
+        </a:xfrm>
+      </p:grpSpPr>
+      <p:sp>
+        <p:nvSpPr>
+          <p:cNvPr id="2" name="Title 1">
+            <a:extLst>
+              <a:ext uri="{FF2B5EF4-FFF2-40B4-BE49-F238E27FC236}">
+                <a16:creationId xmlns:a16="http://schemas.microsoft.com/office/drawing/2014/main" id="{F4E05DC3-8ED8-0508-AEE4-952ACD83B054}"/>
+              </a:ext>
+            </a:extLst>
+          </p:cNvPr>
+          <p:cNvSpPr>
+            <a:spLocks noGrp="1"/>
+          </p:cNvSpPr>
+          <p:nvPr>
+            <p:ph type="title"/>
+          </p:nvPr>
+        </p:nvSpPr>
+        <p:spPr/>
+        <p:txBody>
+          <a:bodyPr/>
+          <a:lstStyle/>
+          <a:p>
+            <a:r>
+              <a:rPr lang="en-US" dirty="0">
+                <a:solidFill>
+                  <a:schemeClr val="accent2">
+                    <a:lumMod val="50000"/>
+                  </a:schemeClr>
+                </a:solidFill>
+              </a:rPr>
+              <a:t>4. Graphs for the visual analysis. </a:t>
+            </a:r>
+            <a:endParaRPr lang="en-US" dirty="0"/>
+          </a:p>
+        </p:txBody>
+      </p:sp>
+      <p:sp>
+        <p:nvSpPr>
+          <p:cNvPr id="3" name="Content Placeholder 2">
+            <a:extLst>
+              <a:ext uri="{FF2B5EF4-FFF2-40B4-BE49-F238E27FC236}">
+                <a16:creationId xmlns:a16="http://schemas.microsoft.com/office/drawing/2014/main" id="{4245D72F-C21C-A595-C01A-6C84EAC81D59}"/>
+              </a:ext>
+            </a:extLst>
+          </p:cNvPr>
+          <p:cNvSpPr>
+            <a:spLocks noGrp="1"/>
+          </p:cNvSpPr>
+          <p:nvPr>
+            <p:ph idx="1"/>
+          </p:nvPr>
+        </p:nvSpPr>
+        <p:spPr>
+          <a:xfrm>
+            <a:off x="1066800" y="1753148"/>
+            <a:ext cx="10058400" cy="429614"/>
+          </a:xfrm>
+        </p:spPr>
+        <p:txBody>
+          <a:bodyPr>
+            <a:normAutofit/>
+          </a:bodyPr>
+          <a:lstStyle/>
+          <a:p>
+            <a:pPr>
+              <a:buFont typeface="Wingdings" panose="05000000000000000000" pitchFamily="2" charset="2"/>
+              <a:buChar char="q"/>
+            </a:pPr>
+            <a:r>
+              <a:rPr lang="en-US" sz="1700" dirty="0">
+                <a:solidFill>
+                  <a:schemeClr val="bg2">
+                    <a:lumMod val="50000"/>
+                  </a:schemeClr>
+                </a:solidFill>
+                <a:latin typeface="-apple-system"/>
+              </a:rPr>
+              <a:t>What is the distribution of conservation status for species? </a:t>
+            </a:r>
+          </a:p>
+        </p:txBody>
+      </p:sp>
+      <p:pic>
+        <p:nvPicPr>
+          <p:cNvPr id="5" name="Picture 4">
+            <a:extLst>
+              <a:ext uri="{FF2B5EF4-FFF2-40B4-BE49-F238E27FC236}">
+                <a16:creationId xmlns:a16="http://schemas.microsoft.com/office/drawing/2014/main" id="{154BBBF5-397E-7342-5D08-B69A84FCAE43}"/>
+              </a:ext>
+            </a:extLst>
+          </p:cNvPr>
+          <p:cNvPicPr>
+            <a:picLocks noChangeAspect="1"/>
+          </p:cNvPicPr>
+          <p:nvPr/>
+        </p:nvPicPr>
+        <p:blipFill rotWithShape="1">
+          <a:blip r:embed="rId2"/>
+          <a:srcRect t="1949" r="831"/>
+          <a:stretch/>
+        </p:blipFill>
+        <p:spPr>
+          <a:xfrm>
+            <a:off x="1153141" y="2182762"/>
+            <a:ext cx="6702834" cy="4230426"/>
+          </a:xfrm>
+          <a:prstGeom prst="rect">
+            <a:avLst/>
+          </a:prstGeom>
+        </p:spPr>
+      </p:pic>
+      <p:sp>
+        <p:nvSpPr>
+          <p:cNvPr id="8" name="Content Placeholder 2">
+            <a:extLst>
+              <a:ext uri="{FF2B5EF4-FFF2-40B4-BE49-F238E27FC236}">
+                <a16:creationId xmlns:a16="http://schemas.microsoft.com/office/drawing/2014/main" id="{FB2FE5F3-2D67-4871-3EB4-011C72C7DAA5}"/>
+              </a:ext>
+            </a:extLst>
+          </p:cNvPr>
+          <p:cNvSpPr txBox="1">
+            <a:spLocks/>
+          </p:cNvSpPr>
+          <p:nvPr/>
+        </p:nvSpPr>
+        <p:spPr>
+          <a:xfrm>
+            <a:off x="7942316" y="2182761"/>
+            <a:ext cx="3777736" cy="1897625"/>
+          </a:xfrm>
+          <a:prstGeom prst="rect">
+            <a:avLst/>
+          </a:prstGeom>
+        </p:spPr>
+        <p:txBody>
+          <a:bodyPr vert="horz" lIns="91440" tIns="45720" rIns="91440" bIns="45720" rtlCol="0">
+            <a:normAutofit lnSpcReduction="10000"/>
+          </a:bodyPr>
+          <a:lstStyle>
+            <a:lvl1pPr marL="182880" indent="-182880" algn="l" defTabSz="914400" rtl="0" eaLnBrk="1" latinLnBrk="0" hangingPunct="1">
+              <a:lnSpc>
+                <a:spcPct val="110000"/>
+              </a:lnSpc>
+              <a:spcBef>
+                <a:spcPts val="900"/>
+              </a:spcBef>
+              <a:spcAft>
+                <a:spcPts val="0"/>
+              </a:spcAft>
+              <a:buClr>
+                <a:schemeClr val="tx1">
+                  <a:lumMod val="85000"/>
+                  <a:lumOff val="15000"/>
+                </a:schemeClr>
+              </a:buClr>
+              <a:buFont typeface="Garamond" pitchFamily="18" charset="0"/>
+              <a:buChar char="◦"/>
+              <a:defRPr sz="1500" kern="1200">
+                <a:solidFill>
+                  <a:schemeClr val="tx1"/>
+                </a:solidFill>
+                <a:latin typeface="+mn-lt"/>
+                <a:ea typeface="+mn-ea"/>
+                <a:cs typeface="+mn-cs"/>
+              </a:defRPr>
+            </a:lvl1pPr>
+            <a:lvl2pPr marL="457200" indent="-182880" algn="l" defTabSz="914400" rtl="0" eaLnBrk="1" latinLnBrk="0" hangingPunct="1">
+              <a:lnSpc>
+                <a:spcPct val="110000"/>
+              </a:lnSpc>
+              <a:spcBef>
+                <a:spcPts val="500"/>
+              </a:spcBef>
+              <a:buClr>
+                <a:schemeClr val="tx1">
+                  <a:lumMod val="85000"/>
+                  <a:lumOff val="15000"/>
+                </a:schemeClr>
+              </a:buClr>
+              <a:buFont typeface="Garamond" pitchFamily="18" charset="0"/>
+              <a:buChar char="◦"/>
+              <a:defRPr sz="1300" kern="1200">
+                <a:solidFill>
+                  <a:schemeClr val="tx1"/>
+                </a:solidFill>
+                <a:latin typeface="+mn-lt"/>
+                <a:ea typeface="+mn-ea"/>
+                <a:cs typeface="+mn-cs"/>
+              </a:defRPr>
+            </a:lvl2pPr>
+            <a:lvl3pPr marL="731520" indent="-182880" algn="l" defTabSz="914400" rtl="0" eaLnBrk="1" latinLnBrk="0" hangingPunct="1">
+              <a:lnSpc>
+                <a:spcPct val="110000"/>
+              </a:lnSpc>
+              <a:spcBef>
+                <a:spcPts val="500"/>
+              </a:spcBef>
+              <a:buClr>
+                <a:schemeClr val="tx1">
+                  <a:lumMod val="85000"/>
+                  <a:lumOff val="15000"/>
+                </a:schemeClr>
+              </a:buClr>
+              <a:buFont typeface="Garamond" pitchFamily="18" charset="0"/>
+              <a:buChar char="◦"/>
+              <a:defRPr sz="1100" kern="1200">
+                <a:solidFill>
+                  <a:schemeClr val="tx1"/>
+                </a:solidFill>
+                <a:latin typeface="+mn-lt"/>
+                <a:ea typeface="+mn-ea"/>
+                <a:cs typeface="+mn-cs"/>
+              </a:defRPr>
+            </a:lvl3pPr>
+            <a:lvl4pPr marL="1005840" indent="-182880" algn="l" defTabSz="914400" rtl="0" eaLnBrk="1" latinLnBrk="0" hangingPunct="1">
+              <a:lnSpc>
+                <a:spcPct val="110000"/>
+              </a:lnSpc>
+              <a:spcBef>
+                <a:spcPts val="500"/>
+              </a:spcBef>
+              <a:buClr>
+                <a:schemeClr val="tx1">
+                  <a:lumMod val="85000"/>
+                  <a:lumOff val="15000"/>
+                </a:schemeClr>
+              </a:buClr>
+              <a:buFont typeface="Garamond" pitchFamily="18" charset="0"/>
+              <a:buChar char="◦"/>
+              <a:defRPr sz="1100" kern="1200">
+                <a:solidFill>
+                  <a:schemeClr val="tx1"/>
+                </a:solidFill>
+                <a:latin typeface="+mn-lt"/>
+                <a:ea typeface="+mn-ea"/>
+                <a:cs typeface="+mn-cs"/>
+              </a:defRPr>
+            </a:lvl4pPr>
+            <a:lvl5pPr marL="1280160" indent="-182880" algn="l" defTabSz="914400" rtl="0" eaLnBrk="1" latinLnBrk="0" hangingPunct="1">
+              <a:lnSpc>
+                <a:spcPct val="110000"/>
+              </a:lnSpc>
+              <a:spcBef>
+                <a:spcPts val="500"/>
+              </a:spcBef>
+              <a:buClr>
+                <a:schemeClr val="tx1">
+                  <a:lumMod val="85000"/>
+                  <a:lumOff val="15000"/>
+                </a:schemeClr>
+              </a:buClr>
+              <a:buFont typeface="Garamond" pitchFamily="18" charset="0"/>
+              <a:buChar char="◦"/>
+              <a:defRPr sz="1100" kern="1200">
+                <a:solidFill>
+                  <a:schemeClr val="tx1"/>
+                </a:solidFill>
+                <a:latin typeface="+mn-lt"/>
+                <a:ea typeface="+mn-ea"/>
+                <a:cs typeface="+mn-cs"/>
+              </a:defRPr>
+            </a:lvl5pPr>
+            <a:lvl6pPr marL="1600000" indent="-228600" algn="l" defTabSz="914400" rtl="0" eaLnBrk="1" latinLnBrk="0" hangingPunct="1">
+              <a:lnSpc>
+                <a:spcPct val="100000"/>
+              </a:lnSpc>
+              <a:spcBef>
+                <a:spcPts val="500"/>
+              </a:spcBef>
+              <a:buClr>
+                <a:schemeClr val="tx1">
+                  <a:lumMod val="85000"/>
+                  <a:lumOff val="15000"/>
+                </a:schemeClr>
+              </a:buClr>
+              <a:buFont typeface="Garamond" pitchFamily="18" charset="0"/>
+              <a:buChar char="◦"/>
+              <a:defRPr sz="1400" kern="1200">
+                <a:solidFill>
+                  <a:schemeClr val="tx1"/>
+                </a:solidFill>
+                <a:latin typeface="+mn-lt"/>
+                <a:ea typeface="+mn-ea"/>
+                <a:cs typeface="+mn-cs"/>
+              </a:defRPr>
+            </a:lvl6pPr>
+            <a:lvl7pPr marL="1900000" indent="-228600" algn="l" defTabSz="914400" rtl="0" eaLnBrk="1" latinLnBrk="0" hangingPunct="1">
+              <a:lnSpc>
+                <a:spcPct val="100000"/>
+              </a:lnSpc>
+              <a:spcBef>
+                <a:spcPts val="500"/>
+              </a:spcBef>
+              <a:buClr>
+                <a:schemeClr val="tx1">
+                  <a:lumMod val="85000"/>
+                  <a:lumOff val="15000"/>
+                </a:schemeClr>
+              </a:buClr>
+              <a:buFont typeface="Garamond" pitchFamily="18" charset="0"/>
+              <a:buChar char="◦"/>
+              <a:defRPr sz="1400" kern="1200">
+                <a:solidFill>
+                  <a:schemeClr val="tx1"/>
+                </a:solidFill>
+                <a:latin typeface="+mn-lt"/>
+                <a:ea typeface="+mn-ea"/>
+                <a:cs typeface="+mn-cs"/>
+              </a:defRPr>
+            </a:lvl7pPr>
+            <a:lvl8pPr marL="2200000" indent="-228600" algn="l" defTabSz="914400" rtl="0" eaLnBrk="1" latinLnBrk="0" hangingPunct="1">
+              <a:lnSpc>
+                <a:spcPct val="100000"/>
+              </a:lnSpc>
+              <a:spcBef>
+                <a:spcPts val="500"/>
+              </a:spcBef>
+              <a:buClr>
+                <a:schemeClr val="tx1">
+                  <a:lumMod val="85000"/>
+                  <a:lumOff val="15000"/>
+                </a:schemeClr>
+              </a:buClr>
+              <a:buFont typeface="Garamond" pitchFamily="18" charset="0"/>
+              <a:buChar char="◦"/>
+              <a:defRPr sz="1400" kern="1200">
+                <a:solidFill>
+                  <a:schemeClr val="tx1"/>
+                </a:solidFill>
+                <a:latin typeface="+mn-lt"/>
+                <a:ea typeface="+mn-ea"/>
+                <a:cs typeface="+mn-cs"/>
+              </a:defRPr>
+            </a:lvl8pPr>
+            <a:lvl9pPr marL="2500000" indent="-228600" algn="l" defTabSz="914400" rtl="0" eaLnBrk="1" latinLnBrk="0" hangingPunct="1">
+              <a:lnSpc>
+                <a:spcPct val="100000"/>
+              </a:lnSpc>
+              <a:spcBef>
+                <a:spcPts val="500"/>
+              </a:spcBef>
+              <a:buClr>
+                <a:schemeClr val="tx1">
+                  <a:lumMod val="85000"/>
+                  <a:lumOff val="15000"/>
+                </a:schemeClr>
+              </a:buClr>
+              <a:buFont typeface="Garamond" pitchFamily="18" charset="0"/>
+              <a:buChar char="◦"/>
+              <a:defRPr sz="1400" kern="1200">
+                <a:solidFill>
+                  <a:schemeClr val="tx1"/>
+                </a:solidFill>
+                <a:latin typeface="+mn-lt"/>
+                <a:ea typeface="+mn-ea"/>
+                <a:cs typeface="+mn-cs"/>
+              </a:defRPr>
+            </a:lvl9pPr>
+          </a:lstStyle>
+          <a:p>
+            <a:pPr marL="0" indent="0">
+              <a:buNone/>
+            </a:pPr>
+            <a:r>
+              <a:rPr lang="en-US" sz="1700" dirty="0">
+                <a:solidFill>
+                  <a:schemeClr val="bg2">
+                    <a:lumMod val="50000"/>
+                  </a:schemeClr>
+                </a:solidFill>
+                <a:latin typeface="-apple-system"/>
+              </a:rPr>
+              <a:t>Looking at this graph we can say which species is more endangered and approximate count. </a:t>
+            </a:r>
+          </a:p>
+          <a:p>
+            <a:pPr marL="0" indent="0">
+              <a:buNone/>
+            </a:pPr>
+            <a:r>
+              <a:rPr lang="en-US" sz="1700" dirty="0">
+                <a:solidFill>
+                  <a:schemeClr val="bg2">
+                    <a:lumMod val="50000"/>
+                  </a:schemeClr>
+                </a:solidFill>
+                <a:latin typeface="-apple-system"/>
+              </a:rPr>
+              <a:t>Those numbers are summarized from all the parks depending on their conservation status. </a:t>
+            </a:r>
+          </a:p>
+        </p:txBody>
+      </p:sp>
+    </p:spTree>
+    <p:extLst>
+      <p:ext uri="{BB962C8B-B14F-4D97-AF65-F5344CB8AC3E}">
+        <p14:creationId xmlns:p14="http://schemas.microsoft.com/office/powerpoint/2010/main" val="2431983955"/>
+      </p:ext>
+    </p:extLst>
+  </p:cSld>
+  <p:clrMapOvr>
+    <a:masterClrMapping/>
+  </p:clrMapOvr>
+</p:sld>
+</file>
+
+<file path=ppt/slides/slide7.xml><?xml version="1.0" encoding="utf-8"?>
+<p:sld xmlns:a="http://schemas.openxmlformats.org/drawingml/2006/main" xmlns:r="http://schemas.openxmlformats.org/officeDocument/2006/relationships" xmlns:p="http://schemas.openxmlformats.org/presentationml/2006/main">
+  <p:cSld>
+    <p:spTree>
+      <p:nvGrpSpPr>
+        <p:cNvPr id="1" name=""/>
+        <p:cNvGrpSpPr/>
+        <p:nvPr/>
+      </p:nvGrpSpPr>
+      <p:grpSpPr>
+        <a:xfrm>
+          <a:off x="0" y="0"/>
+          <a:ext cx="0" cy="0"/>
+          <a:chOff x="0" y="0"/>
+          <a:chExt cx="0" cy="0"/>
+        </a:xfrm>
+      </p:grpSpPr>
+      <p:sp>
+        <p:nvSpPr>
+          <p:cNvPr id="3" name="Content Placeholder 2">
+            <a:extLst>
+              <a:ext uri="{FF2B5EF4-FFF2-40B4-BE49-F238E27FC236}">
+                <a16:creationId xmlns:a16="http://schemas.microsoft.com/office/drawing/2014/main" id="{10C10BD0-E390-38F4-8451-846E8E0DAD2A}"/>
+              </a:ext>
+            </a:extLst>
+          </p:cNvPr>
+          <p:cNvSpPr>
+            <a:spLocks noGrp="1"/>
+          </p:cNvSpPr>
+          <p:nvPr>
+            <p:ph idx="1"/>
+          </p:nvPr>
+        </p:nvSpPr>
+        <p:spPr>
+          <a:xfrm>
+            <a:off x="1066800" y="559456"/>
+            <a:ext cx="10058400" cy="876054"/>
+          </a:xfrm>
+        </p:spPr>
+        <p:txBody>
+          <a:bodyPr>
+            <a:normAutofit/>
+          </a:bodyPr>
+          <a:lstStyle/>
+          <a:p>
+            <a:pPr>
+              <a:buFont typeface="Wingdings" panose="05000000000000000000" pitchFamily="2" charset="2"/>
+              <a:buChar char="q"/>
+            </a:pPr>
+            <a:r>
+              <a:rPr lang="en-US" sz="1700" i="0" dirty="0">
+                <a:solidFill>
+                  <a:schemeClr val="bg2">
+                    <a:lumMod val="50000"/>
+                  </a:schemeClr>
+                </a:solidFill>
+                <a:effectLst/>
+                <a:latin typeface="-apple-system"/>
+              </a:rPr>
+              <a:t>Are certain types of species more likely to be endangered?</a:t>
+            </a:r>
+          </a:p>
+          <a:p>
+            <a:pPr marL="0" indent="0">
+              <a:buNone/>
+            </a:pPr>
+            <a:r>
+              <a:rPr lang="en-US" sz="1700" dirty="0">
+                <a:solidFill>
+                  <a:schemeClr val="bg2">
+                    <a:lumMod val="50000"/>
+                  </a:schemeClr>
+                </a:solidFill>
+                <a:latin typeface="-apple-system"/>
+              </a:rPr>
+              <a:t>For this question first we need to count how many unique species in each conservation status. </a:t>
+            </a:r>
+          </a:p>
+          <a:p>
+            <a:pPr marL="0" indent="0">
+              <a:buNone/>
+            </a:pPr>
+            <a:endParaRPr lang="en-US" sz="1700" i="0" dirty="0">
+              <a:solidFill>
+                <a:schemeClr val="bg2">
+                  <a:lumMod val="50000"/>
+                </a:schemeClr>
+              </a:solidFill>
+              <a:effectLst/>
+              <a:latin typeface="-apple-system"/>
+            </a:endParaRPr>
+          </a:p>
+        </p:txBody>
+      </p:sp>
+      <p:pic>
+        <p:nvPicPr>
+          <p:cNvPr id="6" name="Picture 5">
+            <a:extLst>
+              <a:ext uri="{FF2B5EF4-FFF2-40B4-BE49-F238E27FC236}">
+                <a16:creationId xmlns:a16="http://schemas.microsoft.com/office/drawing/2014/main" id="{B215F8D5-FEDC-1FA0-9632-289A4B938188}"/>
+              </a:ext>
+            </a:extLst>
+          </p:cNvPr>
+          <p:cNvPicPr>
+            <a:picLocks noChangeAspect="1"/>
+          </p:cNvPicPr>
+          <p:nvPr/>
+        </p:nvPicPr>
+        <p:blipFill>
+          <a:blip r:embed="rId2"/>
+          <a:stretch>
+            <a:fillRect/>
+          </a:stretch>
+        </p:blipFill>
+        <p:spPr>
+          <a:xfrm>
+            <a:off x="8598311" y="1381701"/>
+            <a:ext cx="3062748" cy="1870380"/>
+          </a:xfrm>
+          <a:prstGeom prst="rect">
+            <a:avLst/>
+          </a:prstGeom>
+        </p:spPr>
+      </p:pic>
+      <p:pic>
+        <p:nvPicPr>
+          <p:cNvPr id="8" name="Picture 7">
+            <a:extLst>
+              <a:ext uri="{FF2B5EF4-FFF2-40B4-BE49-F238E27FC236}">
+                <a16:creationId xmlns:a16="http://schemas.microsoft.com/office/drawing/2014/main" id="{CFCA60FF-163A-7217-BF42-9C73CE6E49D6}"/>
+              </a:ext>
+            </a:extLst>
+          </p:cNvPr>
+          <p:cNvPicPr>
+            <a:picLocks noChangeAspect="1"/>
+          </p:cNvPicPr>
+          <p:nvPr/>
+        </p:nvPicPr>
+        <p:blipFill>
+          <a:blip r:embed="rId3"/>
+          <a:stretch>
+            <a:fillRect/>
+          </a:stretch>
+        </p:blipFill>
+        <p:spPr>
+          <a:xfrm>
+            <a:off x="629265" y="1381701"/>
+            <a:ext cx="7876008" cy="3308285"/>
+          </a:xfrm>
+          <a:prstGeom prst="rect">
+            <a:avLst/>
+          </a:prstGeom>
+        </p:spPr>
+      </p:pic>
+      <p:sp>
+        <p:nvSpPr>
+          <p:cNvPr id="9" name="Content Placeholder 2">
+            <a:extLst>
+              <a:ext uri="{FF2B5EF4-FFF2-40B4-BE49-F238E27FC236}">
+                <a16:creationId xmlns:a16="http://schemas.microsoft.com/office/drawing/2014/main" id="{30E44F32-37D5-1F95-5F2C-2D7DF05573E3}"/>
+              </a:ext>
+            </a:extLst>
+          </p:cNvPr>
+          <p:cNvSpPr txBox="1">
+            <a:spLocks/>
+          </p:cNvSpPr>
+          <p:nvPr/>
+        </p:nvSpPr>
+        <p:spPr>
+          <a:xfrm>
+            <a:off x="7993626" y="4831570"/>
+            <a:ext cx="3667433" cy="1466974"/>
+          </a:xfrm>
+          <a:prstGeom prst="rect">
+            <a:avLst/>
+          </a:prstGeom>
+        </p:spPr>
+        <p:txBody>
+          <a:bodyPr vert="horz" lIns="91440" tIns="45720" rIns="91440" bIns="45720" rtlCol="0">
+            <a:normAutofit/>
+          </a:bodyPr>
+          <a:lstStyle>
+            <a:lvl1pPr marL="182880" indent="-182880" algn="l" defTabSz="914400" rtl="0" eaLnBrk="1" latinLnBrk="0" hangingPunct="1">
+              <a:lnSpc>
+                <a:spcPct val="110000"/>
+              </a:lnSpc>
+              <a:spcBef>
+                <a:spcPts val="900"/>
+              </a:spcBef>
+              <a:spcAft>
+                <a:spcPts val="0"/>
+              </a:spcAft>
+              <a:buClr>
+                <a:schemeClr val="tx1">
+                  <a:lumMod val="85000"/>
+                  <a:lumOff val="15000"/>
+                </a:schemeClr>
+              </a:buClr>
+              <a:buFont typeface="Garamond" pitchFamily="18" charset="0"/>
+              <a:buChar char="◦"/>
+              <a:defRPr sz="1500" kern="1200">
+                <a:solidFill>
+                  <a:schemeClr val="tx1"/>
+                </a:solidFill>
+                <a:latin typeface="+mn-lt"/>
+                <a:ea typeface="+mn-ea"/>
+                <a:cs typeface="+mn-cs"/>
+              </a:defRPr>
+            </a:lvl1pPr>
+            <a:lvl2pPr marL="457200" indent="-182880" algn="l" defTabSz="914400" rtl="0" eaLnBrk="1" latinLnBrk="0" hangingPunct="1">
+              <a:lnSpc>
+                <a:spcPct val="110000"/>
+              </a:lnSpc>
+              <a:spcBef>
+                <a:spcPts val="500"/>
+              </a:spcBef>
+              <a:buClr>
+                <a:schemeClr val="tx1">
+                  <a:lumMod val="85000"/>
+                  <a:lumOff val="15000"/>
+                </a:schemeClr>
+              </a:buClr>
+              <a:buFont typeface="Garamond" pitchFamily="18" charset="0"/>
+              <a:buChar char="◦"/>
+              <a:defRPr sz="1300" kern="1200">
+                <a:solidFill>
+                  <a:schemeClr val="tx1"/>
+                </a:solidFill>
+                <a:latin typeface="+mn-lt"/>
+                <a:ea typeface="+mn-ea"/>
+                <a:cs typeface="+mn-cs"/>
+              </a:defRPr>
+            </a:lvl2pPr>
+            <a:lvl3pPr marL="731520" indent="-182880" algn="l" defTabSz="914400" rtl="0" eaLnBrk="1" latinLnBrk="0" hangingPunct="1">
+              <a:lnSpc>
+                <a:spcPct val="110000"/>
+              </a:lnSpc>
+              <a:spcBef>
+                <a:spcPts val="500"/>
+              </a:spcBef>
+              <a:buClr>
+                <a:schemeClr val="tx1">
+                  <a:lumMod val="85000"/>
+                  <a:lumOff val="15000"/>
+                </a:schemeClr>
+              </a:buClr>
+              <a:buFont typeface="Garamond" pitchFamily="18" charset="0"/>
+              <a:buChar char="◦"/>
+              <a:defRPr sz="1100" kern="1200">
+                <a:solidFill>
+                  <a:schemeClr val="tx1"/>
+                </a:solidFill>
+                <a:latin typeface="+mn-lt"/>
+                <a:ea typeface="+mn-ea"/>
+                <a:cs typeface="+mn-cs"/>
+              </a:defRPr>
+            </a:lvl3pPr>
+            <a:lvl4pPr marL="1005840" indent="-182880" algn="l" defTabSz="914400" rtl="0" eaLnBrk="1" latinLnBrk="0" hangingPunct="1">
+              <a:lnSpc>
+                <a:spcPct val="110000"/>
+              </a:lnSpc>
+              <a:spcBef>
+                <a:spcPts val="500"/>
+              </a:spcBef>
+              <a:buClr>
+                <a:schemeClr val="tx1">
+                  <a:lumMod val="85000"/>
+                  <a:lumOff val="15000"/>
+                </a:schemeClr>
+              </a:buClr>
+              <a:buFont typeface="Garamond" pitchFamily="18" charset="0"/>
+              <a:buChar char="◦"/>
+              <a:defRPr sz="1100" kern="1200">
+                <a:solidFill>
+                  <a:schemeClr val="tx1"/>
+                </a:solidFill>
+                <a:latin typeface="+mn-lt"/>
+                <a:ea typeface="+mn-ea"/>
+                <a:cs typeface="+mn-cs"/>
+              </a:defRPr>
+            </a:lvl4pPr>
+            <a:lvl5pPr marL="1280160" indent="-182880" algn="l" defTabSz="914400" rtl="0" eaLnBrk="1" latinLnBrk="0" hangingPunct="1">
+              <a:lnSpc>
+                <a:spcPct val="110000"/>
+              </a:lnSpc>
+              <a:spcBef>
+                <a:spcPts val="500"/>
+              </a:spcBef>
+              <a:buClr>
+                <a:schemeClr val="tx1">
+                  <a:lumMod val="85000"/>
+                  <a:lumOff val="15000"/>
+                </a:schemeClr>
+              </a:buClr>
+              <a:buFont typeface="Garamond" pitchFamily="18" charset="0"/>
+              <a:buChar char="◦"/>
+              <a:defRPr sz="1100" kern="1200">
+                <a:solidFill>
+                  <a:schemeClr val="tx1"/>
+                </a:solidFill>
+                <a:latin typeface="+mn-lt"/>
+                <a:ea typeface="+mn-ea"/>
+                <a:cs typeface="+mn-cs"/>
+              </a:defRPr>
+            </a:lvl5pPr>
+            <a:lvl6pPr marL="1600000" indent="-228600" algn="l" defTabSz="914400" rtl="0" eaLnBrk="1" latinLnBrk="0" hangingPunct="1">
+              <a:lnSpc>
+                <a:spcPct val="100000"/>
+              </a:lnSpc>
+              <a:spcBef>
+                <a:spcPts val="500"/>
+              </a:spcBef>
+              <a:buClr>
+                <a:schemeClr val="tx1">
+                  <a:lumMod val="85000"/>
+                  <a:lumOff val="15000"/>
+                </a:schemeClr>
+              </a:buClr>
+              <a:buFont typeface="Garamond" pitchFamily="18" charset="0"/>
+              <a:buChar char="◦"/>
+              <a:defRPr sz="1400" kern="1200">
+                <a:solidFill>
+                  <a:schemeClr val="tx1"/>
+                </a:solidFill>
+                <a:latin typeface="+mn-lt"/>
+                <a:ea typeface="+mn-ea"/>
+                <a:cs typeface="+mn-cs"/>
+              </a:defRPr>
+            </a:lvl6pPr>
+            <a:lvl7pPr marL="1900000" indent="-228600" algn="l" defTabSz="914400" rtl="0" eaLnBrk="1" latinLnBrk="0" hangingPunct="1">
+              <a:lnSpc>
+                <a:spcPct val="100000"/>
+              </a:lnSpc>
+              <a:spcBef>
+                <a:spcPts val="500"/>
+              </a:spcBef>
+              <a:buClr>
+                <a:schemeClr val="tx1">
+                  <a:lumMod val="85000"/>
+                  <a:lumOff val="15000"/>
+                </a:schemeClr>
+              </a:buClr>
+              <a:buFont typeface="Garamond" pitchFamily="18" charset="0"/>
+              <a:buChar char="◦"/>
+              <a:defRPr sz="1400" kern="1200">
+                <a:solidFill>
+                  <a:schemeClr val="tx1"/>
+                </a:solidFill>
+                <a:latin typeface="+mn-lt"/>
+                <a:ea typeface="+mn-ea"/>
+                <a:cs typeface="+mn-cs"/>
+              </a:defRPr>
+            </a:lvl7pPr>
+            <a:lvl8pPr marL="2200000" indent="-228600" algn="l" defTabSz="914400" rtl="0" eaLnBrk="1" latinLnBrk="0" hangingPunct="1">
+              <a:lnSpc>
+                <a:spcPct val="100000"/>
+              </a:lnSpc>
+              <a:spcBef>
+                <a:spcPts val="500"/>
+              </a:spcBef>
+              <a:buClr>
+                <a:schemeClr val="tx1">
+                  <a:lumMod val="85000"/>
+                  <a:lumOff val="15000"/>
+                </a:schemeClr>
+              </a:buClr>
+              <a:buFont typeface="Garamond" pitchFamily="18" charset="0"/>
+              <a:buChar char="◦"/>
+              <a:defRPr sz="1400" kern="1200">
+                <a:solidFill>
+                  <a:schemeClr val="tx1"/>
+                </a:solidFill>
+                <a:latin typeface="+mn-lt"/>
+                <a:ea typeface="+mn-ea"/>
+                <a:cs typeface="+mn-cs"/>
+              </a:defRPr>
+            </a:lvl8pPr>
+            <a:lvl9pPr marL="2500000" indent="-228600" algn="l" defTabSz="914400" rtl="0" eaLnBrk="1" latinLnBrk="0" hangingPunct="1">
+              <a:lnSpc>
+                <a:spcPct val="100000"/>
+              </a:lnSpc>
+              <a:spcBef>
+                <a:spcPts val="500"/>
+              </a:spcBef>
+              <a:buClr>
+                <a:schemeClr val="tx1">
+                  <a:lumMod val="85000"/>
+                  <a:lumOff val="15000"/>
+                </a:schemeClr>
+              </a:buClr>
+              <a:buFont typeface="Garamond" pitchFamily="18" charset="0"/>
+              <a:buChar char="◦"/>
+              <a:defRPr sz="1400" kern="1200">
+                <a:solidFill>
+                  <a:schemeClr val="tx1"/>
+                </a:solidFill>
+                <a:latin typeface="+mn-lt"/>
+                <a:ea typeface="+mn-ea"/>
+                <a:cs typeface="+mn-cs"/>
+              </a:defRPr>
+            </a:lvl9pPr>
+          </a:lstStyle>
+          <a:p>
+            <a:pPr marL="0" indent="0">
+              <a:buNone/>
+            </a:pPr>
+            <a:r>
+              <a:rPr lang="en-US" sz="1700" dirty="0">
+                <a:solidFill>
+                  <a:schemeClr val="bg2">
+                    <a:lumMod val="50000"/>
+                  </a:schemeClr>
+                </a:solidFill>
+                <a:latin typeface="-apple-system"/>
+              </a:rPr>
+              <a:t>Those species, which doesn't have Conservation Status “No Intervention” - are not protected and might have higher chance to be endangered.</a:t>
+            </a:r>
+          </a:p>
+        </p:txBody>
+      </p:sp>
+    </p:spTree>
+    <p:extLst>
+      <p:ext uri="{BB962C8B-B14F-4D97-AF65-F5344CB8AC3E}">
+        <p14:creationId xmlns:p14="http://schemas.microsoft.com/office/powerpoint/2010/main" val="3182010727"/>
+      </p:ext>
+    </p:extLst>
+  </p:cSld>
+  <p:clrMapOvr>
+    <a:masterClrMapping/>
+  </p:clrMapOvr>
+</p:sld>
+</file>
+
 <file path=ppt/theme/theme1.xml><?xml version="1.0" encoding="utf-8"?>
 <a:theme xmlns:a="http://schemas.openxmlformats.org/drawingml/2006/main" name="SavonVTI">
   <a:themeElements>

--- a/Project Presentation.pptx
+++ b/Project Presentation.pptx
@@ -12,6 +12,7 @@
     <p:sldId id="260" r:id="rId6"/>
     <p:sldId id="261" r:id="rId7"/>
     <p:sldId id="262" r:id="rId8"/>
+    <p:sldId id="263" r:id="rId9"/>
   </p:sldIdLst>
   <p:sldSz cx="12192000" cy="6858000"/>
   <p:notesSz cx="6858000" cy="9144000"/>
@@ -6844,6 +6845,36 @@
 </p:sld>
 </file>
 
+<file path=ppt/slides/slide8.xml><?xml version="1.0" encoding="utf-8"?>
+<p:sld xmlns:a="http://schemas.openxmlformats.org/drawingml/2006/main" xmlns:r="http://schemas.openxmlformats.org/officeDocument/2006/relationships" xmlns:p="http://schemas.openxmlformats.org/presentationml/2006/main">
+  <p:cSld>
+    <p:spTree>
+      <p:nvGrpSpPr>
+        <p:cNvPr id="1" name=""/>
+        <p:cNvGrpSpPr/>
+        <p:nvPr/>
+      </p:nvGrpSpPr>
+      <p:grpSpPr>
+        <a:xfrm>
+          <a:off x="0" y="0"/>
+          <a:ext cx="0" cy="0"/>
+          <a:chOff x="0" y="0"/>
+          <a:chExt cx="0" cy="0"/>
+        </a:xfrm>
+      </p:grpSpPr>
+    </p:spTree>
+    <p:extLst>
+      <p:ext uri="{BB962C8B-B14F-4D97-AF65-F5344CB8AC3E}">
+        <p14:creationId xmlns:p14="http://schemas.microsoft.com/office/powerpoint/2010/main" val="3720795522"/>
+      </p:ext>
+    </p:extLst>
+  </p:cSld>
+  <p:clrMapOvr>
+    <a:masterClrMapping/>
+  </p:clrMapOvr>
+</p:sld>
+</file>
+
 <file path=ppt/theme/theme1.xml><?xml version="1.0" encoding="utf-8"?>
 <a:theme xmlns:a="http://schemas.openxmlformats.org/drawingml/2006/main" name="SavonVTI">
   <a:themeElements>

--- a/Project Presentation.pptx
+++ b/Project Presentation.pptx
@@ -13,6 +13,9 @@
     <p:sldId id="261" r:id="rId7"/>
     <p:sldId id="262" r:id="rId8"/>
     <p:sldId id="263" r:id="rId9"/>
+    <p:sldId id="264" r:id="rId10"/>
+    <p:sldId id="265" r:id="rId11"/>
+    <p:sldId id="266" r:id="rId12"/>
   </p:sldIdLst>
   <p:sldSz cx="12192000" cy="6858000"/>
   <p:notesSz cx="6858000" cy="9144000"/>
@@ -4958,6 +4961,596 @@
 </p:sld>
 </file>
 
+<file path=ppt/slides/slide10.xml><?xml version="1.0" encoding="utf-8"?>
+<p:sld xmlns:a="http://schemas.openxmlformats.org/drawingml/2006/main" xmlns:r="http://schemas.openxmlformats.org/officeDocument/2006/relationships" xmlns:p="http://schemas.openxmlformats.org/presentationml/2006/main">
+  <p:cSld>
+    <p:bg>
+      <p:bgPr>
+        <a:solidFill>
+          <a:schemeClr val="bg1"/>
+        </a:solidFill>
+        <a:effectLst/>
+      </p:bgPr>
+    </p:bg>
+    <p:spTree>
+      <p:nvGrpSpPr>
+        <p:cNvPr id="1" name=""/>
+        <p:cNvGrpSpPr/>
+        <p:nvPr/>
+      </p:nvGrpSpPr>
+      <p:grpSpPr>
+        <a:xfrm>
+          <a:off x="0" y="0"/>
+          <a:ext cx="0" cy="0"/>
+          <a:chOff x="0" y="0"/>
+          <a:chExt cx="0" cy="0"/>
+        </a:xfrm>
+      </p:grpSpPr>
+      <p:sp>
+        <p:nvSpPr>
+          <p:cNvPr id="16" name="Rectangle 10">
+            <a:extLst>
+              <a:ext uri="{FF2B5EF4-FFF2-40B4-BE49-F238E27FC236}">
+                <a16:creationId xmlns:a16="http://schemas.microsoft.com/office/drawing/2014/main" id="{282E2A95-1A08-4118-83C6-B1CA5648E075}"/>
+              </a:ext>
+              <a:ext uri="{C183D7F6-B498-43B3-948B-1728B52AA6E4}">
+                <adec:decorative xmlns:adec="http://schemas.microsoft.com/office/drawing/2017/decorative" val="1"/>
+              </a:ext>
+            </a:extLst>
+          </p:cNvPr>
+          <p:cNvSpPr>
+            <a:spLocks noGrp="1" noRot="1" noChangeAspect="1" noMove="1" noResize="1" noEditPoints="1" noAdjustHandles="1" noChangeArrowheads="1" noChangeShapeType="1" noTextEdit="1"/>
+          </p:cNvSpPr>
+          <p:nvPr>
+            <p:extLst>
+              <p:ext uri="{386F3935-93C4-4BCD-93E2-E3B085C9AB24}">
+                <p16:designElem xmlns:p16="http://schemas.microsoft.com/office/powerpoint/2015/main" val="1"/>
+              </p:ext>
+            </p:extLst>
+          </p:nvPr>
+        </p:nvSpPr>
+        <p:spPr>
+          <a:xfrm>
+            <a:off x="0" y="0"/>
+            <a:ext cx="12192000" cy="6858000"/>
+          </a:xfrm>
+          <a:prstGeom prst="rect">
+            <a:avLst/>
+          </a:prstGeom>
+          <a:ln>
+            <a:noFill/>
+          </a:ln>
+        </p:spPr>
+        <p:style>
+          <a:lnRef idx="2">
+            <a:schemeClr val="accent1">
+              <a:shade val="50000"/>
+            </a:schemeClr>
+          </a:lnRef>
+          <a:fillRef idx="1001">
+            <a:schemeClr val="lt1"/>
+          </a:fillRef>
+          <a:effectRef idx="0">
+            <a:schemeClr val="accent1"/>
+          </a:effectRef>
+          <a:fontRef idx="minor">
+            <a:schemeClr val="lt1"/>
+          </a:fontRef>
+        </p:style>
+        <p:txBody>
+          <a:bodyPr rtlCol="0" anchor="ctr"/>
+          <a:lstStyle/>
+          <a:p>
+            <a:pPr algn="ctr"/>
+            <a:endParaRPr lang="en-US"/>
+          </a:p>
+        </p:txBody>
+      </p:sp>
+      <p:sp>
+        <p:nvSpPr>
+          <p:cNvPr id="18" name="Rectangle 12">
+            <a:extLst>
+              <a:ext uri="{FF2B5EF4-FFF2-40B4-BE49-F238E27FC236}">
+                <a16:creationId xmlns:a16="http://schemas.microsoft.com/office/drawing/2014/main" id="{68DC0EC7-60EA-4BD3-BC04-D547DE1B2891}"/>
+              </a:ext>
+              <a:ext uri="{C183D7F6-B498-43B3-948B-1728B52AA6E4}">
+                <adec:decorative xmlns:adec="http://schemas.microsoft.com/office/drawing/2017/decorative" val="1"/>
+              </a:ext>
+            </a:extLst>
+          </p:cNvPr>
+          <p:cNvSpPr>
+            <a:spLocks noGrp="1" noRot="1" noChangeAspect="1" noMove="1" noResize="1" noEditPoints="1" noAdjustHandles="1" noChangeArrowheads="1" noChangeShapeType="1" noTextEdit="1"/>
+          </p:cNvSpPr>
+          <p:nvPr>
+            <p:extLst>
+              <p:ext uri="{386F3935-93C4-4BCD-93E2-E3B085C9AB24}">
+                <p16:designElem xmlns:p16="http://schemas.microsoft.com/office/powerpoint/2015/main" val="1"/>
+              </p:ext>
+            </p:extLst>
+          </p:nvPr>
+        </p:nvSpPr>
+        <p:spPr>
+          <a:xfrm>
+            <a:off x="410122" y="413053"/>
+            <a:ext cx="8212114" cy="6064596"/>
+          </a:xfrm>
+          <a:prstGeom prst="rect">
+            <a:avLst/>
+          </a:prstGeom>
+          <a:noFill/>
+          <a:ln w="6350" cap="sq" cmpd="sng" algn="ctr">
+            <a:solidFill>
+              <a:srgbClr val="404040"/>
+            </a:solidFill>
+            <a:prstDash val="solid"/>
+            <a:miter lim="800000"/>
+          </a:ln>
+          <a:effectLst/>
+        </p:spPr>
+      </p:sp>
+      <p:pic>
+        <p:nvPicPr>
+          <p:cNvPr id="6" name="Picture 5">
+            <a:extLst>
+              <a:ext uri="{FF2B5EF4-FFF2-40B4-BE49-F238E27FC236}">
+                <a16:creationId xmlns:a16="http://schemas.microsoft.com/office/drawing/2014/main" id="{C2FF4EF2-A680-2375-ADDA-E8F49404DFF2}"/>
+              </a:ext>
+            </a:extLst>
+          </p:cNvPr>
+          <p:cNvPicPr>
+            <a:picLocks noChangeAspect="1"/>
+          </p:cNvPicPr>
+          <p:nvPr/>
+        </p:nvPicPr>
+        <p:blipFill>
+          <a:blip r:embed="rId2"/>
+          <a:stretch>
+            <a:fillRect/>
+          </a:stretch>
+        </p:blipFill>
+        <p:spPr>
+          <a:xfrm>
+            <a:off x="426190" y="2143145"/>
+            <a:ext cx="8196046" cy="2643223"/>
+          </a:xfrm>
+          <a:prstGeom prst="rect">
+            <a:avLst/>
+          </a:prstGeom>
+        </p:spPr>
+      </p:pic>
+      <p:sp>
+        <p:nvSpPr>
+          <p:cNvPr id="15" name="Rectangle 14">
+            <a:extLst>
+              <a:ext uri="{FF2B5EF4-FFF2-40B4-BE49-F238E27FC236}">
+                <a16:creationId xmlns:a16="http://schemas.microsoft.com/office/drawing/2014/main" id="{2FFEFC7E-85EE-4AC9-A351-FBEB13A1D622}"/>
+              </a:ext>
+              <a:ext uri="{C183D7F6-B498-43B3-948B-1728B52AA6E4}">
+                <adec:decorative xmlns:adec="http://schemas.microsoft.com/office/drawing/2017/decorative" val="1"/>
+              </a:ext>
+            </a:extLst>
+          </p:cNvPr>
+          <p:cNvSpPr>
+            <a:spLocks noGrp="1" noRot="1" noChangeAspect="1" noMove="1" noResize="1" noEditPoints="1" noAdjustHandles="1" noChangeArrowheads="1" noChangeShapeType="1" noTextEdit="1"/>
+          </p:cNvSpPr>
+          <p:nvPr>
+            <p:extLst>
+              <p:ext uri="{386F3935-93C4-4BCD-93E2-E3B085C9AB24}">
+                <p16:designElem xmlns:p16="http://schemas.microsoft.com/office/powerpoint/2015/main" val="1"/>
+              </p:ext>
+            </p:extLst>
+          </p:nvPr>
+        </p:nvSpPr>
+        <p:spPr>
+          <a:xfrm>
+            <a:off x="9020386" y="237744"/>
+            <a:ext cx="2926080" cy="6382512"/>
+          </a:xfrm>
+          <a:prstGeom prst="rect">
+            <a:avLst/>
+          </a:prstGeom>
+          <a:solidFill>
+            <a:schemeClr val="bg1">
+              <a:lumMod val="85000"/>
+              <a:alpha val="60000"/>
+            </a:schemeClr>
+          </a:solidFill>
+          <a:ln>
+            <a:noFill/>
+          </a:ln>
+        </p:spPr>
+        <p:style>
+          <a:lnRef idx="2">
+            <a:schemeClr val="accent1">
+              <a:shade val="50000"/>
+            </a:schemeClr>
+          </a:lnRef>
+          <a:fillRef idx="1">
+            <a:schemeClr val="accent1"/>
+          </a:fillRef>
+          <a:effectRef idx="0">
+            <a:schemeClr val="accent1"/>
+          </a:effectRef>
+          <a:fontRef idx="minor">
+            <a:schemeClr val="lt1"/>
+          </a:fontRef>
+        </p:style>
+      </p:sp>
+      <p:sp>
+        <p:nvSpPr>
+          <p:cNvPr id="17" name="Rectangle 16">
+            <a:extLst>
+              <a:ext uri="{FF2B5EF4-FFF2-40B4-BE49-F238E27FC236}">
+                <a16:creationId xmlns:a16="http://schemas.microsoft.com/office/drawing/2014/main" id="{CB2511BB-FC4C-45F3-94EB-661D6806C942}"/>
+              </a:ext>
+              <a:ext uri="{C183D7F6-B498-43B3-948B-1728B52AA6E4}">
+                <adec:decorative xmlns:adec="http://schemas.microsoft.com/office/drawing/2017/decorative" val="1"/>
+              </a:ext>
+            </a:extLst>
+          </p:cNvPr>
+          <p:cNvSpPr>
+            <a:spLocks noGrp="1" noRot="1" noChangeAspect="1" noMove="1" noResize="1" noEditPoints="1" noAdjustHandles="1" noChangeArrowheads="1" noChangeShapeType="1" noTextEdit="1"/>
+          </p:cNvSpPr>
+          <p:nvPr>
+            <p:extLst>
+              <p:ext uri="{386F3935-93C4-4BCD-93E2-E3B085C9AB24}">
+                <p16:designElem xmlns:p16="http://schemas.microsoft.com/office/powerpoint/2015/main" val="1"/>
+              </p:ext>
+            </p:extLst>
+          </p:nvPr>
+        </p:nvSpPr>
+        <p:spPr>
+          <a:xfrm>
+            <a:off x="9156699" y="413053"/>
+            <a:ext cx="2616201" cy="6064596"/>
+          </a:xfrm>
+          <a:prstGeom prst="rect">
+            <a:avLst/>
+          </a:prstGeom>
+          <a:noFill/>
+          <a:ln w="6350">
+            <a:solidFill>
+              <a:schemeClr val="tx1">
+                <a:lumMod val="75000"/>
+                <a:lumOff val="25000"/>
+              </a:schemeClr>
+            </a:solidFill>
+          </a:ln>
+        </p:spPr>
+        <p:style>
+          <a:lnRef idx="2">
+            <a:schemeClr val="accent1">
+              <a:shade val="50000"/>
+            </a:schemeClr>
+          </a:lnRef>
+          <a:fillRef idx="1">
+            <a:schemeClr val="accent1"/>
+          </a:fillRef>
+          <a:effectRef idx="0">
+            <a:schemeClr val="accent1"/>
+          </a:effectRef>
+          <a:fontRef idx="minor">
+            <a:schemeClr val="lt1"/>
+          </a:fontRef>
+        </p:style>
+        <p:txBody>
+          <a:bodyPr rtlCol="0" anchor="ctr"/>
+          <a:lstStyle/>
+          <a:p>
+            <a:pPr algn="ctr"/>
+            <a:endParaRPr lang="en-US"/>
+          </a:p>
+        </p:txBody>
+      </p:sp>
+      <p:sp>
+        <p:nvSpPr>
+          <p:cNvPr id="4" name="Content Placeholder 2">
+            <a:extLst>
+              <a:ext uri="{FF2B5EF4-FFF2-40B4-BE49-F238E27FC236}">
+                <a16:creationId xmlns:a16="http://schemas.microsoft.com/office/drawing/2014/main" id="{00322C13-412F-E652-E783-8308030713AF}"/>
+              </a:ext>
+            </a:extLst>
+          </p:cNvPr>
+          <p:cNvSpPr>
+            <a:spLocks noGrp="1"/>
+          </p:cNvSpPr>
+          <p:nvPr>
+            <p:ph idx="1"/>
+          </p:nvPr>
+        </p:nvSpPr>
+        <p:spPr>
+          <a:xfrm>
+            <a:off x="9308559" y="585173"/>
+            <a:ext cx="2312479" cy="5736969"/>
+          </a:xfrm>
+        </p:spPr>
+        <p:txBody>
+          <a:bodyPr>
+            <a:noAutofit/>
+          </a:bodyPr>
+          <a:lstStyle/>
+          <a:p>
+            <a:pPr marL="0" indent="0">
+              <a:buNone/>
+            </a:pPr>
+            <a:r>
+              <a:rPr lang="en-US" sz="1700" i="0" dirty="0">
+                <a:solidFill>
+                  <a:schemeClr val="bg2">
+                    <a:lumMod val="50000"/>
+                  </a:schemeClr>
+                </a:solidFill>
+                <a:effectLst/>
+                <a:latin typeface="-apple-system"/>
+              </a:rPr>
+              <a:t>We can see that the most prevalent animal in the data set is bat. Since bats have different species with different scientific names, we must find out which rows of species are referring to bats.</a:t>
+            </a:r>
+          </a:p>
+          <a:p>
+            <a:pPr marL="0" indent="0">
+              <a:buNone/>
+            </a:pPr>
+            <a:endParaRPr lang="en-US" sz="1700" dirty="0">
+              <a:solidFill>
+                <a:schemeClr val="bg2">
+                  <a:lumMod val="50000"/>
+                </a:schemeClr>
+              </a:solidFill>
+              <a:latin typeface="-apple-system"/>
+            </a:endParaRPr>
+          </a:p>
+          <a:p>
+            <a:pPr marL="0" indent="0">
+              <a:buNone/>
+            </a:pPr>
+            <a:r>
+              <a:rPr lang="en-US" sz="1700" i="0" dirty="0">
+                <a:solidFill>
+                  <a:schemeClr val="bg2">
+                    <a:lumMod val="50000"/>
+                  </a:schemeClr>
+                </a:solidFill>
+                <a:effectLst/>
+                <a:latin typeface="-apple-system"/>
+              </a:rPr>
+              <a:t>Now let's see each park broken down by protected bats vs. non-protected bat sightings. This we can visualize in plotted bar chart. </a:t>
+            </a:r>
+          </a:p>
+        </p:txBody>
+      </p:sp>
+    </p:spTree>
+    <p:extLst>
+      <p:ext uri="{BB962C8B-B14F-4D97-AF65-F5344CB8AC3E}">
+        <p14:creationId xmlns:p14="http://schemas.microsoft.com/office/powerpoint/2010/main" val="2796158254"/>
+      </p:ext>
+    </p:extLst>
+  </p:cSld>
+  <p:clrMapOvr>
+    <a:masterClrMapping/>
+  </p:clrMapOvr>
+</p:sld>
+</file>
+
+<file path=ppt/slides/slide11.xml><?xml version="1.0" encoding="utf-8"?>
+<p:sld xmlns:a="http://schemas.openxmlformats.org/drawingml/2006/main" xmlns:r="http://schemas.openxmlformats.org/officeDocument/2006/relationships" xmlns:p="http://schemas.openxmlformats.org/presentationml/2006/main">
+  <p:cSld>
+    <p:spTree>
+      <p:nvGrpSpPr>
+        <p:cNvPr id="1" name=""/>
+        <p:cNvGrpSpPr/>
+        <p:nvPr/>
+      </p:nvGrpSpPr>
+      <p:grpSpPr>
+        <a:xfrm>
+          <a:off x="0" y="0"/>
+          <a:ext cx="0" cy="0"/>
+          <a:chOff x="0" y="0"/>
+          <a:chExt cx="0" cy="0"/>
+        </a:xfrm>
+      </p:grpSpPr>
+      <p:sp>
+        <p:nvSpPr>
+          <p:cNvPr id="4" name="Content Placeholder 2">
+            <a:extLst>
+              <a:ext uri="{FF2B5EF4-FFF2-40B4-BE49-F238E27FC236}">
+                <a16:creationId xmlns:a16="http://schemas.microsoft.com/office/drawing/2014/main" id="{E9910379-9D05-D50E-8C54-7EA3A753928A}"/>
+              </a:ext>
+            </a:extLst>
+          </p:cNvPr>
+          <p:cNvSpPr>
+            <a:spLocks noGrp="1"/>
+          </p:cNvSpPr>
+          <p:nvPr>
+            <p:ph idx="1"/>
+          </p:nvPr>
+        </p:nvSpPr>
+        <p:spPr>
+          <a:xfrm>
+            <a:off x="1066799" y="1526458"/>
+            <a:ext cx="10486103" cy="2721078"/>
+          </a:xfrm>
+        </p:spPr>
+        <p:txBody>
+          <a:bodyPr>
+            <a:noAutofit/>
+          </a:bodyPr>
+          <a:lstStyle/>
+          <a:p>
+            <a:pPr marL="0" indent="0">
+              <a:buNone/>
+            </a:pPr>
+            <a:r>
+              <a:rPr lang="en-US" sz="1700" i="0" dirty="0">
+                <a:solidFill>
+                  <a:schemeClr val="bg2">
+                    <a:lumMod val="50000"/>
+                  </a:schemeClr>
+                </a:solidFill>
+                <a:effectLst/>
+                <a:latin typeface="-apple-system"/>
+              </a:rPr>
+              <a:t>Technical analysis we can meet in everyday life and in any field. Those knowledge can be used in different circumstances. </a:t>
+            </a:r>
+          </a:p>
+          <a:p>
+            <a:pPr marL="0" indent="0">
+              <a:buNone/>
+            </a:pPr>
+            <a:r>
+              <a:rPr lang="en-US" sz="1700" dirty="0">
+                <a:solidFill>
+                  <a:schemeClr val="bg2">
+                    <a:lumMod val="50000"/>
+                  </a:schemeClr>
+                </a:solidFill>
+                <a:latin typeface="-apple-system"/>
+              </a:rPr>
+              <a:t>Most important to understand the subject, main points and create a clear plan for analyzing data. As a data analysts we can understand the code, however, to show it to the clients – visualization plays a key part. This way we can show through graph, table or any other kind of plotting – the main points and answer on the question easier and more understandable way. </a:t>
+            </a:r>
+          </a:p>
+          <a:p>
+            <a:pPr marL="0" indent="0">
+              <a:buNone/>
+            </a:pPr>
+            <a:r>
+              <a:rPr lang="en-US" sz="1700" i="0" dirty="0">
+                <a:solidFill>
+                  <a:schemeClr val="bg2">
+                    <a:lumMod val="50000"/>
+                  </a:schemeClr>
+                </a:solidFill>
+                <a:effectLst/>
+                <a:latin typeface="-apple-system"/>
+              </a:rPr>
+              <a:t>This project helped to practice on real numbers and ru</a:t>
+            </a:r>
+            <a:r>
+              <a:rPr lang="en-US" sz="1700" dirty="0">
+                <a:solidFill>
+                  <a:schemeClr val="bg2">
+                    <a:lumMod val="50000"/>
+                  </a:schemeClr>
+                </a:solidFill>
+                <a:latin typeface="-apple-system"/>
+              </a:rPr>
+              <a:t>n analysis. Work close in </a:t>
+            </a:r>
+            <a:r>
+              <a:rPr lang="en-US" sz="1700" dirty="0" err="1">
+                <a:solidFill>
+                  <a:schemeClr val="bg2">
+                    <a:lumMod val="50000"/>
+                  </a:schemeClr>
+                </a:solidFill>
+                <a:latin typeface="-apple-system"/>
+              </a:rPr>
+              <a:t>Jyputer</a:t>
+            </a:r>
+            <a:r>
+              <a:rPr lang="en-US" sz="1700" dirty="0">
+                <a:solidFill>
+                  <a:schemeClr val="bg2">
+                    <a:lumMod val="50000"/>
+                  </a:schemeClr>
+                </a:solidFill>
+                <a:latin typeface="-apple-system"/>
+              </a:rPr>
+              <a:t> notebook and learn more detailed some of python libraries, become familiar with data analysis workflow.</a:t>
+            </a:r>
+          </a:p>
+          <a:p>
+            <a:pPr marL="0" indent="0">
+              <a:buNone/>
+            </a:pPr>
+            <a:endParaRPr lang="en-US" sz="1700" dirty="0">
+              <a:solidFill>
+                <a:schemeClr val="bg2">
+                  <a:lumMod val="50000"/>
+                </a:schemeClr>
+              </a:solidFill>
+              <a:latin typeface="-apple-system"/>
+            </a:endParaRPr>
+          </a:p>
+          <a:p>
+            <a:pPr marL="0" indent="0">
+              <a:buNone/>
+            </a:pPr>
+            <a:r>
+              <a:rPr lang="en-US" sz="1700" dirty="0">
+                <a:solidFill>
+                  <a:schemeClr val="bg2">
+                    <a:lumMod val="50000"/>
+                  </a:schemeClr>
+                </a:solidFill>
+                <a:latin typeface="-apple-system"/>
+              </a:rPr>
+              <a:t> </a:t>
+            </a:r>
+            <a:endParaRPr lang="en-US" sz="1700" i="0" dirty="0">
+              <a:solidFill>
+                <a:schemeClr val="bg2">
+                  <a:lumMod val="50000"/>
+                </a:schemeClr>
+              </a:solidFill>
+              <a:effectLst/>
+              <a:latin typeface="-apple-system"/>
+            </a:endParaRPr>
+          </a:p>
+        </p:txBody>
+      </p:sp>
+      <p:sp>
+        <p:nvSpPr>
+          <p:cNvPr id="5" name="Title 1">
+            <a:extLst>
+              <a:ext uri="{FF2B5EF4-FFF2-40B4-BE49-F238E27FC236}">
+                <a16:creationId xmlns:a16="http://schemas.microsoft.com/office/drawing/2014/main" id="{AEE1F2F8-905E-B341-C203-8CB755B71C2F}"/>
+              </a:ext>
+            </a:extLst>
+          </p:cNvPr>
+          <p:cNvSpPr>
+            <a:spLocks noGrp="1"/>
+          </p:cNvSpPr>
+          <p:nvPr>
+            <p:ph type="title"/>
+          </p:nvPr>
+        </p:nvSpPr>
+        <p:spPr>
+          <a:xfrm>
+            <a:off x="1066800" y="642594"/>
+            <a:ext cx="10058400" cy="733922"/>
+          </a:xfrm>
+        </p:spPr>
+        <p:txBody>
+          <a:bodyPr/>
+          <a:lstStyle/>
+          <a:p>
+            <a:r>
+              <a:rPr lang="en-US" dirty="0">
+                <a:solidFill>
+                  <a:schemeClr val="accent2">
+                    <a:lumMod val="50000"/>
+                  </a:schemeClr>
+                </a:solidFill>
+              </a:rPr>
+              <a:t>5. Conclusions. </a:t>
+            </a:r>
+            <a:endParaRPr lang="en-US" dirty="0"/>
+          </a:p>
+        </p:txBody>
+      </p:sp>
+    </p:spTree>
+    <p:extLst>
+      <p:ext uri="{BB962C8B-B14F-4D97-AF65-F5344CB8AC3E}">
+        <p14:creationId xmlns:p14="http://schemas.microsoft.com/office/powerpoint/2010/main" val="1360990340"/>
+      </p:ext>
+    </p:extLst>
+  </p:cSld>
+  <p:clrMapOvr>
+    <a:masterClrMapping/>
+  </p:clrMapOvr>
+</p:sld>
+</file>
+
 <file path=ppt/slides/slide2.xml><?xml version="1.0" encoding="utf-8"?>
 <p:sld xmlns:a="http://schemas.openxmlformats.org/drawingml/2006/main" xmlns:r="http://schemas.openxmlformats.org/officeDocument/2006/relationships" xmlns:p="http://schemas.openxmlformats.org/presentationml/2006/main">
   <p:cSld>
@@ -6023,7 +6616,12 @@
             <p:ph type="title"/>
           </p:nvPr>
         </p:nvSpPr>
-        <p:spPr/>
+        <p:spPr>
+          <a:xfrm>
+            <a:off x="1066800" y="642594"/>
+            <a:ext cx="10058400" cy="733922"/>
+          </a:xfrm>
+        </p:spPr>
         <p:txBody>
           <a:bodyPr/>
           <a:lstStyle/>
@@ -6036,7 +6634,7 @@
                   </a:schemeClr>
                 </a:solidFill>
               </a:rPr>
-              <a:t>4. Graphs for the visual analysis. </a:t>
+              <a:t>4. Graphs/ Tables for the visual analysis. </a:t>
             </a:r>
             <a:endParaRPr lang="en-US" dirty="0"/>
           </a:p>
@@ -6862,10 +7460,658 @@
           <a:chExt cx="0" cy="0"/>
         </a:xfrm>
       </p:grpSpPr>
+      <p:sp>
+        <p:nvSpPr>
+          <p:cNvPr id="4" name="Content Placeholder 2">
+            <a:extLst>
+              <a:ext uri="{FF2B5EF4-FFF2-40B4-BE49-F238E27FC236}">
+                <a16:creationId xmlns:a16="http://schemas.microsoft.com/office/drawing/2014/main" id="{D8405493-A4EB-EF9A-EE24-EA2C01B1FD9F}"/>
+              </a:ext>
+            </a:extLst>
+          </p:cNvPr>
+          <p:cNvSpPr>
+            <a:spLocks noGrp="1"/>
+          </p:cNvSpPr>
+          <p:nvPr>
+            <p:ph idx="1"/>
+          </p:nvPr>
+        </p:nvSpPr>
+        <p:spPr>
+          <a:xfrm>
+            <a:off x="1066800" y="559456"/>
+            <a:ext cx="10058400" cy="876054"/>
+          </a:xfrm>
+        </p:spPr>
+        <p:txBody>
+          <a:bodyPr>
+            <a:normAutofit/>
+          </a:bodyPr>
+          <a:lstStyle/>
+          <a:p>
+            <a:pPr>
+              <a:buFont typeface="Wingdings" panose="05000000000000000000" pitchFamily="2" charset="2"/>
+              <a:buChar char="q"/>
+            </a:pPr>
+            <a:r>
+              <a:rPr lang="en-US" sz="1700" i="0" dirty="0">
+                <a:solidFill>
+                  <a:schemeClr val="bg2">
+                    <a:lumMod val="50000"/>
+                  </a:schemeClr>
+                </a:solidFill>
+                <a:effectLst/>
+                <a:latin typeface="-apple-system"/>
+              </a:rPr>
+              <a:t>Which park has the highest and the lowest number of mammals ?</a:t>
+            </a:r>
+          </a:p>
+          <a:p>
+            <a:pPr marL="0" indent="0">
+              <a:buNone/>
+            </a:pPr>
+            <a:r>
+              <a:rPr lang="en-US" sz="1700" dirty="0">
+                <a:solidFill>
+                  <a:schemeClr val="bg2">
+                    <a:lumMod val="50000"/>
+                  </a:schemeClr>
+                </a:solidFill>
+                <a:latin typeface="-apple-system"/>
+              </a:rPr>
+              <a:t>This question we visualized in the table view. </a:t>
+            </a:r>
+          </a:p>
+          <a:p>
+            <a:pPr marL="0" indent="0">
+              <a:buNone/>
+            </a:pPr>
+            <a:endParaRPr lang="en-US" sz="1700" i="0" dirty="0">
+              <a:solidFill>
+                <a:schemeClr val="bg2">
+                  <a:lumMod val="50000"/>
+                </a:schemeClr>
+              </a:solidFill>
+              <a:effectLst/>
+              <a:latin typeface="-apple-system"/>
+            </a:endParaRPr>
+          </a:p>
+        </p:txBody>
+      </p:sp>
+      <p:pic>
+        <p:nvPicPr>
+          <p:cNvPr id="6" name="Picture 5">
+            <a:extLst>
+              <a:ext uri="{FF2B5EF4-FFF2-40B4-BE49-F238E27FC236}">
+                <a16:creationId xmlns:a16="http://schemas.microsoft.com/office/drawing/2014/main" id="{9D0A8645-E7EB-68EF-C9E0-DB7D4D2C10AB}"/>
+              </a:ext>
+            </a:extLst>
+          </p:cNvPr>
+          <p:cNvPicPr>
+            <a:picLocks noChangeAspect="1"/>
+          </p:cNvPicPr>
+          <p:nvPr/>
+        </p:nvPicPr>
+        <p:blipFill>
+          <a:blip r:embed="rId2"/>
+          <a:stretch>
+            <a:fillRect/>
+          </a:stretch>
+        </p:blipFill>
+        <p:spPr>
+          <a:xfrm>
+            <a:off x="559517" y="1435510"/>
+            <a:ext cx="4228793" cy="1771747"/>
+          </a:xfrm>
+          <a:prstGeom prst="rect">
+            <a:avLst/>
+          </a:prstGeom>
+        </p:spPr>
+      </p:pic>
+      <p:sp>
+        <p:nvSpPr>
+          <p:cNvPr id="7" name="Content Placeholder 2">
+            <a:extLst>
+              <a:ext uri="{FF2B5EF4-FFF2-40B4-BE49-F238E27FC236}">
+                <a16:creationId xmlns:a16="http://schemas.microsoft.com/office/drawing/2014/main" id="{24C73D3C-A287-C3E4-F3C0-2A2089F679F2}"/>
+              </a:ext>
+            </a:extLst>
+          </p:cNvPr>
+          <p:cNvSpPr txBox="1">
+            <a:spLocks/>
+          </p:cNvSpPr>
+          <p:nvPr/>
+        </p:nvSpPr>
+        <p:spPr>
+          <a:xfrm>
+            <a:off x="5024284" y="1435510"/>
+            <a:ext cx="5029200" cy="1533832"/>
+          </a:xfrm>
+          <a:prstGeom prst="rect">
+            <a:avLst/>
+          </a:prstGeom>
+        </p:spPr>
+        <p:txBody>
+          <a:bodyPr vert="horz" lIns="91440" tIns="45720" rIns="91440" bIns="45720" rtlCol="0">
+            <a:normAutofit lnSpcReduction="10000"/>
+          </a:bodyPr>
+          <a:lstStyle>
+            <a:lvl1pPr marL="182880" indent="-182880" algn="l" defTabSz="914400" rtl="0" eaLnBrk="1" latinLnBrk="0" hangingPunct="1">
+              <a:lnSpc>
+                <a:spcPct val="110000"/>
+              </a:lnSpc>
+              <a:spcBef>
+                <a:spcPts val="900"/>
+              </a:spcBef>
+              <a:spcAft>
+                <a:spcPts val="0"/>
+              </a:spcAft>
+              <a:buClr>
+                <a:schemeClr val="tx1">
+                  <a:lumMod val="85000"/>
+                  <a:lumOff val="15000"/>
+                </a:schemeClr>
+              </a:buClr>
+              <a:buFont typeface="Garamond" pitchFamily="18" charset="0"/>
+              <a:buChar char="◦"/>
+              <a:defRPr sz="1500" kern="1200">
+                <a:solidFill>
+                  <a:schemeClr val="tx1"/>
+                </a:solidFill>
+                <a:latin typeface="+mn-lt"/>
+                <a:ea typeface="+mn-ea"/>
+                <a:cs typeface="+mn-cs"/>
+              </a:defRPr>
+            </a:lvl1pPr>
+            <a:lvl2pPr marL="457200" indent="-182880" algn="l" defTabSz="914400" rtl="0" eaLnBrk="1" latinLnBrk="0" hangingPunct="1">
+              <a:lnSpc>
+                <a:spcPct val="110000"/>
+              </a:lnSpc>
+              <a:spcBef>
+                <a:spcPts val="500"/>
+              </a:spcBef>
+              <a:buClr>
+                <a:schemeClr val="tx1">
+                  <a:lumMod val="85000"/>
+                  <a:lumOff val="15000"/>
+                </a:schemeClr>
+              </a:buClr>
+              <a:buFont typeface="Garamond" pitchFamily="18" charset="0"/>
+              <a:buChar char="◦"/>
+              <a:defRPr sz="1300" kern="1200">
+                <a:solidFill>
+                  <a:schemeClr val="tx1"/>
+                </a:solidFill>
+                <a:latin typeface="+mn-lt"/>
+                <a:ea typeface="+mn-ea"/>
+                <a:cs typeface="+mn-cs"/>
+              </a:defRPr>
+            </a:lvl2pPr>
+            <a:lvl3pPr marL="731520" indent="-182880" algn="l" defTabSz="914400" rtl="0" eaLnBrk="1" latinLnBrk="0" hangingPunct="1">
+              <a:lnSpc>
+                <a:spcPct val="110000"/>
+              </a:lnSpc>
+              <a:spcBef>
+                <a:spcPts val="500"/>
+              </a:spcBef>
+              <a:buClr>
+                <a:schemeClr val="tx1">
+                  <a:lumMod val="85000"/>
+                  <a:lumOff val="15000"/>
+                </a:schemeClr>
+              </a:buClr>
+              <a:buFont typeface="Garamond" pitchFamily="18" charset="0"/>
+              <a:buChar char="◦"/>
+              <a:defRPr sz="1100" kern="1200">
+                <a:solidFill>
+                  <a:schemeClr val="tx1"/>
+                </a:solidFill>
+                <a:latin typeface="+mn-lt"/>
+                <a:ea typeface="+mn-ea"/>
+                <a:cs typeface="+mn-cs"/>
+              </a:defRPr>
+            </a:lvl3pPr>
+            <a:lvl4pPr marL="1005840" indent="-182880" algn="l" defTabSz="914400" rtl="0" eaLnBrk="1" latinLnBrk="0" hangingPunct="1">
+              <a:lnSpc>
+                <a:spcPct val="110000"/>
+              </a:lnSpc>
+              <a:spcBef>
+                <a:spcPts val="500"/>
+              </a:spcBef>
+              <a:buClr>
+                <a:schemeClr val="tx1">
+                  <a:lumMod val="85000"/>
+                  <a:lumOff val="15000"/>
+                </a:schemeClr>
+              </a:buClr>
+              <a:buFont typeface="Garamond" pitchFamily="18" charset="0"/>
+              <a:buChar char="◦"/>
+              <a:defRPr sz="1100" kern="1200">
+                <a:solidFill>
+                  <a:schemeClr val="tx1"/>
+                </a:solidFill>
+                <a:latin typeface="+mn-lt"/>
+                <a:ea typeface="+mn-ea"/>
+                <a:cs typeface="+mn-cs"/>
+              </a:defRPr>
+            </a:lvl4pPr>
+            <a:lvl5pPr marL="1280160" indent="-182880" algn="l" defTabSz="914400" rtl="0" eaLnBrk="1" latinLnBrk="0" hangingPunct="1">
+              <a:lnSpc>
+                <a:spcPct val="110000"/>
+              </a:lnSpc>
+              <a:spcBef>
+                <a:spcPts val="500"/>
+              </a:spcBef>
+              <a:buClr>
+                <a:schemeClr val="tx1">
+                  <a:lumMod val="85000"/>
+                  <a:lumOff val="15000"/>
+                </a:schemeClr>
+              </a:buClr>
+              <a:buFont typeface="Garamond" pitchFamily="18" charset="0"/>
+              <a:buChar char="◦"/>
+              <a:defRPr sz="1100" kern="1200">
+                <a:solidFill>
+                  <a:schemeClr val="tx1"/>
+                </a:solidFill>
+                <a:latin typeface="+mn-lt"/>
+                <a:ea typeface="+mn-ea"/>
+                <a:cs typeface="+mn-cs"/>
+              </a:defRPr>
+            </a:lvl5pPr>
+            <a:lvl6pPr marL="1600000" indent="-228600" algn="l" defTabSz="914400" rtl="0" eaLnBrk="1" latinLnBrk="0" hangingPunct="1">
+              <a:lnSpc>
+                <a:spcPct val="100000"/>
+              </a:lnSpc>
+              <a:spcBef>
+                <a:spcPts val="500"/>
+              </a:spcBef>
+              <a:buClr>
+                <a:schemeClr val="tx1">
+                  <a:lumMod val="85000"/>
+                  <a:lumOff val="15000"/>
+                </a:schemeClr>
+              </a:buClr>
+              <a:buFont typeface="Garamond" pitchFamily="18" charset="0"/>
+              <a:buChar char="◦"/>
+              <a:defRPr sz="1400" kern="1200">
+                <a:solidFill>
+                  <a:schemeClr val="tx1"/>
+                </a:solidFill>
+                <a:latin typeface="+mn-lt"/>
+                <a:ea typeface="+mn-ea"/>
+                <a:cs typeface="+mn-cs"/>
+              </a:defRPr>
+            </a:lvl6pPr>
+            <a:lvl7pPr marL="1900000" indent="-228600" algn="l" defTabSz="914400" rtl="0" eaLnBrk="1" latinLnBrk="0" hangingPunct="1">
+              <a:lnSpc>
+                <a:spcPct val="100000"/>
+              </a:lnSpc>
+              <a:spcBef>
+                <a:spcPts val="500"/>
+              </a:spcBef>
+              <a:buClr>
+                <a:schemeClr val="tx1">
+                  <a:lumMod val="85000"/>
+                  <a:lumOff val="15000"/>
+                </a:schemeClr>
+              </a:buClr>
+              <a:buFont typeface="Garamond" pitchFamily="18" charset="0"/>
+              <a:buChar char="◦"/>
+              <a:defRPr sz="1400" kern="1200">
+                <a:solidFill>
+                  <a:schemeClr val="tx1"/>
+                </a:solidFill>
+                <a:latin typeface="+mn-lt"/>
+                <a:ea typeface="+mn-ea"/>
+                <a:cs typeface="+mn-cs"/>
+              </a:defRPr>
+            </a:lvl7pPr>
+            <a:lvl8pPr marL="2200000" indent="-228600" algn="l" defTabSz="914400" rtl="0" eaLnBrk="1" latinLnBrk="0" hangingPunct="1">
+              <a:lnSpc>
+                <a:spcPct val="100000"/>
+              </a:lnSpc>
+              <a:spcBef>
+                <a:spcPts val="500"/>
+              </a:spcBef>
+              <a:buClr>
+                <a:schemeClr val="tx1">
+                  <a:lumMod val="85000"/>
+                  <a:lumOff val="15000"/>
+                </a:schemeClr>
+              </a:buClr>
+              <a:buFont typeface="Garamond" pitchFamily="18" charset="0"/>
+              <a:buChar char="◦"/>
+              <a:defRPr sz="1400" kern="1200">
+                <a:solidFill>
+                  <a:schemeClr val="tx1"/>
+                </a:solidFill>
+                <a:latin typeface="+mn-lt"/>
+                <a:ea typeface="+mn-ea"/>
+                <a:cs typeface="+mn-cs"/>
+              </a:defRPr>
+            </a:lvl8pPr>
+            <a:lvl9pPr marL="2500000" indent="-228600" algn="l" defTabSz="914400" rtl="0" eaLnBrk="1" latinLnBrk="0" hangingPunct="1">
+              <a:lnSpc>
+                <a:spcPct val="100000"/>
+              </a:lnSpc>
+              <a:spcBef>
+                <a:spcPts val="500"/>
+              </a:spcBef>
+              <a:buClr>
+                <a:schemeClr val="tx1">
+                  <a:lumMod val="85000"/>
+                  <a:lumOff val="15000"/>
+                </a:schemeClr>
+              </a:buClr>
+              <a:buFont typeface="Garamond" pitchFamily="18" charset="0"/>
+              <a:buChar char="◦"/>
+              <a:defRPr sz="1400" kern="1200">
+                <a:solidFill>
+                  <a:schemeClr val="tx1"/>
+                </a:solidFill>
+                <a:latin typeface="+mn-lt"/>
+                <a:ea typeface="+mn-ea"/>
+                <a:cs typeface="+mn-cs"/>
+              </a:defRPr>
+            </a:lvl9pPr>
+          </a:lstStyle>
+          <a:p>
+            <a:pPr marL="0" indent="0">
+              <a:buNone/>
+            </a:pPr>
+            <a:r>
+              <a:rPr lang="en-US" sz="1700" dirty="0">
+                <a:solidFill>
+                  <a:schemeClr val="bg2">
+                    <a:lumMod val="50000"/>
+                  </a:schemeClr>
+                </a:solidFill>
+                <a:latin typeface="-apple-system"/>
+              </a:rPr>
+              <a:t>The table shows sum number of mammals in each park.</a:t>
+            </a:r>
+          </a:p>
+          <a:p>
+            <a:pPr marL="0" indent="0">
+              <a:buNone/>
+            </a:pPr>
+            <a:r>
+              <a:rPr lang="en-US" sz="1700" dirty="0">
+                <a:solidFill>
+                  <a:schemeClr val="bg2">
+                    <a:lumMod val="50000"/>
+                  </a:schemeClr>
+                </a:solidFill>
+                <a:latin typeface="-apple-system"/>
+              </a:rPr>
+              <a:t>Yellowstone National Park has the highest and Great Smoky Mountains National Park has the lowest number of mammals.</a:t>
+            </a:r>
+          </a:p>
+        </p:txBody>
+      </p:sp>
     </p:spTree>
     <p:extLst>
       <p:ext uri="{BB962C8B-B14F-4D97-AF65-F5344CB8AC3E}">
         <p14:creationId xmlns:p14="http://schemas.microsoft.com/office/powerpoint/2010/main" val="3720795522"/>
+      </p:ext>
+    </p:extLst>
+  </p:cSld>
+  <p:clrMapOvr>
+    <a:masterClrMapping/>
+  </p:clrMapOvr>
+</p:sld>
+</file>
+
+<file path=ppt/slides/slide9.xml><?xml version="1.0" encoding="utf-8"?>
+<p:sld xmlns:a="http://schemas.openxmlformats.org/drawingml/2006/main" xmlns:r="http://schemas.openxmlformats.org/officeDocument/2006/relationships" xmlns:p="http://schemas.openxmlformats.org/presentationml/2006/main">
+  <p:cSld>
+    <p:bg>
+      <p:bgPr>
+        <a:solidFill>
+          <a:schemeClr val="bg1"/>
+        </a:solidFill>
+        <a:effectLst/>
+      </p:bgPr>
+    </p:bg>
+    <p:spTree>
+      <p:nvGrpSpPr>
+        <p:cNvPr id="1" name=""/>
+        <p:cNvGrpSpPr/>
+        <p:nvPr/>
+      </p:nvGrpSpPr>
+      <p:grpSpPr>
+        <a:xfrm>
+          <a:off x="0" y="0"/>
+          <a:ext cx="0" cy="0"/>
+          <a:chOff x="0" y="0"/>
+          <a:chExt cx="0" cy="0"/>
+        </a:xfrm>
+      </p:grpSpPr>
+      <p:sp>
+        <p:nvSpPr>
+          <p:cNvPr id="22" name="Rectangle 21">
+            <a:extLst>
+              <a:ext uri="{FF2B5EF4-FFF2-40B4-BE49-F238E27FC236}">
+                <a16:creationId xmlns:a16="http://schemas.microsoft.com/office/drawing/2014/main" id="{0BBB6B01-5B73-410C-B70E-8CF2FA470D11}"/>
+              </a:ext>
+              <a:ext uri="{C183D7F6-B498-43B3-948B-1728B52AA6E4}">
+                <adec:decorative xmlns:adec="http://schemas.microsoft.com/office/drawing/2017/decorative" val="1"/>
+              </a:ext>
+            </a:extLst>
+          </p:cNvPr>
+          <p:cNvSpPr>
+            <a:spLocks noGrp="1" noRot="1" noChangeAspect="1" noMove="1" noResize="1" noEditPoints="1" noAdjustHandles="1" noChangeArrowheads="1" noChangeShapeType="1" noTextEdit="1"/>
+          </p:cNvSpPr>
+          <p:nvPr>
+            <p:extLst>
+              <p:ext uri="{386F3935-93C4-4BCD-93E2-E3B085C9AB24}">
+                <p16:designElem xmlns:p16="http://schemas.microsoft.com/office/powerpoint/2015/main" val="1"/>
+              </p:ext>
+            </p:extLst>
+          </p:nvPr>
+        </p:nvSpPr>
+        <p:spPr>
+          <a:xfrm>
+            <a:off x="728836" y="721224"/>
+            <a:ext cx="5367164" cy="5415552"/>
+          </a:xfrm>
+          <a:prstGeom prst="rect">
+            <a:avLst/>
+          </a:prstGeom>
+          <a:solidFill>
+            <a:srgbClr val="FFFFFF"/>
+          </a:solidFill>
+          <a:ln w="6350" cap="flat" cmpd="sng" algn="ctr">
+            <a:noFill/>
+            <a:prstDash val="solid"/>
+          </a:ln>
+          <a:effectLst>
+            <a:softEdge rad="0"/>
+          </a:effectLst>
+        </p:spPr>
+      </p:sp>
+      <p:sp>
+        <p:nvSpPr>
+          <p:cNvPr id="24" name="Rectangle 23">
+            <a:extLst>
+              <a:ext uri="{FF2B5EF4-FFF2-40B4-BE49-F238E27FC236}">
+                <a16:creationId xmlns:a16="http://schemas.microsoft.com/office/drawing/2014/main" id="{8712F587-12D0-435C-8E3F-F44C36EE71B8}"/>
+              </a:ext>
+              <a:ext uri="{C183D7F6-B498-43B3-948B-1728B52AA6E4}">
+                <adec:decorative xmlns:adec="http://schemas.microsoft.com/office/drawing/2017/decorative" val="1"/>
+              </a:ext>
+            </a:extLst>
+          </p:cNvPr>
+          <p:cNvSpPr>
+            <a:spLocks noGrp="1" noRot="1" noChangeAspect="1" noMove="1" noResize="1" noEditPoints="1" noAdjustHandles="1" noChangeArrowheads="1" noChangeShapeType="1" noTextEdit="1"/>
+          </p:cNvSpPr>
+          <p:nvPr>
+            <p:extLst>
+              <p:ext uri="{386F3935-93C4-4BCD-93E2-E3B085C9AB24}">
+                <p16:designElem xmlns:p16="http://schemas.microsoft.com/office/powerpoint/2015/main" val="1"/>
+              </p:ext>
+            </p:extLst>
+          </p:nvPr>
+        </p:nvSpPr>
+        <p:spPr>
+          <a:xfrm>
+            <a:off x="885217" y="892220"/>
+            <a:ext cx="5054517" cy="5097085"/>
+          </a:xfrm>
+          <a:prstGeom prst="rect">
+            <a:avLst/>
+          </a:prstGeom>
+          <a:noFill/>
+          <a:ln w="6350" cap="sq" cmpd="sng" algn="ctr">
+            <a:solidFill>
+              <a:srgbClr val="404040"/>
+            </a:solidFill>
+            <a:prstDash val="solid"/>
+            <a:miter lim="800000"/>
+          </a:ln>
+          <a:effectLst/>
+        </p:spPr>
+      </p:sp>
+      <p:pic>
+        <p:nvPicPr>
+          <p:cNvPr id="6" name="Picture 5">
+            <a:extLst>
+              <a:ext uri="{FF2B5EF4-FFF2-40B4-BE49-F238E27FC236}">
+                <a16:creationId xmlns:a16="http://schemas.microsoft.com/office/drawing/2014/main" id="{4B3C4404-419F-72AE-E790-C6D83DFB7932}"/>
+              </a:ext>
+            </a:extLst>
+          </p:cNvPr>
+          <p:cNvPicPr>
+            <a:picLocks noChangeAspect="1"/>
+          </p:cNvPicPr>
+          <p:nvPr/>
+        </p:nvPicPr>
+        <p:blipFill>
+          <a:blip r:embed="rId2"/>
+          <a:stretch>
+            <a:fillRect/>
+          </a:stretch>
+        </p:blipFill>
+        <p:spPr>
+          <a:xfrm>
+            <a:off x="2446817" y="1151627"/>
+            <a:ext cx="2380700" cy="4578269"/>
+          </a:xfrm>
+          <a:prstGeom prst="rect">
+            <a:avLst/>
+          </a:prstGeom>
+        </p:spPr>
+      </p:pic>
+      <p:sp>
+        <p:nvSpPr>
+          <p:cNvPr id="4" name="Content Placeholder 2">
+            <a:extLst>
+              <a:ext uri="{FF2B5EF4-FFF2-40B4-BE49-F238E27FC236}">
+                <a16:creationId xmlns:a16="http://schemas.microsoft.com/office/drawing/2014/main" id="{57CF2B7A-A25E-1593-B325-F33618F8617A}"/>
+              </a:ext>
+            </a:extLst>
+          </p:cNvPr>
+          <p:cNvSpPr>
+            <a:spLocks noGrp="1"/>
+          </p:cNvSpPr>
+          <p:nvPr>
+            <p:ph idx="1"/>
+          </p:nvPr>
+        </p:nvSpPr>
+        <p:spPr>
+          <a:xfrm>
+            <a:off x="6349229" y="721224"/>
+            <a:ext cx="4957554" cy="3300170"/>
+          </a:xfrm>
+        </p:spPr>
+        <p:txBody>
+          <a:bodyPr>
+            <a:normAutofit/>
+          </a:bodyPr>
+          <a:lstStyle/>
+          <a:p>
+            <a:pPr>
+              <a:buFont typeface="Wingdings" panose="05000000000000000000" pitchFamily="2" charset="2"/>
+              <a:buChar char="q"/>
+            </a:pPr>
+            <a:r>
+              <a:rPr lang="en-US" sz="1700" i="0" dirty="0">
+                <a:solidFill>
+                  <a:schemeClr val="bg2">
+                    <a:lumMod val="50000"/>
+                  </a:schemeClr>
+                </a:solidFill>
+                <a:effectLst/>
+                <a:latin typeface="-apple-system"/>
+              </a:rPr>
+              <a:t>Which animal is most prevalent and what is their distribution amongst parks?</a:t>
+            </a:r>
+          </a:p>
+          <a:p>
+            <a:pPr marL="0" indent="0">
+              <a:buNone/>
+            </a:pPr>
+            <a:r>
+              <a:rPr lang="en-US" sz="1700" i="0" dirty="0">
+                <a:solidFill>
+                  <a:schemeClr val="bg2">
+                    <a:lumMod val="50000"/>
+                  </a:schemeClr>
+                </a:solidFill>
+                <a:effectLst/>
+                <a:latin typeface="-apple-system"/>
+              </a:rPr>
+              <a:t>First, we have to look at the common names from species data frame to find the most prevalent animals in the dataset. If we look at </a:t>
+            </a:r>
+            <a:r>
+              <a:rPr lang="en-US" sz="1700" i="0" dirty="0" err="1">
+                <a:solidFill>
+                  <a:schemeClr val="bg2">
+                    <a:lumMod val="50000"/>
+                  </a:schemeClr>
+                </a:solidFill>
+                <a:effectLst/>
+                <a:latin typeface="-apple-system"/>
+              </a:rPr>
+              <a:t>common_names</a:t>
+            </a:r>
+            <a:r>
+              <a:rPr lang="en-US" sz="1700" i="0" dirty="0">
+                <a:solidFill>
+                  <a:schemeClr val="bg2">
+                    <a:lumMod val="50000"/>
+                  </a:schemeClr>
+                </a:solidFill>
+                <a:effectLst/>
+                <a:latin typeface="-apple-system"/>
+              </a:rPr>
+              <a:t> column of species, we can see that the data needs cleaning. We must clean it from punctuation and split it into separate words. After we need to drop duplicated names and combine all the list and count the frequency of each animal.</a:t>
+            </a:r>
+          </a:p>
+          <a:p>
+            <a:pPr marL="0" indent="0">
+              <a:buNone/>
+            </a:pPr>
+            <a:endParaRPr lang="en-US" i="0" dirty="0">
+              <a:effectLst/>
+              <a:latin typeface="-apple-system"/>
+            </a:endParaRPr>
+          </a:p>
+          <a:p>
+            <a:pPr marL="0" indent="0">
+              <a:buNone/>
+            </a:pPr>
+            <a:endParaRPr lang="en-US" i="0" dirty="0">
+              <a:effectLst/>
+              <a:latin typeface="-apple-system"/>
+            </a:endParaRPr>
+          </a:p>
+        </p:txBody>
+      </p:sp>
+    </p:spTree>
+    <p:extLst>
+      <p:ext uri="{BB962C8B-B14F-4D97-AF65-F5344CB8AC3E}">
+        <p14:creationId xmlns:p14="http://schemas.microsoft.com/office/powerpoint/2010/main" val="1805247329"/>
       </p:ext>
     </p:extLst>
   </p:cSld>
